--- a/nwt.pptx
+++ b/nwt.pptx
@@ -83,217 +83,16 @@
             <a:noAutofit/>
           </a:bodyPr>
           <a:p>
+            <a:pPr algn="ctr">
+              <a:buNone/>
+            </a:pPr>
             <a:r>
-              <a:rPr b="0" lang="de-DE" sz="1800" spc="-1" strike="noStrike">
-                <a:solidFill>
-                  <a:srgbClr val="000000"/>
-                </a:solidFill>
+              <a:rPr b="0" lang="en-US" sz="4400" spc="-1" strike="noStrike">
                 <a:latin typeface="Arial"/>
               </a:rPr>
-              <a:t>C</a:t>
+              <a:t>Click to move the slide</a:t>
             </a:r>
-            <a:r>
-              <a:rPr b="0" lang="de-DE" sz="1800" spc="-1" strike="noStrike">
-                <a:solidFill>
-                  <a:srgbClr val="000000"/>
-                </a:solidFill>
-                <a:latin typeface="Arial"/>
-              </a:rPr>
-              <a:t>l</a:t>
-            </a:r>
-            <a:r>
-              <a:rPr b="0" lang="de-DE" sz="1800" spc="-1" strike="noStrike">
-                <a:solidFill>
-                  <a:srgbClr val="000000"/>
-                </a:solidFill>
-                <a:latin typeface="Arial"/>
-              </a:rPr>
-              <a:t>i</a:t>
-            </a:r>
-            <a:r>
-              <a:rPr b="0" lang="de-DE" sz="1800" spc="-1" strike="noStrike">
-                <a:solidFill>
-                  <a:srgbClr val="000000"/>
-                </a:solidFill>
-                <a:latin typeface="Arial"/>
-              </a:rPr>
-              <a:t>c</a:t>
-            </a:r>
-            <a:r>
-              <a:rPr b="0" lang="de-DE" sz="1800" spc="-1" strike="noStrike">
-                <a:solidFill>
-                  <a:srgbClr val="000000"/>
-                </a:solidFill>
-                <a:latin typeface="Arial"/>
-              </a:rPr>
-              <a:t>k</a:t>
-            </a:r>
-            <a:r>
-              <a:rPr b="0" lang="de-DE" sz="1800" spc="-1" strike="noStrike">
-                <a:solidFill>
-                  <a:srgbClr val="000000"/>
-                </a:solidFill>
-                <a:latin typeface="Arial"/>
-              </a:rPr>
-              <a:t> </a:t>
-            </a:r>
-            <a:r>
-              <a:rPr b="0" lang="de-DE" sz="1800" spc="-1" strike="noStrike">
-                <a:solidFill>
-                  <a:srgbClr val="000000"/>
-                </a:solidFill>
-                <a:latin typeface="Arial"/>
-              </a:rPr>
-              <a:t>t</a:t>
-            </a:r>
-            <a:r>
-              <a:rPr b="0" lang="de-DE" sz="1800" spc="-1" strike="noStrike">
-                <a:solidFill>
-                  <a:srgbClr val="000000"/>
-                </a:solidFill>
-                <a:latin typeface="Arial"/>
-              </a:rPr>
-              <a:t>o</a:t>
-            </a:r>
-            <a:r>
-              <a:rPr b="0" lang="de-DE" sz="1800" spc="-1" strike="noStrike">
-                <a:solidFill>
-                  <a:srgbClr val="000000"/>
-                </a:solidFill>
-                <a:latin typeface="Arial"/>
-              </a:rPr>
-              <a:t> </a:t>
-            </a:r>
-            <a:r>
-              <a:rPr b="0" lang="de-DE" sz="1800" spc="-1" strike="noStrike">
-                <a:solidFill>
-                  <a:srgbClr val="000000"/>
-                </a:solidFill>
-                <a:latin typeface="Arial"/>
-              </a:rPr>
-              <a:t>m</a:t>
-            </a:r>
-            <a:r>
-              <a:rPr b="0" lang="de-DE" sz="1800" spc="-1" strike="noStrike">
-                <a:solidFill>
-                  <a:srgbClr val="000000"/>
-                </a:solidFill>
-                <a:latin typeface="Arial"/>
-              </a:rPr>
-              <a:t>o</a:t>
-            </a:r>
-            <a:r>
-              <a:rPr b="0" lang="de-DE" sz="1800" spc="-1" strike="noStrike">
-                <a:solidFill>
-                  <a:srgbClr val="000000"/>
-                </a:solidFill>
-                <a:latin typeface="Arial"/>
-              </a:rPr>
-              <a:t>v</a:t>
-            </a:r>
-            <a:r>
-              <a:rPr b="0" lang="de-DE" sz="1800" spc="-1" strike="noStrike">
-                <a:solidFill>
-                  <a:srgbClr val="000000"/>
-                </a:solidFill>
-                <a:latin typeface="Arial"/>
-              </a:rPr>
-              <a:t>e</a:t>
-            </a:r>
-            <a:r>
-              <a:rPr b="0" lang="de-DE" sz="1800" spc="-1" strike="noStrike">
-                <a:solidFill>
-                  <a:srgbClr val="000000"/>
-                </a:solidFill>
-                <a:latin typeface="Arial"/>
-              </a:rPr>
-              <a:t> </a:t>
-            </a:r>
-            <a:r>
-              <a:rPr b="0" lang="de-DE" sz="1800" spc="-1" strike="noStrike">
-                <a:solidFill>
-                  <a:srgbClr val="000000"/>
-                </a:solidFill>
-                <a:latin typeface="Arial"/>
-              </a:rPr>
-              <a:t>t</a:t>
-            </a:r>
-            <a:r>
-              <a:rPr b="0" lang="de-DE" sz="1800" spc="-1" strike="noStrike">
-                <a:solidFill>
-                  <a:srgbClr val="000000"/>
-                </a:solidFill>
-                <a:latin typeface="Arial"/>
-              </a:rPr>
-              <a:t>h</a:t>
-            </a:r>
-            <a:r>
-              <a:rPr b="0" lang="de-DE" sz="1800" spc="-1" strike="noStrike">
-                <a:solidFill>
-                  <a:srgbClr val="000000"/>
-                </a:solidFill>
-                <a:latin typeface="Arial"/>
-              </a:rPr>
-              <a:t>e</a:t>
-            </a:r>
-            <a:r>
-              <a:rPr b="0" lang="de-DE" sz="1800" spc="-1" strike="noStrike">
-                <a:solidFill>
-                  <a:srgbClr val="000000"/>
-                </a:solidFill>
-                <a:latin typeface="Arial"/>
-              </a:rPr>
-              <a:t> </a:t>
-            </a:r>
-            <a:r>
-              <a:rPr b="0" lang="de-DE" sz="1800" spc="-1" strike="noStrike">
-                <a:solidFill>
-                  <a:srgbClr val="000000"/>
-                </a:solidFill>
-                <a:latin typeface="Arial"/>
-              </a:rPr>
-              <a:t>s</a:t>
-            </a:r>
-            <a:r>
-              <a:rPr b="0" lang="de-DE" sz="1800" spc="-1" strike="noStrike">
-                <a:solidFill>
-                  <a:srgbClr val="000000"/>
-                </a:solidFill>
-                <a:latin typeface="Arial"/>
-              </a:rPr>
-              <a:t>l</a:t>
-            </a:r>
-            <a:r>
-              <a:rPr b="0" lang="de-DE" sz="1800" spc="-1" strike="noStrike">
-                <a:solidFill>
-                  <a:srgbClr val="000000"/>
-                </a:solidFill>
-                <a:latin typeface="Arial"/>
-              </a:rPr>
-              <a:t>i</a:t>
-            </a:r>
-            <a:r>
-              <a:rPr b="0" lang="de-DE" sz="1800" spc="-1" strike="noStrike">
-                <a:solidFill>
-                  <a:srgbClr val="000000"/>
-                </a:solidFill>
-                <a:latin typeface="Arial"/>
-              </a:rPr>
-              <a:t>d</a:t>
-            </a:r>
-            <a:r>
-              <a:rPr b="0" lang="de-DE" sz="1800" spc="-1" strike="noStrike">
-                <a:solidFill>
-                  <a:srgbClr val="000000"/>
-                </a:solidFill>
-                <a:latin typeface="Arial"/>
-              </a:rPr>
-              <a:t>e</a:t>
-            </a:r>
-            <a:endParaRPr b="0" lang="de-DE" sz="1800" spc="-1" strike="noStrike">
-              <a:solidFill>
-                <a:srgbClr val="000000"/>
-              </a:solidFill>
+            <a:endParaRPr b="0" lang="en-US" sz="4400" spc="-1" strike="noStrike">
               <a:latin typeface="Arial"/>
             </a:endParaRPr>
           </a:p>
@@ -331,85 +130,7 @@
               <a:rPr b="0" lang="en-US" sz="2000" spc="-1" strike="noStrike">
                 <a:latin typeface="Arial"/>
               </a:rPr>
-              <a:t>Clic</a:t>
-            </a:r>
-            <a:r>
-              <a:rPr b="0" lang="en-US" sz="2000" spc="-1" strike="noStrike">
-                <a:latin typeface="Arial"/>
-              </a:rPr>
-              <a:t>k </a:t>
-            </a:r>
-            <a:r>
-              <a:rPr b="0" lang="en-US" sz="2000" spc="-1" strike="noStrike">
-                <a:latin typeface="Arial"/>
-              </a:rPr>
-              <a:t>to </a:t>
-            </a:r>
-            <a:r>
-              <a:rPr b="0" lang="en-US" sz="2000" spc="-1" strike="noStrike">
-                <a:latin typeface="Arial"/>
-              </a:rPr>
-              <a:t>ed</a:t>
-            </a:r>
-            <a:r>
-              <a:rPr b="0" lang="en-US" sz="2000" spc="-1" strike="noStrike">
-                <a:latin typeface="Arial"/>
-              </a:rPr>
-              <a:t>it </a:t>
-            </a:r>
-            <a:r>
-              <a:rPr b="0" lang="en-US" sz="2000" spc="-1" strike="noStrike">
-                <a:latin typeface="Arial"/>
-              </a:rPr>
-              <a:t>th</a:t>
-            </a:r>
-            <a:r>
-              <a:rPr b="0" lang="en-US" sz="2000" spc="-1" strike="noStrike">
-                <a:latin typeface="Arial"/>
-              </a:rPr>
-              <a:t>e </a:t>
-            </a:r>
-            <a:r>
-              <a:rPr b="0" lang="en-US" sz="2000" spc="-1" strike="noStrike">
-                <a:latin typeface="Arial"/>
-              </a:rPr>
-              <a:t>no</a:t>
-            </a:r>
-            <a:r>
-              <a:rPr b="0" lang="en-US" sz="2000" spc="-1" strike="noStrike">
-                <a:latin typeface="Arial"/>
-              </a:rPr>
-              <a:t>te</a:t>
-            </a:r>
-            <a:r>
-              <a:rPr b="0" lang="en-US" sz="2000" spc="-1" strike="noStrike">
-                <a:latin typeface="Arial"/>
-              </a:rPr>
-              <a:t>s </a:t>
-            </a:r>
-            <a:r>
-              <a:rPr b="0" lang="en-US" sz="2000" spc="-1" strike="noStrike">
-                <a:latin typeface="Arial"/>
-              </a:rPr>
-              <a:t>fo</a:t>
-            </a:r>
-            <a:r>
-              <a:rPr b="0" lang="en-US" sz="2000" spc="-1" strike="noStrike">
-                <a:latin typeface="Arial"/>
-              </a:rPr>
-              <a:t>r</a:t>
-            </a:r>
-            <a:r>
-              <a:rPr b="0" lang="en-US" sz="2000" spc="-1" strike="noStrike">
-                <a:latin typeface="Arial"/>
-              </a:rPr>
-              <a:t>m</a:t>
-            </a:r>
-            <a:r>
-              <a:rPr b="0" lang="en-US" sz="2000" spc="-1" strike="noStrike">
-                <a:latin typeface="Arial"/>
-              </a:rPr>
-              <a:t>at</a:t>
+              <a:t>Click to edit the notes format</a:t>
             </a:r>
             <a:endParaRPr b="0" lang="en-US" sz="2000" spc="-1" strike="noStrike">
               <a:latin typeface="Arial"/>
@@ -594,7 +315,7 @@
             <a:pPr algn="r">
               <a:buNone/>
             </a:pPr>
-            <a:fld id="{57B8F915-1721-4D30-95FA-EA887BE95D01}" type="slidenum">
+            <a:fld id="{53783FEA-7069-4CE4-A92A-408D85B15E6E}" type="slidenum">
               <a:rPr b="0" lang="en-US" sz="1400" spc="-1" strike="noStrike">
                 <a:latin typeface="Times New Roman"/>
               </a:rPr>
@@ -642,7 +363,7 @@
         <p:spPr>
           <a:xfrm>
             <a:off x="4278960" y="10157400"/>
-            <a:ext cx="3279960" cy="533520"/>
+            <a:ext cx="3279600" cy="533160"/>
           </a:xfrm>
           <a:prstGeom prst="rect">
             <a:avLst/>
@@ -678,7 +399,7 @@
               </a:lnSpc>
               <a:buNone/>
             </a:pPr>
-            <a:fld id="{3F92D22D-8F3E-489E-86EB-18675E3CC8F6}" type="slidenum">
+            <a:fld id="{E929143D-6446-4FBE-9FE3-9BA896BD1CBF}" type="slidenum">
               <a:rPr b="0" lang="en-US" sz="1400" spc="-1" strike="noStrike">
                 <a:solidFill>
                   <a:srgbClr val="ffffff"/>
@@ -686,7 +407,7 @@
                 <a:latin typeface="Arial"/>
                 <a:ea typeface="DejaVu Sans"/>
               </a:rPr>
-              <a:t>&lt;number&gt;</a:t>
+              <a:t>21</a:t>
             </a:fld>
             <a:endParaRPr b="0" lang="en-US" sz="1400" spc="-1" strike="noStrike">
               <a:latin typeface="Times New Roman"/>
@@ -707,7 +428,7 @@
         <p:spPr>
           <a:xfrm>
             <a:off x="217440" y="812880"/>
-            <a:ext cx="7122600" cy="4008240"/>
+            <a:ext cx="7122240" cy="4007880"/>
           </a:xfrm>
           <a:prstGeom prst="rect">
             <a:avLst/>
@@ -730,7 +451,7 @@
         <p:spPr>
           <a:xfrm>
             <a:off x="756000" y="5078520"/>
-            <a:ext cx="6046920" cy="4810680"/>
+            <a:ext cx="6046560" cy="4810320"/>
           </a:xfrm>
           <a:prstGeom prst="rect">
             <a:avLst/>
@@ -786,7 +507,7 @@
         <p:spPr>
           <a:xfrm>
             <a:off x="4278960" y="10157400"/>
-            <a:ext cx="3279960" cy="533520"/>
+            <a:ext cx="3279600" cy="533160"/>
           </a:xfrm>
           <a:prstGeom prst="rect">
             <a:avLst/>
@@ -822,7 +543,7 @@
               </a:lnSpc>
               <a:buNone/>
             </a:pPr>
-            <a:fld id="{081743F2-4B84-46B3-9D92-C7627E24AA37}" type="slidenum">
+            <a:fld id="{3EB413F7-2EC7-442F-A9F2-2A469DAAE2DF}" type="slidenum">
               <a:rPr b="0" lang="en-US" sz="1400" spc="-1" strike="noStrike">
                 <a:solidFill>
                   <a:srgbClr val="ffffff"/>
@@ -830,7 +551,7 @@
                 <a:latin typeface="Arial"/>
                 <a:ea typeface="DejaVu Sans"/>
               </a:rPr>
-              <a:t>&lt;number&gt;</a:t>
+              <a:t>21</a:t>
             </a:fld>
             <a:endParaRPr b="0" lang="en-US" sz="1400" spc="-1" strike="noStrike">
               <a:latin typeface="Times New Roman"/>
@@ -851,7 +572,7 @@
         <p:spPr>
           <a:xfrm>
             <a:off x="217440" y="812880"/>
-            <a:ext cx="7122600" cy="4008240"/>
+            <a:ext cx="7122240" cy="4007880"/>
           </a:xfrm>
           <a:prstGeom prst="rect">
             <a:avLst/>
@@ -874,7 +595,7 @@
         <p:spPr>
           <a:xfrm>
             <a:off x="756000" y="5078520"/>
-            <a:ext cx="6046920" cy="4810680"/>
+            <a:ext cx="6046560" cy="4810320"/>
           </a:xfrm>
           <a:prstGeom prst="rect">
             <a:avLst/>
@@ -930,7 +651,7 @@
         <p:spPr>
           <a:xfrm>
             <a:off x="4278960" y="10157400"/>
-            <a:ext cx="3279960" cy="533520"/>
+            <a:ext cx="3279600" cy="533160"/>
           </a:xfrm>
           <a:prstGeom prst="rect">
             <a:avLst/>
@@ -966,7 +687,7 @@
               </a:lnSpc>
               <a:buNone/>
             </a:pPr>
-            <a:fld id="{2A362830-0631-4737-A850-F2866E13428C}" type="slidenum">
+            <a:fld id="{CE6DA32D-83C0-43D6-B96E-57C51E6AF735}" type="slidenum">
               <a:rPr b="0" lang="en-US" sz="1400" spc="-1" strike="noStrike">
                 <a:solidFill>
                   <a:srgbClr val="ffffff"/>
@@ -995,7 +716,7 @@
         <p:spPr>
           <a:xfrm>
             <a:off x="217440" y="812880"/>
-            <a:ext cx="7122600" cy="4008240"/>
+            <a:ext cx="7122240" cy="4007880"/>
           </a:xfrm>
           <a:prstGeom prst="rect">
             <a:avLst/>
@@ -1018,7 +739,7 @@
         <p:spPr>
           <a:xfrm>
             <a:off x="756000" y="5078520"/>
-            <a:ext cx="6046920" cy="4810680"/>
+            <a:ext cx="6046560" cy="4810320"/>
           </a:xfrm>
           <a:prstGeom prst="rect">
             <a:avLst/>
@@ -1074,7 +795,7 @@
         <p:spPr>
           <a:xfrm>
             <a:off x="4278960" y="10157400"/>
-            <a:ext cx="3279960" cy="533520"/>
+            <a:ext cx="3279600" cy="533160"/>
           </a:xfrm>
           <a:prstGeom prst="rect">
             <a:avLst/>
@@ -1110,7 +831,7 @@
               </a:lnSpc>
               <a:buNone/>
             </a:pPr>
-            <a:fld id="{655E9031-69CD-46B8-B802-D0E2C1F7C6BE}" type="slidenum">
+            <a:fld id="{9E2C9592-CD07-4913-A97C-5FDE59B2782E}" type="slidenum">
               <a:rPr b="0" lang="en-US" sz="1400" spc="-1" strike="noStrike">
                 <a:solidFill>
                   <a:srgbClr val="ffffff"/>
@@ -1139,7 +860,7 @@
         <p:spPr>
           <a:xfrm>
             <a:off x="217440" y="812880"/>
-            <a:ext cx="7122600" cy="4008240"/>
+            <a:ext cx="7122240" cy="4007880"/>
           </a:xfrm>
           <a:prstGeom prst="rect">
             <a:avLst/>
@@ -1162,7 +883,7 @@
         <p:spPr>
           <a:xfrm>
             <a:off x="756000" y="5078520"/>
-            <a:ext cx="6046920" cy="4810680"/>
+            <a:ext cx="6046560" cy="4810320"/>
           </a:xfrm>
           <a:prstGeom prst="rect">
             <a:avLst/>
@@ -1255,10 +976,10 @@
             <a:noAutofit/>
           </a:bodyPr>
           <a:p>
-            <a:endParaRPr b="0" lang="de-DE" sz="1800" spc="-1" strike="noStrike">
-              <a:solidFill>
-                <a:srgbClr val="000000"/>
-              </a:solidFill>
+            <a:pPr algn="ctr">
+              <a:buNone/>
+            </a:pPr>
+            <a:endParaRPr b="0" lang="en-US" sz="4400" spc="-1" strike="noStrike">
               <a:latin typeface="Arial"/>
             </a:endParaRPr>
           </a:p>
@@ -1292,19 +1013,7 @@
             <a:normAutofit/>
           </a:bodyPr>
           <a:p>
-            <a:pPr>
-              <a:lnSpc>
-                <a:spcPct val="90000"/>
-              </a:lnSpc>
-              <a:spcBef>
-                <a:spcPts val="1417"/>
-              </a:spcBef>
-              <a:buNone/>
-            </a:pPr>
-            <a:endParaRPr b="0" lang="de-DE" sz="2800" spc="-1" strike="noStrike">
-              <a:solidFill>
-                <a:srgbClr val="000000"/>
-              </a:solidFill>
+            <a:endParaRPr b="0" lang="en-US" sz="3200" spc="-1" strike="noStrike">
               <a:latin typeface="Arial"/>
             </a:endParaRPr>
           </a:p>
@@ -1338,19 +1047,7 @@
             <a:normAutofit/>
           </a:bodyPr>
           <a:p>
-            <a:pPr>
-              <a:lnSpc>
-                <a:spcPct val="90000"/>
-              </a:lnSpc>
-              <a:spcBef>
-                <a:spcPts val="1417"/>
-              </a:spcBef>
-              <a:buNone/>
-            </a:pPr>
-            <a:endParaRPr b="0" lang="de-DE" sz="2800" spc="-1" strike="noStrike">
-              <a:solidFill>
-                <a:srgbClr val="000000"/>
-              </a:solidFill>
+            <a:endParaRPr b="0" lang="en-US" sz="3200" spc="-1" strike="noStrike">
               <a:latin typeface="Arial"/>
             </a:endParaRPr>
           </a:p>
@@ -1406,10 +1103,10 @@
             <a:noAutofit/>
           </a:bodyPr>
           <a:p>
-            <a:endParaRPr b="0" lang="de-DE" sz="1800" spc="-1" strike="noStrike">
-              <a:solidFill>
-                <a:srgbClr val="000000"/>
-              </a:solidFill>
+            <a:pPr algn="ctr">
+              <a:buNone/>
+            </a:pPr>
+            <a:endParaRPr b="0" lang="en-US" sz="4400" spc="-1" strike="noStrike">
               <a:latin typeface="Arial"/>
             </a:endParaRPr>
           </a:p>
@@ -1443,19 +1140,7 @@
             <a:normAutofit/>
           </a:bodyPr>
           <a:p>
-            <a:pPr>
-              <a:lnSpc>
-                <a:spcPct val="90000"/>
-              </a:lnSpc>
-              <a:spcBef>
-                <a:spcPts val="1417"/>
-              </a:spcBef>
-              <a:buNone/>
-            </a:pPr>
-            <a:endParaRPr b="0" lang="de-DE" sz="2800" spc="-1" strike="noStrike">
-              <a:solidFill>
-                <a:srgbClr val="000000"/>
-              </a:solidFill>
+            <a:endParaRPr b="0" lang="en-US" sz="3200" spc="-1" strike="noStrike">
               <a:latin typeface="Arial"/>
             </a:endParaRPr>
           </a:p>
@@ -1489,19 +1174,7 @@
             <a:normAutofit/>
           </a:bodyPr>
           <a:p>
-            <a:pPr>
-              <a:lnSpc>
-                <a:spcPct val="90000"/>
-              </a:lnSpc>
-              <a:spcBef>
-                <a:spcPts val="1417"/>
-              </a:spcBef>
-              <a:buNone/>
-            </a:pPr>
-            <a:endParaRPr b="0" lang="de-DE" sz="2800" spc="-1" strike="noStrike">
-              <a:solidFill>
-                <a:srgbClr val="000000"/>
-              </a:solidFill>
+            <a:endParaRPr b="0" lang="en-US" sz="3200" spc="-1" strike="noStrike">
               <a:latin typeface="Arial"/>
             </a:endParaRPr>
           </a:p>
@@ -1535,19 +1208,7 @@
             <a:normAutofit/>
           </a:bodyPr>
           <a:p>
-            <a:pPr>
-              <a:lnSpc>
-                <a:spcPct val="90000"/>
-              </a:lnSpc>
-              <a:spcBef>
-                <a:spcPts val="1417"/>
-              </a:spcBef>
-              <a:buNone/>
-            </a:pPr>
-            <a:endParaRPr b="0" lang="de-DE" sz="2800" spc="-1" strike="noStrike">
-              <a:solidFill>
-                <a:srgbClr val="000000"/>
-              </a:solidFill>
+            <a:endParaRPr b="0" lang="en-US" sz="3200" spc="-1" strike="noStrike">
               <a:latin typeface="Arial"/>
             </a:endParaRPr>
           </a:p>
@@ -1581,19 +1242,7 @@
             <a:normAutofit/>
           </a:bodyPr>
           <a:p>
-            <a:pPr>
-              <a:lnSpc>
-                <a:spcPct val="90000"/>
-              </a:lnSpc>
-              <a:spcBef>
-                <a:spcPts val="1417"/>
-              </a:spcBef>
-              <a:buNone/>
-            </a:pPr>
-            <a:endParaRPr b="0" lang="de-DE" sz="2800" spc="-1" strike="noStrike">
-              <a:solidFill>
-                <a:srgbClr val="000000"/>
-              </a:solidFill>
+            <a:endParaRPr b="0" lang="en-US" sz="3200" spc="-1" strike="noStrike">
               <a:latin typeface="Arial"/>
             </a:endParaRPr>
           </a:p>
@@ -1649,10 +1298,10 @@
             <a:noAutofit/>
           </a:bodyPr>
           <a:p>
-            <a:endParaRPr b="0" lang="de-DE" sz="1800" spc="-1" strike="noStrike">
-              <a:solidFill>
-                <a:srgbClr val="000000"/>
-              </a:solidFill>
+            <a:pPr algn="ctr">
+              <a:buNone/>
+            </a:pPr>
+            <a:endParaRPr b="0" lang="en-US" sz="4400" spc="-1" strike="noStrike">
               <a:latin typeface="Arial"/>
             </a:endParaRPr>
           </a:p>
@@ -1686,19 +1335,7 @@
             <a:normAutofit/>
           </a:bodyPr>
           <a:p>
-            <a:pPr>
-              <a:lnSpc>
-                <a:spcPct val="90000"/>
-              </a:lnSpc>
-              <a:spcBef>
-                <a:spcPts val="1417"/>
-              </a:spcBef>
-              <a:buNone/>
-            </a:pPr>
-            <a:endParaRPr b="0" lang="de-DE" sz="2800" spc="-1" strike="noStrike">
-              <a:solidFill>
-                <a:srgbClr val="000000"/>
-              </a:solidFill>
+            <a:endParaRPr b="0" lang="en-US" sz="3200" spc="-1" strike="noStrike">
               <a:latin typeface="Arial"/>
             </a:endParaRPr>
           </a:p>
@@ -1732,19 +1369,7 @@
             <a:normAutofit/>
           </a:bodyPr>
           <a:p>
-            <a:pPr>
-              <a:lnSpc>
-                <a:spcPct val="90000"/>
-              </a:lnSpc>
-              <a:spcBef>
-                <a:spcPts val="1417"/>
-              </a:spcBef>
-              <a:buNone/>
-            </a:pPr>
-            <a:endParaRPr b="0" lang="de-DE" sz="2800" spc="-1" strike="noStrike">
-              <a:solidFill>
-                <a:srgbClr val="000000"/>
-              </a:solidFill>
+            <a:endParaRPr b="0" lang="en-US" sz="3200" spc="-1" strike="noStrike">
               <a:latin typeface="Arial"/>
             </a:endParaRPr>
           </a:p>
@@ -1778,19 +1403,7 @@
             <a:normAutofit/>
           </a:bodyPr>
           <a:p>
-            <a:pPr>
-              <a:lnSpc>
-                <a:spcPct val="90000"/>
-              </a:lnSpc>
-              <a:spcBef>
-                <a:spcPts val="1417"/>
-              </a:spcBef>
-              <a:buNone/>
-            </a:pPr>
-            <a:endParaRPr b="0" lang="de-DE" sz="2800" spc="-1" strike="noStrike">
-              <a:solidFill>
-                <a:srgbClr val="000000"/>
-              </a:solidFill>
+            <a:endParaRPr b="0" lang="en-US" sz="3200" spc="-1" strike="noStrike">
               <a:latin typeface="Arial"/>
             </a:endParaRPr>
           </a:p>
@@ -1824,19 +1437,7 @@
             <a:normAutofit/>
           </a:bodyPr>
           <a:p>
-            <a:pPr>
-              <a:lnSpc>
-                <a:spcPct val="90000"/>
-              </a:lnSpc>
-              <a:spcBef>
-                <a:spcPts val="1417"/>
-              </a:spcBef>
-              <a:buNone/>
-            </a:pPr>
-            <a:endParaRPr b="0" lang="de-DE" sz="2800" spc="-1" strike="noStrike">
-              <a:solidFill>
-                <a:srgbClr val="000000"/>
-              </a:solidFill>
+            <a:endParaRPr b="0" lang="en-US" sz="3200" spc="-1" strike="noStrike">
               <a:latin typeface="Arial"/>
             </a:endParaRPr>
           </a:p>
@@ -1870,19 +1471,7 @@
             <a:normAutofit/>
           </a:bodyPr>
           <a:p>
-            <a:pPr>
-              <a:lnSpc>
-                <a:spcPct val="90000"/>
-              </a:lnSpc>
-              <a:spcBef>
-                <a:spcPts val="1417"/>
-              </a:spcBef>
-              <a:buNone/>
-            </a:pPr>
-            <a:endParaRPr b="0" lang="de-DE" sz="2800" spc="-1" strike="noStrike">
-              <a:solidFill>
-                <a:srgbClr val="000000"/>
-              </a:solidFill>
+            <a:endParaRPr b="0" lang="en-US" sz="3200" spc="-1" strike="noStrike">
               <a:latin typeface="Arial"/>
             </a:endParaRPr>
           </a:p>
@@ -1916,19 +1505,7 @@
             <a:normAutofit/>
           </a:bodyPr>
           <a:p>
-            <a:pPr>
-              <a:lnSpc>
-                <a:spcPct val="90000"/>
-              </a:lnSpc>
-              <a:spcBef>
-                <a:spcPts val="1417"/>
-              </a:spcBef>
-              <a:buNone/>
-            </a:pPr>
-            <a:endParaRPr b="0" lang="de-DE" sz="2800" spc="-1" strike="noStrike">
-              <a:solidFill>
-                <a:srgbClr val="000000"/>
-              </a:solidFill>
+            <a:endParaRPr b="0" lang="en-US" sz="3200" spc="-1" strike="noStrike">
               <a:latin typeface="Arial"/>
             </a:endParaRPr>
           </a:p>
@@ -2006,10 +1583,10 @@
             <a:noAutofit/>
           </a:bodyPr>
           <a:p>
-            <a:endParaRPr b="0" lang="de-DE" sz="1800" spc="-1" strike="noStrike">
-              <a:solidFill>
-                <a:srgbClr val="000000"/>
-              </a:solidFill>
+            <a:pPr algn="ctr">
+              <a:buNone/>
+            </a:pPr>
+            <a:endParaRPr b="0" lang="en-US" sz="4400" spc="-1" strike="noStrike">
               <a:latin typeface="Arial"/>
             </a:endParaRPr>
           </a:p>
@@ -2102,10 +1679,10 @@
             <a:noAutofit/>
           </a:bodyPr>
           <a:p>
-            <a:endParaRPr b="0" lang="de-DE" sz="1800" spc="-1" strike="noStrike">
-              <a:solidFill>
-                <a:srgbClr val="000000"/>
-              </a:solidFill>
+            <a:pPr algn="ctr">
+              <a:buNone/>
+            </a:pPr>
+            <a:endParaRPr b="0" lang="en-US" sz="4400" spc="-1" strike="noStrike">
               <a:latin typeface="Arial"/>
             </a:endParaRPr>
           </a:p>
@@ -2139,19 +1716,7 @@
             <a:normAutofit/>
           </a:bodyPr>
           <a:p>
-            <a:pPr>
-              <a:lnSpc>
-                <a:spcPct val="90000"/>
-              </a:lnSpc>
-              <a:spcBef>
-                <a:spcPts val="1417"/>
-              </a:spcBef>
-              <a:buNone/>
-            </a:pPr>
-            <a:endParaRPr b="0" lang="de-DE" sz="2800" spc="-1" strike="noStrike">
-              <a:solidFill>
-                <a:srgbClr val="000000"/>
-              </a:solidFill>
+            <a:endParaRPr b="0" lang="en-US" sz="3200" spc="-1" strike="noStrike">
               <a:latin typeface="Arial"/>
             </a:endParaRPr>
           </a:p>
@@ -2207,10 +1772,10 @@
             <a:noAutofit/>
           </a:bodyPr>
           <a:p>
-            <a:endParaRPr b="0" lang="de-DE" sz="1800" spc="-1" strike="noStrike">
-              <a:solidFill>
-                <a:srgbClr val="000000"/>
-              </a:solidFill>
+            <a:pPr algn="ctr">
+              <a:buNone/>
+            </a:pPr>
+            <a:endParaRPr b="0" lang="en-US" sz="4400" spc="-1" strike="noStrike">
               <a:latin typeface="Arial"/>
             </a:endParaRPr>
           </a:p>
@@ -2244,19 +1809,7 @@
             <a:normAutofit/>
           </a:bodyPr>
           <a:p>
-            <a:pPr>
-              <a:lnSpc>
-                <a:spcPct val="90000"/>
-              </a:lnSpc>
-              <a:spcBef>
-                <a:spcPts val="1417"/>
-              </a:spcBef>
-              <a:buNone/>
-            </a:pPr>
-            <a:endParaRPr b="0" lang="de-DE" sz="2800" spc="-1" strike="noStrike">
-              <a:solidFill>
-                <a:srgbClr val="000000"/>
-              </a:solidFill>
+            <a:endParaRPr b="0" lang="en-US" sz="3200" spc="-1" strike="noStrike">
               <a:latin typeface="Arial"/>
             </a:endParaRPr>
           </a:p>
@@ -2290,19 +1843,7 @@
             <a:normAutofit/>
           </a:bodyPr>
           <a:p>
-            <a:pPr>
-              <a:lnSpc>
-                <a:spcPct val="90000"/>
-              </a:lnSpc>
-              <a:spcBef>
-                <a:spcPts val="1417"/>
-              </a:spcBef>
-              <a:buNone/>
-            </a:pPr>
-            <a:endParaRPr b="0" lang="de-DE" sz="2800" spc="-1" strike="noStrike">
-              <a:solidFill>
-                <a:srgbClr val="000000"/>
-              </a:solidFill>
+            <a:endParaRPr b="0" lang="en-US" sz="3200" spc="-1" strike="noStrike">
               <a:latin typeface="Arial"/>
             </a:endParaRPr>
           </a:p>
@@ -2358,10 +1899,10 @@
             <a:noAutofit/>
           </a:bodyPr>
           <a:p>
-            <a:endParaRPr b="0" lang="de-DE" sz="1800" spc="-1" strike="noStrike">
-              <a:solidFill>
-                <a:srgbClr val="000000"/>
-              </a:solidFill>
+            <a:pPr algn="ctr">
+              <a:buNone/>
+            </a:pPr>
+            <a:endParaRPr b="0" lang="en-US" sz="4400" spc="-1" strike="noStrike">
               <a:latin typeface="Arial"/>
             </a:endParaRPr>
           </a:p>
@@ -2476,10 +2017,10 @@
             <a:noAutofit/>
           </a:bodyPr>
           <a:p>
-            <a:endParaRPr b="0" lang="de-DE" sz="1800" spc="-1" strike="noStrike">
-              <a:solidFill>
-                <a:srgbClr val="000000"/>
-              </a:solidFill>
+            <a:pPr algn="ctr">
+              <a:buNone/>
+            </a:pPr>
+            <a:endParaRPr b="0" lang="en-US" sz="4400" spc="-1" strike="noStrike">
               <a:latin typeface="Arial"/>
             </a:endParaRPr>
           </a:p>
@@ -2513,19 +2054,7 @@
             <a:normAutofit/>
           </a:bodyPr>
           <a:p>
-            <a:pPr>
-              <a:lnSpc>
-                <a:spcPct val="90000"/>
-              </a:lnSpc>
-              <a:spcBef>
-                <a:spcPts val="1417"/>
-              </a:spcBef>
-              <a:buNone/>
-            </a:pPr>
-            <a:endParaRPr b="0" lang="de-DE" sz="2800" spc="-1" strike="noStrike">
-              <a:solidFill>
-                <a:srgbClr val="000000"/>
-              </a:solidFill>
+            <a:endParaRPr b="0" lang="en-US" sz="3200" spc="-1" strike="noStrike">
               <a:latin typeface="Arial"/>
             </a:endParaRPr>
           </a:p>
@@ -2559,19 +2088,7 @@
             <a:normAutofit/>
           </a:bodyPr>
           <a:p>
-            <a:pPr>
-              <a:lnSpc>
-                <a:spcPct val="90000"/>
-              </a:lnSpc>
-              <a:spcBef>
-                <a:spcPts val="1417"/>
-              </a:spcBef>
-              <a:buNone/>
-            </a:pPr>
-            <a:endParaRPr b="0" lang="de-DE" sz="2800" spc="-1" strike="noStrike">
-              <a:solidFill>
-                <a:srgbClr val="000000"/>
-              </a:solidFill>
+            <a:endParaRPr b="0" lang="en-US" sz="3200" spc="-1" strike="noStrike">
               <a:latin typeface="Arial"/>
             </a:endParaRPr>
           </a:p>
@@ -2605,19 +2122,7 @@
             <a:normAutofit/>
           </a:bodyPr>
           <a:p>
-            <a:pPr>
-              <a:lnSpc>
-                <a:spcPct val="90000"/>
-              </a:lnSpc>
-              <a:spcBef>
-                <a:spcPts val="1417"/>
-              </a:spcBef>
-              <a:buNone/>
-            </a:pPr>
-            <a:endParaRPr b="0" lang="de-DE" sz="2800" spc="-1" strike="noStrike">
-              <a:solidFill>
-                <a:srgbClr val="000000"/>
-              </a:solidFill>
+            <a:endParaRPr b="0" lang="en-US" sz="3200" spc="-1" strike="noStrike">
               <a:latin typeface="Arial"/>
             </a:endParaRPr>
           </a:p>
@@ -2673,10 +2178,10 @@
             <a:noAutofit/>
           </a:bodyPr>
           <a:p>
-            <a:endParaRPr b="0" lang="de-DE" sz="1800" spc="-1" strike="noStrike">
-              <a:solidFill>
-                <a:srgbClr val="000000"/>
-              </a:solidFill>
+            <a:pPr algn="ctr">
+              <a:buNone/>
+            </a:pPr>
+            <a:endParaRPr b="0" lang="en-US" sz="4400" spc="-1" strike="noStrike">
               <a:latin typeface="Arial"/>
             </a:endParaRPr>
           </a:p>
@@ -2769,10 +2274,10 @@
             <a:noAutofit/>
           </a:bodyPr>
           <a:p>
-            <a:endParaRPr b="0" lang="de-DE" sz="1800" spc="-1" strike="noStrike">
-              <a:solidFill>
-                <a:srgbClr val="000000"/>
-              </a:solidFill>
+            <a:pPr algn="ctr">
+              <a:buNone/>
+            </a:pPr>
+            <a:endParaRPr b="0" lang="en-US" sz="4400" spc="-1" strike="noStrike">
               <a:latin typeface="Arial"/>
             </a:endParaRPr>
           </a:p>
@@ -2806,19 +2311,7 @@
             <a:normAutofit/>
           </a:bodyPr>
           <a:p>
-            <a:pPr>
-              <a:lnSpc>
-                <a:spcPct val="90000"/>
-              </a:lnSpc>
-              <a:spcBef>
-                <a:spcPts val="1417"/>
-              </a:spcBef>
-              <a:buNone/>
-            </a:pPr>
-            <a:endParaRPr b="0" lang="de-DE" sz="2800" spc="-1" strike="noStrike">
-              <a:solidFill>
-                <a:srgbClr val="000000"/>
-              </a:solidFill>
+            <a:endParaRPr b="0" lang="en-US" sz="3200" spc="-1" strike="noStrike">
               <a:latin typeface="Arial"/>
             </a:endParaRPr>
           </a:p>
@@ -2852,19 +2345,7 @@
             <a:normAutofit/>
           </a:bodyPr>
           <a:p>
-            <a:pPr>
-              <a:lnSpc>
-                <a:spcPct val="90000"/>
-              </a:lnSpc>
-              <a:spcBef>
-                <a:spcPts val="1417"/>
-              </a:spcBef>
-              <a:buNone/>
-            </a:pPr>
-            <a:endParaRPr b="0" lang="de-DE" sz="2800" spc="-1" strike="noStrike">
-              <a:solidFill>
-                <a:srgbClr val="000000"/>
-              </a:solidFill>
+            <a:endParaRPr b="0" lang="en-US" sz="3200" spc="-1" strike="noStrike">
               <a:latin typeface="Arial"/>
             </a:endParaRPr>
           </a:p>
@@ -2898,19 +2379,7 @@
             <a:normAutofit/>
           </a:bodyPr>
           <a:p>
-            <a:pPr>
-              <a:lnSpc>
-                <a:spcPct val="90000"/>
-              </a:lnSpc>
-              <a:spcBef>
-                <a:spcPts val="1417"/>
-              </a:spcBef>
-              <a:buNone/>
-            </a:pPr>
-            <a:endParaRPr b="0" lang="de-DE" sz="2800" spc="-1" strike="noStrike">
-              <a:solidFill>
-                <a:srgbClr val="000000"/>
-              </a:solidFill>
+            <a:endParaRPr b="0" lang="en-US" sz="3200" spc="-1" strike="noStrike">
               <a:latin typeface="Arial"/>
             </a:endParaRPr>
           </a:p>
@@ -2966,10 +2435,10 @@
             <a:noAutofit/>
           </a:bodyPr>
           <a:p>
-            <a:endParaRPr b="0" lang="de-DE" sz="1800" spc="-1" strike="noStrike">
-              <a:solidFill>
-                <a:srgbClr val="000000"/>
-              </a:solidFill>
+            <a:pPr algn="ctr">
+              <a:buNone/>
+            </a:pPr>
+            <a:endParaRPr b="0" lang="en-US" sz="4400" spc="-1" strike="noStrike">
               <a:latin typeface="Arial"/>
             </a:endParaRPr>
           </a:p>
@@ -3003,19 +2472,7 @@
             <a:normAutofit/>
           </a:bodyPr>
           <a:p>
-            <a:pPr>
-              <a:lnSpc>
-                <a:spcPct val="90000"/>
-              </a:lnSpc>
-              <a:spcBef>
-                <a:spcPts val="1417"/>
-              </a:spcBef>
-              <a:buNone/>
-            </a:pPr>
-            <a:endParaRPr b="0" lang="de-DE" sz="2800" spc="-1" strike="noStrike">
-              <a:solidFill>
-                <a:srgbClr val="000000"/>
-              </a:solidFill>
+            <a:endParaRPr b="0" lang="en-US" sz="3200" spc="-1" strike="noStrike">
               <a:latin typeface="Arial"/>
             </a:endParaRPr>
           </a:p>
@@ -3049,19 +2506,7 @@
             <a:normAutofit/>
           </a:bodyPr>
           <a:p>
-            <a:pPr>
-              <a:lnSpc>
-                <a:spcPct val="90000"/>
-              </a:lnSpc>
-              <a:spcBef>
-                <a:spcPts val="1417"/>
-              </a:spcBef>
-              <a:buNone/>
-            </a:pPr>
-            <a:endParaRPr b="0" lang="de-DE" sz="2800" spc="-1" strike="noStrike">
-              <a:solidFill>
-                <a:srgbClr val="000000"/>
-              </a:solidFill>
+            <a:endParaRPr b="0" lang="en-US" sz="3200" spc="-1" strike="noStrike">
               <a:latin typeface="Arial"/>
             </a:endParaRPr>
           </a:p>
@@ -3095,19 +2540,7 @@
             <a:normAutofit/>
           </a:bodyPr>
           <a:p>
-            <a:pPr>
-              <a:lnSpc>
-                <a:spcPct val="90000"/>
-              </a:lnSpc>
-              <a:spcBef>
-                <a:spcPts val="1417"/>
-              </a:spcBef>
-              <a:buNone/>
-            </a:pPr>
-            <a:endParaRPr b="0" lang="de-DE" sz="2800" spc="-1" strike="noStrike">
-              <a:solidFill>
-                <a:srgbClr val="000000"/>
-              </a:solidFill>
+            <a:endParaRPr b="0" lang="en-US" sz="3200" spc="-1" strike="noStrike">
               <a:latin typeface="Arial"/>
             </a:endParaRPr>
           </a:p>
@@ -3163,10 +2596,10 @@
             <a:noAutofit/>
           </a:bodyPr>
           <a:p>
-            <a:endParaRPr b="0" lang="de-DE" sz="1800" spc="-1" strike="noStrike">
-              <a:solidFill>
-                <a:srgbClr val="000000"/>
-              </a:solidFill>
+            <a:pPr algn="ctr">
+              <a:buNone/>
+            </a:pPr>
+            <a:endParaRPr b="0" lang="en-US" sz="4400" spc="-1" strike="noStrike">
               <a:latin typeface="Arial"/>
             </a:endParaRPr>
           </a:p>
@@ -3200,19 +2633,7 @@
             <a:normAutofit/>
           </a:bodyPr>
           <a:p>
-            <a:pPr>
-              <a:lnSpc>
-                <a:spcPct val="90000"/>
-              </a:lnSpc>
-              <a:spcBef>
-                <a:spcPts val="1417"/>
-              </a:spcBef>
-              <a:buNone/>
-            </a:pPr>
-            <a:endParaRPr b="0" lang="de-DE" sz="2800" spc="-1" strike="noStrike">
-              <a:solidFill>
-                <a:srgbClr val="000000"/>
-              </a:solidFill>
+            <a:endParaRPr b="0" lang="en-US" sz="3200" spc="-1" strike="noStrike">
               <a:latin typeface="Arial"/>
             </a:endParaRPr>
           </a:p>
@@ -3246,19 +2667,7 @@
             <a:normAutofit/>
           </a:bodyPr>
           <a:p>
-            <a:pPr>
-              <a:lnSpc>
-                <a:spcPct val="90000"/>
-              </a:lnSpc>
-              <a:spcBef>
-                <a:spcPts val="1417"/>
-              </a:spcBef>
-              <a:buNone/>
-            </a:pPr>
-            <a:endParaRPr b="0" lang="de-DE" sz="2800" spc="-1" strike="noStrike">
-              <a:solidFill>
-                <a:srgbClr val="000000"/>
-              </a:solidFill>
+            <a:endParaRPr b="0" lang="en-US" sz="3200" spc="-1" strike="noStrike">
               <a:latin typeface="Arial"/>
             </a:endParaRPr>
           </a:p>
@@ -3314,10 +2723,10 @@
             <a:noAutofit/>
           </a:bodyPr>
           <a:p>
-            <a:endParaRPr b="0" lang="de-DE" sz="1800" spc="-1" strike="noStrike">
-              <a:solidFill>
-                <a:srgbClr val="000000"/>
-              </a:solidFill>
+            <a:pPr algn="ctr">
+              <a:buNone/>
+            </a:pPr>
+            <a:endParaRPr b="0" lang="en-US" sz="4400" spc="-1" strike="noStrike">
               <a:latin typeface="Arial"/>
             </a:endParaRPr>
           </a:p>
@@ -3351,19 +2760,7 @@
             <a:normAutofit/>
           </a:bodyPr>
           <a:p>
-            <a:pPr>
-              <a:lnSpc>
-                <a:spcPct val="90000"/>
-              </a:lnSpc>
-              <a:spcBef>
-                <a:spcPts val="1417"/>
-              </a:spcBef>
-              <a:buNone/>
-            </a:pPr>
-            <a:endParaRPr b="0" lang="de-DE" sz="2800" spc="-1" strike="noStrike">
-              <a:solidFill>
-                <a:srgbClr val="000000"/>
-              </a:solidFill>
+            <a:endParaRPr b="0" lang="en-US" sz="3200" spc="-1" strike="noStrike">
               <a:latin typeface="Arial"/>
             </a:endParaRPr>
           </a:p>
@@ -3397,19 +2794,7 @@
             <a:normAutofit/>
           </a:bodyPr>
           <a:p>
-            <a:pPr>
-              <a:lnSpc>
-                <a:spcPct val="90000"/>
-              </a:lnSpc>
-              <a:spcBef>
-                <a:spcPts val="1417"/>
-              </a:spcBef>
-              <a:buNone/>
-            </a:pPr>
-            <a:endParaRPr b="0" lang="de-DE" sz="2800" spc="-1" strike="noStrike">
-              <a:solidFill>
-                <a:srgbClr val="000000"/>
-              </a:solidFill>
+            <a:endParaRPr b="0" lang="en-US" sz="3200" spc="-1" strike="noStrike">
               <a:latin typeface="Arial"/>
             </a:endParaRPr>
           </a:p>
@@ -3443,19 +2828,7 @@
             <a:normAutofit/>
           </a:bodyPr>
           <a:p>
-            <a:pPr>
-              <a:lnSpc>
-                <a:spcPct val="90000"/>
-              </a:lnSpc>
-              <a:spcBef>
-                <a:spcPts val="1417"/>
-              </a:spcBef>
-              <a:buNone/>
-            </a:pPr>
-            <a:endParaRPr b="0" lang="de-DE" sz="2800" spc="-1" strike="noStrike">
-              <a:solidFill>
-                <a:srgbClr val="000000"/>
-              </a:solidFill>
+            <a:endParaRPr b="0" lang="en-US" sz="3200" spc="-1" strike="noStrike">
               <a:latin typeface="Arial"/>
             </a:endParaRPr>
           </a:p>
@@ -3489,19 +2862,7 @@
             <a:normAutofit/>
           </a:bodyPr>
           <a:p>
-            <a:pPr>
-              <a:lnSpc>
-                <a:spcPct val="90000"/>
-              </a:lnSpc>
-              <a:spcBef>
-                <a:spcPts val="1417"/>
-              </a:spcBef>
-              <a:buNone/>
-            </a:pPr>
-            <a:endParaRPr b="0" lang="de-DE" sz="2800" spc="-1" strike="noStrike">
-              <a:solidFill>
-                <a:srgbClr val="000000"/>
-              </a:solidFill>
+            <a:endParaRPr b="0" lang="en-US" sz="3200" spc="-1" strike="noStrike">
               <a:latin typeface="Arial"/>
             </a:endParaRPr>
           </a:p>
@@ -3557,10 +2918,10 @@
             <a:noAutofit/>
           </a:bodyPr>
           <a:p>
-            <a:endParaRPr b="0" lang="de-DE" sz="1800" spc="-1" strike="noStrike">
-              <a:solidFill>
-                <a:srgbClr val="000000"/>
-              </a:solidFill>
+            <a:pPr algn="ctr">
+              <a:buNone/>
+            </a:pPr>
+            <a:endParaRPr b="0" lang="en-US" sz="4400" spc="-1" strike="noStrike">
               <a:latin typeface="Arial"/>
             </a:endParaRPr>
           </a:p>
@@ -3594,19 +2955,7 @@
             <a:normAutofit/>
           </a:bodyPr>
           <a:p>
-            <a:pPr>
-              <a:lnSpc>
-                <a:spcPct val="90000"/>
-              </a:lnSpc>
-              <a:spcBef>
-                <a:spcPts val="1417"/>
-              </a:spcBef>
-              <a:buNone/>
-            </a:pPr>
-            <a:endParaRPr b="0" lang="de-DE" sz="2800" spc="-1" strike="noStrike">
-              <a:solidFill>
-                <a:srgbClr val="000000"/>
-              </a:solidFill>
+            <a:endParaRPr b="0" lang="en-US" sz="3200" spc="-1" strike="noStrike">
               <a:latin typeface="Arial"/>
             </a:endParaRPr>
           </a:p>
@@ -3640,19 +2989,7 @@
             <a:normAutofit/>
           </a:bodyPr>
           <a:p>
-            <a:pPr>
-              <a:lnSpc>
-                <a:spcPct val="90000"/>
-              </a:lnSpc>
-              <a:spcBef>
-                <a:spcPts val="1417"/>
-              </a:spcBef>
-              <a:buNone/>
-            </a:pPr>
-            <a:endParaRPr b="0" lang="de-DE" sz="2800" spc="-1" strike="noStrike">
-              <a:solidFill>
-                <a:srgbClr val="000000"/>
-              </a:solidFill>
+            <a:endParaRPr b="0" lang="en-US" sz="3200" spc="-1" strike="noStrike">
               <a:latin typeface="Arial"/>
             </a:endParaRPr>
           </a:p>
@@ -3686,19 +3023,7 @@
             <a:normAutofit/>
           </a:bodyPr>
           <a:p>
-            <a:pPr>
-              <a:lnSpc>
-                <a:spcPct val="90000"/>
-              </a:lnSpc>
-              <a:spcBef>
-                <a:spcPts val="1417"/>
-              </a:spcBef>
-              <a:buNone/>
-            </a:pPr>
-            <a:endParaRPr b="0" lang="de-DE" sz="2800" spc="-1" strike="noStrike">
-              <a:solidFill>
-                <a:srgbClr val="000000"/>
-              </a:solidFill>
+            <a:endParaRPr b="0" lang="en-US" sz="3200" spc="-1" strike="noStrike">
               <a:latin typeface="Arial"/>
             </a:endParaRPr>
           </a:p>
@@ -3732,19 +3057,7 @@
             <a:normAutofit/>
           </a:bodyPr>
           <a:p>
-            <a:pPr>
-              <a:lnSpc>
-                <a:spcPct val="90000"/>
-              </a:lnSpc>
-              <a:spcBef>
-                <a:spcPts val="1417"/>
-              </a:spcBef>
-              <a:buNone/>
-            </a:pPr>
-            <a:endParaRPr b="0" lang="de-DE" sz="2800" spc="-1" strike="noStrike">
-              <a:solidFill>
-                <a:srgbClr val="000000"/>
-              </a:solidFill>
+            <a:endParaRPr b="0" lang="en-US" sz="3200" spc="-1" strike="noStrike">
               <a:latin typeface="Arial"/>
             </a:endParaRPr>
           </a:p>
@@ -3778,19 +3091,7 @@
             <a:normAutofit/>
           </a:bodyPr>
           <a:p>
-            <a:pPr>
-              <a:lnSpc>
-                <a:spcPct val="90000"/>
-              </a:lnSpc>
-              <a:spcBef>
-                <a:spcPts val="1417"/>
-              </a:spcBef>
-              <a:buNone/>
-            </a:pPr>
-            <a:endParaRPr b="0" lang="de-DE" sz="2800" spc="-1" strike="noStrike">
-              <a:solidFill>
-                <a:srgbClr val="000000"/>
-              </a:solidFill>
+            <a:endParaRPr b="0" lang="en-US" sz="3200" spc="-1" strike="noStrike">
               <a:latin typeface="Arial"/>
             </a:endParaRPr>
           </a:p>
@@ -3824,19 +3125,7 @@
             <a:normAutofit/>
           </a:bodyPr>
           <a:p>
-            <a:pPr>
-              <a:lnSpc>
-                <a:spcPct val="90000"/>
-              </a:lnSpc>
-              <a:spcBef>
-                <a:spcPts val="1417"/>
-              </a:spcBef>
-              <a:buNone/>
-            </a:pPr>
-            <a:endParaRPr b="0" lang="de-DE" sz="2800" spc="-1" strike="noStrike">
-              <a:solidFill>
-                <a:srgbClr val="000000"/>
-              </a:solidFill>
+            <a:endParaRPr b="0" lang="en-US" sz="3200" spc="-1" strike="noStrike">
               <a:latin typeface="Arial"/>
             </a:endParaRPr>
           </a:p>
@@ -3892,10 +3181,10 @@
             <a:noAutofit/>
           </a:bodyPr>
           <a:p>
-            <a:endParaRPr b="0" lang="de-DE" sz="1800" spc="-1" strike="noStrike">
-              <a:solidFill>
-                <a:srgbClr val="000000"/>
-              </a:solidFill>
+            <a:pPr algn="ctr">
+              <a:buNone/>
+            </a:pPr>
+            <a:endParaRPr b="0" lang="en-US" sz="4400" spc="-1" strike="noStrike">
               <a:latin typeface="Arial"/>
             </a:endParaRPr>
           </a:p>
@@ -3929,19 +3218,7 @@
             <a:normAutofit/>
           </a:bodyPr>
           <a:p>
-            <a:pPr>
-              <a:lnSpc>
-                <a:spcPct val="90000"/>
-              </a:lnSpc>
-              <a:spcBef>
-                <a:spcPts val="1417"/>
-              </a:spcBef>
-              <a:buNone/>
-            </a:pPr>
-            <a:endParaRPr b="0" lang="de-DE" sz="2800" spc="-1" strike="noStrike">
-              <a:solidFill>
-                <a:srgbClr val="000000"/>
-              </a:solidFill>
+            <a:endParaRPr b="0" lang="en-US" sz="3200" spc="-1" strike="noStrike">
               <a:latin typeface="Arial"/>
             </a:endParaRPr>
           </a:p>
@@ -3997,10 +3274,10 @@
             <a:noAutofit/>
           </a:bodyPr>
           <a:p>
-            <a:endParaRPr b="0" lang="de-DE" sz="1800" spc="-1" strike="noStrike">
-              <a:solidFill>
-                <a:srgbClr val="000000"/>
-              </a:solidFill>
+            <a:pPr algn="ctr">
+              <a:buNone/>
+            </a:pPr>
+            <a:endParaRPr b="0" lang="en-US" sz="4400" spc="-1" strike="noStrike">
               <a:latin typeface="Arial"/>
             </a:endParaRPr>
           </a:p>
@@ -4034,19 +3311,7 @@
             <a:normAutofit/>
           </a:bodyPr>
           <a:p>
-            <a:pPr>
-              <a:lnSpc>
-                <a:spcPct val="90000"/>
-              </a:lnSpc>
-              <a:spcBef>
-                <a:spcPts val="1417"/>
-              </a:spcBef>
-              <a:buNone/>
-            </a:pPr>
-            <a:endParaRPr b="0" lang="de-DE" sz="2800" spc="-1" strike="noStrike">
-              <a:solidFill>
-                <a:srgbClr val="000000"/>
-              </a:solidFill>
+            <a:endParaRPr b="0" lang="en-US" sz="3200" spc="-1" strike="noStrike">
               <a:latin typeface="Arial"/>
             </a:endParaRPr>
           </a:p>
@@ -4080,19 +3345,7 @@
             <a:normAutofit/>
           </a:bodyPr>
           <a:p>
-            <a:pPr>
-              <a:lnSpc>
-                <a:spcPct val="90000"/>
-              </a:lnSpc>
-              <a:spcBef>
-                <a:spcPts val="1417"/>
-              </a:spcBef>
-              <a:buNone/>
-            </a:pPr>
-            <a:endParaRPr b="0" lang="de-DE" sz="2800" spc="-1" strike="noStrike">
-              <a:solidFill>
-                <a:srgbClr val="000000"/>
-              </a:solidFill>
+            <a:endParaRPr b="0" lang="en-US" sz="3200" spc="-1" strike="noStrike">
               <a:latin typeface="Arial"/>
             </a:endParaRPr>
           </a:p>
@@ -4148,10 +3401,10 @@
             <a:noAutofit/>
           </a:bodyPr>
           <a:p>
-            <a:endParaRPr b="0" lang="de-DE" sz="1800" spc="-1" strike="noStrike">
-              <a:solidFill>
-                <a:srgbClr val="000000"/>
-              </a:solidFill>
+            <a:pPr algn="ctr">
+              <a:buNone/>
+            </a:pPr>
+            <a:endParaRPr b="0" lang="en-US" sz="4400" spc="-1" strike="noStrike">
               <a:latin typeface="Arial"/>
             </a:endParaRPr>
           </a:p>
@@ -4266,10 +3519,10 @@
             <a:noAutofit/>
           </a:bodyPr>
           <a:p>
-            <a:endParaRPr b="0" lang="de-DE" sz="1800" spc="-1" strike="noStrike">
-              <a:solidFill>
-                <a:srgbClr val="000000"/>
-              </a:solidFill>
+            <a:pPr algn="ctr">
+              <a:buNone/>
+            </a:pPr>
+            <a:endParaRPr b="0" lang="en-US" sz="4400" spc="-1" strike="noStrike">
               <a:latin typeface="Arial"/>
             </a:endParaRPr>
           </a:p>
@@ -4303,19 +3556,7 @@
             <a:normAutofit/>
           </a:bodyPr>
           <a:p>
-            <a:pPr>
-              <a:lnSpc>
-                <a:spcPct val="90000"/>
-              </a:lnSpc>
-              <a:spcBef>
-                <a:spcPts val="1417"/>
-              </a:spcBef>
-              <a:buNone/>
-            </a:pPr>
-            <a:endParaRPr b="0" lang="de-DE" sz="2800" spc="-1" strike="noStrike">
-              <a:solidFill>
-                <a:srgbClr val="000000"/>
-              </a:solidFill>
+            <a:endParaRPr b="0" lang="en-US" sz="3200" spc="-1" strike="noStrike">
               <a:latin typeface="Arial"/>
             </a:endParaRPr>
           </a:p>
@@ -4349,19 +3590,7 @@
             <a:normAutofit/>
           </a:bodyPr>
           <a:p>
-            <a:pPr>
-              <a:lnSpc>
-                <a:spcPct val="90000"/>
-              </a:lnSpc>
-              <a:spcBef>
-                <a:spcPts val="1417"/>
-              </a:spcBef>
-              <a:buNone/>
-            </a:pPr>
-            <a:endParaRPr b="0" lang="de-DE" sz="2800" spc="-1" strike="noStrike">
-              <a:solidFill>
-                <a:srgbClr val="000000"/>
-              </a:solidFill>
+            <a:endParaRPr b="0" lang="en-US" sz="3200" spc="-1" strike="noStrike">
               <a:latin typeface="Arial"/>
             </a:endParaRPr>
           </a:p>
@@ -4395,19 +3624,7 @@
             <a:normAutofit/>
           </a:bodyPr>
           <a:p>
-            <a:pPr>
-              <a:lnSpc>
-                <a:spcPct val="90000"/>
-              </a:lnSpc>
-              <a:spcBef>
-                <a:spcPts val="1417"/>
-              </a:spcBef>
-              <a:buNone/>
-            </a:pPr>
-            <a:endParaRPr b="0" lang="de-DE" sz="2800" spc="-1" strike="noStrike">
-              <a:solidFill>
-                <a:srgbClr val="000000"/>
-              </a:solidFill>
+            <a:endParaRPr b="0" lang="en-US" sz="3200" spc="-1" strike="noStrike">
               <a:latin typeface="Arial"/>
             </a:endParaRPr>
           </a:p>
@@ -4463,10 +3680,10 @@
             <a:noAutofit/>
           </a:bodyPr>
           <a:p>
-            <a:endParaRPr b="0" lang="de-DE" sz="1800" spc="-1" strike="noStrike">
-              <a:solidFill>
-                <a:srgbClr val="000000"/>
-              </a:solidFill>
+            <a:pPr algn="ctr">
+              <a:buNone/>
+            </a:pPr>
+            <a:endParaRPr b="0" lang="en-US" sz="4400" spc="-1" strike="noStrike">
               <a:latin typeface="Arial"/>
             </a:endParaRPr>
           </a:p>
@@ -4500,19 +3717,7 @@
             <a:normAutofit/>
           </a:bodyPr>
           <a:p>
-            <a:pPr>
-              <a:lnSpc>
-                <a:spcPct val="90000"/>
-              </a:lnSpc>
-              <a:spcBef>
-                <a:spcPts val="1417"/>
-              </a:spcBef>
-              <a:buNone/>
-            </a:pPr>
-            <a:endParaRPr b="0" lang="de-DE" sz="2800" spc="-1" strike="noStrike">
-              <a:solidFill>
-                <a:srgbClr val="000000"/>
-              </a:solidFill>
+            <a:endParaRPr b="0" lang="en-US" sz="3200" spc="-1" strike="noStrike">
               <a:latin typeface="Arial"/>
             </a:endParaRPr>
           </a:p>
@@ -4546,19 +3751,7 @@
             <a:normAutofit/>
           </a:bodyPr>
           <a:p>
-            <a:pPr>
-              <a:lnSpc>
-                <a:spcPct val="90000"/>
-              </a:lnSpc>
-              <a:spcBef>
-                <a:spcPts val="1417"/>
-              </a:spcBef>
-              <a:buNone/>
-            </a:pPr>
-            <a:endParaRPr b="0" lang="de-DE" sz="2800" spc="-1" strike="noStrike">
-              <a:solidFill>
-                <a:srgbClr val="000000"/>
-              </a:solidFill>
+            <a:endParaRPr b="0" lang="en-US" sz="3200" spc="-1" strike="noStrike">
               <a:latin typeface="Arial"/>
             </a:endParaRPr>
           </a:p>
@@ -4592,19 +3785,7 @@
             <a:normAutofit/>
           </a:bodyPr>
           <a:p>
-            <a:pPr>
-              <a:lnSpc>
-                <a:spcPct val="90000"/>
-              </a:lnSpc>
-              <a:spcBef>
-                <a:spcPts val="1417"/>
-              </a:spcBef>
-              <a:buNone/>
-            </a:pPr>
-            <a:endParaRPr b="0" lang="de-DE" sz="2800" spc="-1" strike="noStrike">
-              <a:solidFill>
-                <a:srgbClr val="000000"/>
-              </a:solidFill>
+            <a:endParaRPr b="0" lang="en-US" sz="3200" spc="-1" strike="noStrike">
               <a:latin typeface="Arial"/>
             </a:endParaRPr>
           </a:p>
@@ -4660,10 +3841,10 @@
             <a:noAutofit/>
           </a:bodyPr>
           <a:p>
-            <a:endParaRPr b="0" lang="de-DE" sz="1800" spc="-1" strike="noStrike">
-              <a:solidFill>
-                <a:srgbClr val="000000"/>
-              </a:solidFill>
+            <a:pPr algn="ctr">
+              <a:buNone/>
+            </a:pPr>
+            <a:endParaRPr b="0" lang="en-US" sz="4400" spc="-1" strike="noStrike">
               <a:latin typeface="Arial"/>
             </a:endParaRPr>
           </a:p>
@@ -4697,19 +3878,7 @@
             <a:normAutofit/>
           </a:bodyPr>
           <a:p>
-            <a:pPr>
-              <a:lnSpc>
-                <a:spcPct val="90000"/>
-              </a:lnSpc>
-              <a:spcBef>
-                <a:spcPts val="1417"/>
-              </a:spcBef>
-              <a:buNone/>
-            </a:pPr>
-            <a:endParaRPr b="0" lang="de-DE" sz="2800" spc="-1" strike="noStrike">
-              <a:solidFill>
-                <a:srgbClr val="000000"/>
-              </a:solidFill>
+            <a:endParaRPr b="0" lang="en-US" sz="3200" spc="-1" strike="noStrike">
               <a:latin typeface="Arial"/>
             </a:endParaRPr>
           </a:p>
@@ -4743,19 +3912,7 @@
             <a:normAutofit/>
           </a:bodyPr>
           <a:p>
-            <a:pPr>
-              <a:lnSpc>
-                <a:spcPct val="90000"/>
-              </a:lnSpc>
-              <a:spcBef>
-                <a:spcPts val="1417"/>
-              </a:spcBef>
-              <a:buNone/>
-            </a:pPr>
-            <a:endParaRPr b="0" lang="de-DE" sz="2800" spc="-1" strike="noStrike">
-              <a:solidFill>
-                <a:srgbClr val="000000"/>
-              </a:solidFill>
+            <a:endParaRPr b="0" lang="en-US" sz="3200" spc="-1" strike="noStrike">
               <a:latin typeface="Arial"/>
             </a:endParaRPr>
           </a:p>
@@ -4789,19 +3946,7 @@
             <a:normAutofit/>
           </a:bodyPr>
           <a:p>
-            <a:pPr>
-              <a:lnSpc>
-                <a:spcPct val="90000"/>
-              </a:lnSpc>
-              <a:spcBef>
-                <a:spcPts val="1417"/>
-              </a:spcBef>
-              <a:buNone/>
-            </a:pPr>
-            <a:endParaRPr b="0" lang="de-DE" sz="2800" spc="-1" strike="noStrike">
-              <a:solidFill>
-                <a:srgbClr val="000000"/>
-              </a:solidFill>
+            <a:endParaRPr b="0" lang="en-US" sz="3200" spc="-1" strike="noStrike">
               <a:latin typeface="Arial"/>
             </a:endParaRPr>
           </a:p>
@@ -4845,7 +3990,7 @@
         <p:spPr>
           <a:xfrm>
             <a:off x="5796360" y="3378960"/>
-            <a:ext cx="6393600" cy="3477960"/>
+            <a:ext cx="6393240" cy="3477600"/>
           </a:xfrm>
           <a:custGeom>
             <a:avLst/>
@@ -4934,7 +4079,7 @@
         <p:spPr>
           <a:xfrm>
             <a:off x="609480" y="273600"/>
-            <a:ext cx="10972080" cy="1144440"/>
+            <a:ext cx="10972440" cy="1144800"/>
           </a:xfrm>
           <a:prstGeom prst="rect">
             <a:avLst/>
@@ -4949,28 +4094,118 @@
             <a:noAutofit/>
           </a:bodyPr>
           <a:p>
+            <a:pPr algn="ctr">
+              <a:buNone/>
+            </a:pPr>
             <a:r>
-              <a:rPr b="0" lang="de-DE" sz="4400" spc="-1" strike="noStrike">
-                <a:solidFill>
-                  <a:srgbClr val="000000"/>
-                </a:solidFill>
+              <a:rPr b="0" lang="en-US" sz="4400" spc="-1" strike="noStrike">
                 <a:latin typeface="Arial"/>
               </a:rPr>
-              <a:t>Click to edit the title </a:t>
+              <a:t>C</a:t>
             </a:r>
             <a:r>
-              <a:rPr b="0" lang="de-DE" sz="4400" spc="-1" strike="noStrike">
-                <a:solidFill>
-                  <a:srgbClr val="000000"/>
-                </a:solidFill>
+              <a:rPr b="0" lang="en-US" sz="4400" spc="-1" strike="noStrike">
                 <a:latin typeface="Arial"/>
               </a:rPr>
-              <a:t>text format</a:t>
+              <a:t>li</a:t>
             </a:r>
-            <a:endParaRPr b="0" lang="de-DE" sz="4400" spc="-1" strike="noStrike">
-              <a:solidFill>
-                <a:srgbClr val="000000"/>
-              </a:solidFill>
+            <a:r>
+              <a:rPr b="0" lang="en-US" sz="4400" spc="-1" strike="noStrike">
+                <a:latin typeface="Arial"/>
+              </a:rPr>
+              <a:t>c</a:t>
+            </a:r>
+            <a:r>
+              <a:rPr b="0" lang="en-US" sz="4400" spc="-1" strike="noStrike">
+                <a:latin typeface="Arial"/>
+              </a:rPr>
+              <a:t>k </a:t>
+            </a:r>
+            <a:r>
+              <a:rPr b="0" lang="en-US" sz="4400" spc="-1" strike="noStrike">
+                <a:latin typeface="Arial"/>
+              </a:rPr>
+              <a:t>to </a:t>
+            </a:r>
+            <a:r>
+              <a:rPr b="0" lang="en-US" sz="4400" spc="-1" strike="noStrike">
+                <a:latin typeface="Arial"/>
+              </a:rPr>
+              <a:t>e</a:t>
+            </a:r>
+            <a:r>
+              <a:rPr b="0" lang="en-US" sz="4400" spc="-1" strike="noStrike">
+                <a:latin typeface="Arial"/>
+              </a:rPr>
+              <a:t>di</a:t>
+            </a:r>
+            <a:r>
+              <a:rPr b="0" lang="en-US" sz="4400" spc="-1" strike="noStrike">
+                <a:latin typeface="Arial"/>
+              </a:rPr>
+              <a:t>t </a:t>
+            </a:r>
+            <a:r>
+              <a:rPr b="0" lang="en-US" sz="4400" spc="-1" strike="noStrike">
+                <a:latin typeface="Arial"/>
+              </a:rPr>
+              <a:t>th</a:t>
+            </a:r>
+            <a:r>
+              <a:rPr b="0" lang="en-US" sz="4400" spc="-1" strike="noStrike">
+                <a:latin typeface="Arial"/>
+              </a:rPr>
+              <a:t>e </a:t>
+            </a:r>
+            <a:r>
+              <a:rPr b="0" lang="en-US" sz="4400" spc="-1" strike="noStrike">
+                <a:latin typeface="Arial"/>
+              </a:rPr>
+              <a:t>tit</a:t>
+            </a:r>
+            <a:r>
+              <a:rPr b="0" lang="en-US" sz="4400" spc="-1" strike="noStrike">
+                <a:latin typeface="Arial"/>
+              </a:rPr>
+              <a:t>le </a:t>
+            </a:r>
+            <a:r>
+              <a:rPr b="0" lang="en-US" sz="4400" spc="-1" strike="noStrike">
+                <a:latin typeface="Arial"/>
+              </a:rPr>
+              <a:t>te</a:t>
+            </a:r>
+            <a:r>
+              <a:rPr b="0" lang="en-US" sz="4400" spc="-1" strike="noStrike">
+                <a:latin typeface="Arial"/>
+              </a:rPr>
+              <a:t>xt </a:t>
+            </a:r>
+            <a:r>
+              <a:rPr b="0" lang="en-US" sz="4400" spc="-1" strike="noStrike">
+                <a:latin typeface="Arial"/>
+              </a:rPr>
+              <a:t>fo</a:t>
+            </a:r>
+            <a:r>
+              <a:rPr b="0" lang="en-US" sz="4400" spc="-1" strike="noStrike">
+                <a:latin typeface="Arial"/>
+              </a:rPr>
+              <a:t>r</a:t>
+            </a:r>
+            <a:r>
+              <a:rPr b="0" lang="en-US" sz="4400" spc="-1" strike="noStrike">
+                <a:latin typeface="Arial"/>
+              </a:rPr>
+              <a:t>m</a:t>
+            </a:r>
+            <a:r>
+              <a:rPr b="0" lang="en-US" sz="4400" spc="-1" strike="noStrike">
+                <a:latin typeface="Arial"/>
+              </a:rPr>
+              <a:t>at</a:t>
+            </a:r>
+            <a:endParaRPr b="0" lang="en-US" sz="4400" spc="-1" strike="noStrike">
               <a:latin typeface="Arial"/>
             </a:endParaRPr>
           </a:p>
@@ -4989,7 +4224,7 @@
         <p:spPr>
           <a:xfrm>
             <a:off x="609480" y="1604520"/>
-            <a:ext cx="10972080" cy="3976920"/>
+            <a:ext cx="10972440" cy="3977280"/>
           </a:xfrm>
           <a:prstGeom prst="rect">
             <a:avLst/>
@@ -5005,9 +4240,6 @@
           </a:bodyPr>
           <a:p>
             <a:pPr marL="432000" indent="-324000">
-              <a:lnSpc>
-                <a:spcPct val="90000"/>
-              </a:lnSpc>
               <a:spcBef>
                 <a:spcPts val="1417"/>
               </a:spcBef>
@@ -5019,26 +4251,17 @@
               <a:buChar char=""/>
             </a:pPr>
             <a:r>
-              <a:rPr b="0" lang="de-DE" sz="2800" spc="-1" strike="noStrike">
-                <a:solidFill>
-                  <a:srgbClr val="000000"/>
-                </a:solidFill>
+              <a:rPr b="0" lang="en-US" sz="3200" spc="-1" strike="noStrike">
                 <a:latin typeface="Arial"/>
               </a:rPr>
               <a:t>Click to edit the outline text format</a:t>
             </a:r>
-            <a:endParaRPr b="0" lang="de-DE" sz="2800" spc="-1" strike="noStrike">
-              <a:solidFill>
-                <a:srgbClr val="000000"/>
-              </a:solidFill>
+            <a:endParaRPr b="0" lang="en-US" sz="3200" spc="-1" strike="noStrike">
               <a:latin typeface="Arial"/>
             </a:endParaRPr>
           </a:p>
           <a:p>
             <a:pPr lvl="1" marL="864000" indent="-324000">
-              <a:lnSpc>
-                <a:spcPct val="90000"/>
-              </a:lnSpc>
               <a:spcBef>
                 <a:spcPts val="1134"/>
               </a:spcBef>
@@ -5050,26 +4273,17 @@
               <a:buChar char=""/>
             </a:pPr>
             <a:r>
-              <a:rPr b="0" lang="de-DE" sz="2800" spc="-1" strike="noStrike">
-                <a:solidFill>
-                  <a:srgbClr val="000000"/>
-                </a:solidFill>
+              <a:rPr b="0" lang="en-US" sz="2800" spc="-1" strike="noStrike">
                 <a:latin typeface="Arial"/>
               </a:rPr>
               <a:t>Second Outline Level</a:t>
             </a:r>
-            <a:endParaRPr b="0" lang="de-DE" sz="2800" spc="-1" strike="noStrike">
-              <a:solidFill>
-                <a:srgbClr val="000000"/>
-              </a:solidFill>
+            <a:endParaRPr b="0" lang="en-US" sz="2800" spc="-1" strike="noStrike">
               <a:latin typeface="Arial"/>
             </a:endParaRPr>
           </a:p>
           <a:p>
             <a:pPr lvl="2" marL="1296000" indent="-288000">
-              <a:lnSpc>
-                <a:spcPct val="90000"/>
-              </a:lnSpc>
               <a:spcBef>
                 <a:spcPts val="850"/>
               </a:spcBef>
@@ -5081,26 +4295,17 @@
               <a:buChar char=""/>
             </a:pPr>
             <a:r>
-              <a:rPr b="0" lang="de-DE" sz="2800" spc="-1" strike="noStrike">
-                <a:solidFill>
-                  <a:srgbClr val="000000"/>
-                </a:solidFill>
+              <a:rPr b="0" lang="en-US" sz="2400" spc="-1" strike="noStrike">
                 <a:latin typeface="Arial"/>
               </a:rPr>
               <a:t>Third Outline Level</a:t>
             </a:r>
-            <a:endParaRPr b="0" lang="de-DE" sz="2800" spc="-1" strike="noStrike">
-              <a:solidFill>
-                <a:srgbClr val="000000"/>
-              </a:solidFill>
+            <a:endParaRPr b="0" lang="en-US" sz="2400" spc="-1" strike="noStrike">
               <a:latin typeface="Arial"/>
             </a:endParaRPr>
           </a:p>
           <a:p>
             <a:pPr lvl="3" marL="1728000" indent="-216000">
-              <a:lnSpc>
-                <a:spcPct val="90000"/>
-              </a:lnSpc>
               <a:spcBef>
                 <a:spcPts val="567"/>
               </a:spcBef>
@@ -5112,26 +4317,17 @@
               <a:buChar char=""/>
             </a:pPr>
             <a:r>
-              <a:rPr b="0" lang="de-DE" sz="2800" spc="-1" strike="noStrike">
-                <a:solidFill>
-                  <a:srgbClr val="000000"/>
-                </a:solidFill>
+              <a:rPr b="0" lang="en-US" sz="2000" spc="-1" strike="noStrike">
                 <a:latin typeface="Arial"/>
               </a:rPr>
               <a:t>Fourth Outline Level</a:t>
             </a:r>
-            <a:endParaRPr b="0" lang="de-DE" sz="2800" spc="-1" strike="noStrike">
-              <a:solidFill>
-                <a:srgbClr val="000000"/>
-              </a:solidFill>
+            <a:endParaRPr b="0" lang="en-US" sz="2000" spc="-1" strike="noStrike">
               <a:latin typeface="Arial"/>
             </a:endParaRPr>
           </a:p>
           <a:p>
             <a:pPr lvl="4" marL="2160000" indent="-216000">
-              <a:lnSpc>
-                <a:spcPct val="90000"/>
-              </a:lnSpc>
               <a:spcBef>
                 <a:spcPts val="283"/>
               </a:spcBef>
@@ -5143,26 +4339,17 @@
               <a:buChar char=""/>
             </a:pPr>
             <a:r>
-              <a:rPr b="0" lang="de-DE" sz="2800" spc="-1" strike="noStrike">
-                <a:solidFill>
-                  <a:srgbClr val="000000"/>
-                </a:solidFill>
+              <a:rPr b="0" lang="en-US" sz="2000" spc="-1" strike="noStrike">
                 <a:latin typeface="Arial"/>
               </a:rPr>
               <a:t>Fifth Outline Level</a:t>
             </a:r>
-            <a:endParaRPr b="0" lang="de-DE" sz="2800" spc="-1" strike="noStrike">
-              <a:solidFill>
-                <a:srgbClr val="000000"/>
-              </a:solidFill>
+            <a:endParaRPr b="0" lang="en-US" sz="2000" spc="-1" strike="noStrike">
               <a:latin typeface="Arial"/>
             </a:endParaRPr>
           </a:p>
           <a:p>
             <a:pPr lvl="5" marL="2592000" indent="-216000">
-              <a:lnSpc>
-                <a:spcPct val="90000"/>
-              </a:lnSpc>
               <a:spcBef>
                 <a:spcPts val="283"/>
               </a:spcBef>
@@ -5174,26 +4361,17 @@
               <a:buChar char=""/>
             </a:pPr>
             <a:r>
-              <a:rPr b="0" lang="de-DE" sz="2800" spc="-1" strike="noStrike">
-                <a:solidFill>
-                  <a:srgbClr val="000000"/>
-                </a:solidFill>
+              <a:rPr b="0" lang="en-US" sz="2000" spc="-1" strike="noStrike">
                 <a:latin typeface="Arial"/>
               </a:rPr>
               <a:t>Sixth Outline Level</a:t>
             </a:r>
-            <a:endParaRPr b="0" lang="de-DE" sz="2800" spc="-1" strike="noStrike">
-              <a:solidFill>
-                <a:srgbClr val="000000"/>
-              </a:solidFill>
+            <a:endParaRPr b="0" lang="en-US" sz="2000" spc="-1" strike="noStrike">
               <a:latin typeface="Arial"/>
             </a:endParaRPr>
           </a:p>
           <a:p>
             <a:pPr lvl="6" marL="3024000" indent="-216000">
-              <a:lnSpc>
-                <a:spcPct val="90000"/>
-              </a:lnSpc>
               <a:spcBef>
                 <a:spcPts val="283"/>
               </a:spcBef>
@@ -5205,18 +4383,12 @@
               <a:buChar char=""/>
             </a:pPr>
             <a:r>
-              <a:rPr b="0" lang="de-DE" sz="2800" spc="-1" strike="noStrike">
-                <a:solidFill>
-                  <a:srgbClr val="000000"/>
-                </a:solidFill>
+              <a:rPr b="0" lang="en-US" sz="2000" spc="-1" strike="noStrike">
                 <a:latin typeface="Arial"/>
               </a:rPr>
               <a:t>Seventh Outline Level</a:t>
             </a:r>
-            <a:endParaRPr b="0" lang="de-DE" sz="2800" spc="-1" strike="noStrike">
-              <a:solidFill>
-                <a:srgbClr val="000000"/>
-              </a:solidFill>
+            <a:endParaRPr b="0" lang="en-US" sz="2000" spc="-1" strike="noStrike">
               <a:latin typeface="Arial"/>
             </a:endParaRPr>
           </a:p>
@@ -5294,19 +4466,208 @@
             <a:noAutofit/>
           </a:bodyPr>
           <a:p>
+            <a:pPr algn="ctr">
+              <a:buNone/>
+            </a:pPr>
             <a:r>
-              <a:rPr b="0" lang="de-DE" sz="1800" spc="-1" strike="noStrike">
-                <a:solidFill>
-                  <a:srgbClr val="000000"/>
-                </a:solidFill>
+              <a:rPr b="0" lang="en-US" sz="4400" spc="-1" strike="noStrike">
                 <a:latin typeface="Arial"/>
               </a:rPr>
-              <a:t>Click to edit the title text format</a:t>
+              <a:t>C</a:t>
             </a:r>
-            <a:endParaRPr b="0" lang="de-DE" sz="1800" spc="-1" strike="noStrike">
-              <a:solidFill>
-                <a:srgbClr val="000000"/>
-              </a:solidFill>
+            <a:r>
+              <a:rPr b="0" lang="en-US" sz="4400" spc="-1" strike="noStrike">
+                <a:latin typeface="Arial"/>
+              </a:rPr>
+              <a:t>l</a:t>
+            </a:r>
+            <a:r>
+              <a:rPr b="0" lang="en-US" sz="4400" spc="-1" strike="noStrike">
+                <a:latin typeface="Arial"/>
+              </a:rPr>
+              <a:t>i</a:t>
+            </a:r>
+            <a:r>
+              <a:rPr b="0" lang="en-US" sz="4400" spc="-1" strike="noStrike">
+                <a:latin typeface="Arial"/>
+              </a:rPr>
+              <a:t>c</a:t>
+            </a:r>
+            <a:r>
+              <a:rPr b="0" lang="en-US" sz="4400" spc="-1" strike="noStrike">
+                <a:latin typeface="Arial"/>
+              </a:rPr>
+              <a:t>k</a:t>
+            </a:r>
+            <a:r>
+              <a:rPr b="0" lang="en-US" sz="4400" spc="-1" strike="noStrike">
+                <a:latin typeface="Arial"/>
+              </a:rPr>
+              <a:t> </a:t>
+            </a:r>
+            <a:r>
+              <a:rPr b="0" lang="en-US" sz="4400" spc="-1" strike="noStrike">
+                <a:latin typeface="Arial"/>
+              </a:rPr>
+              <a:t>t</a:t>
+            </a:r>
+            <a:r>
+              <a:rPr b="0" lang="en-US" sz="4400" spc="-1" strike="noStrike">
+                <a:latin typeface="Arial"/>
+              </a:rPr>
+              <a:t>o</a:t>
+            </a:r>
+            <a:r>
+              <a:rPr b="0" lang="en-US" sz="4400" spc="-1" strike="noStrike">
+                <a:latin typeface="Arial"/>
+              </a:rPr>
+              <a:t> </a:t>
+            </a:r>
+            <a:r>
+              <a:rPr b="0" lang="en-US" sz="4400" spc="-1" strike="noStrike">
+                <a:latin typeface="Arial"/>
+              </a:rPr>
+              <a:t>e</a:t>
+            </a:r>
+            <a:r>
+              <a:rPr b="0" lang="en-US" sz="4400" spc="-1" strike="noStrike">
+                <a:latin typeface="Arial"/>
+              </a:rPr>
+              <a:t>d</a:t>
+            </a:r>
+            <a:r>
+              <a:rPr b="0" lang="en-US" sz="4400" spc="-1" strike="noStrike">
+                <a:latin typeface="Arial"/>
+              </a:rPr>
+              <a:t>i</a:t>
+            </a:r>
+            <a:r>
+              <a:rPr b="0" lang="en-US" sz="4400" spc="-1" strike="noStrike">
+                <a:latin typeface="Arial"/>
+              </a:rPr>
+              <a:t>t </a:t>
+            </a:r>
+            <a:r>
+              <a:rPr b="0" lang="en-US" sz="4400" spc="-1" strike="noStrike">
+                <a:latin typeface="Arial"/>
+              </a:rPr>
+              <a:t>t</a:t>
+            </a:r>
+            <a:r>
+              <a:rPr b="0" lang="en-US" sz="4400" spc="-1" strike="noStrike">
+                <a:latin typeface="Arial"/>
+              </a:rPr>
+              <a:t>h</a:t>
+            </a:r>
+            <a:r>
+              <a:rPr b="0" lang="en-US" sz="4400" spc="-1" strike="noStrike">
+                <a:latin typeface="Arial"/>
+              </a:rPr>
+              <a:t>e</a:t>
+            </a:r>
+            <a:r>
+              <a:rPr b="0" lang="en-US" sz="4400" spc="-1" strike="noStrike">
+                <a:latin typeface="Arial"/>
+              </a:rPr>
+              <a:t> </a:t>
+            </a:r>
+            <a:r>
+              <a:rPr b="0" lang="en-US" sz="4400" spc="-1" strike="noStrike">
+                <a:latin typeface="Arial"/>
+              </a:rPr>
+              <a:t>t</a:t>
+            </a:r>
+            <a:r>
+              <a:rPr b="0" lang="en-US" sz="4400" spc="-1" strike="noStrike">
+                <a:latin typeface="Arial"/>
+              </a:rPr>
+              <a:t>i</a:t>
+            </a:r>
+            <a:r>
+              <a:rPr b="0" lang="en-US" sz="4400" spc="-1" strike="noStrike">
+                <a:latin typeface="Arial"/>
+              </a:rPr>
+              <a:t>t</a:t>
+            </a:r>
+            <a:r>
+              <a:rPr b="0" lang="en-US" sz="4400" spc="-1" strike="noStrike">
+                <a:latin typeface="Arial"/>
+              </a:rPr>
+              <a:t>l</a:t>
+            </a:r>
+            <a:r>
+              <a:rPr b="0" lang="en-US" sz="4400" spc="-1" strike="noStrike">
+                <a:latin typeface="Arial"/>
+              </a:rPr>
+              <a:t>e</a:t>
+            </a:r>
+            <a:r>
+              <a:rPr b="0" lang="en-US" sz="4400" spc="-1" strike="noStrike">
+                <a:latin typeface="Arial"/>
+              </a:rPr>
+              <a:t> </a:t>
+            </a:r>
+            <a:r>
+              <a:rPr b="0" lang="en-US" sz="4400" spc="-1" strike="noStrike">
+                <a:latin typeface="Arial"/>
+              </a:rPr>
+              <a:t>t</a:t>
+            </a:r>
+            <a:r>
+              <a:rPr b="0" lang="en-US" sz="4400" spc="-1" strike="noStrike">
+                <a:latin typeface="Arial"/>
+              </a:rPr>
+              <a:t>e</a:t>
+            </a:r>
+            <a:r>
+              <a:rPr b="0" lang="en-US" sz="4400" spc="-1" strike="noStrike">
+                <a:latin typeface="Arial"/>
+              </a:rPr>
+              <a:t>x</a:t>
+            </a:r>
+            <a:r>
+              <a:rPr b="0" lang="en-US" sz="4400" spc="-1" strike="noStrike">
+                <a:latin typeface="Arial"/>
+              </a:rPr>
+              <a:t>t </a:t>
+            </a:r>
+            <a:r>
+              <a:rPr b="0" lang="en-US" sz="4400" spc="-1" strike="noStrike">
+                <a:latin typeface="Arial"/>
+              </a:rPr>
+              <a:t>f</a:t>
+            </a:r>
+            <a:r>
+              <a:rPr b="0" lang="en-US" sz="4400" spc="-1" strike="noStrike">
+                <a:latin typeface="Arial"/>
+              </a:rPr>
+              <a:t>o</a:t>
+            </a:r>
+            <a:r>
+              <a:rPr b="0" lang="en-US" sz="4400" spc="-1" strike="noStrike">
+                <a:latin typeface="Arial"/>
+              </a:rPr>
+              <a:t>r</a:t>
+            </a:r>
+            <a:r>
+              <a:rPr b="0" lang="en-US" sz="4400" spc="-1" strike="noStrike">
+                <a:latin typeface="Arial"/>
+              </a:rPr>
+              <a:t>m</a:t>
+            </a:r>
+            <a:r>
+              <a:rPr b="0" lang="en-US" sz="4400" spc="-1" strike="noStrike">
+                <a:latin typeface="Arial"/>
+              </a:rPr>
+              <a:t>a</a:t>
+            </a:r>
+            <a:r>
+              <a:rPr b="0" lang="en-US" sz="4400" spc="-1" strike="noStrike">
+                <a:latin typeface="Arial"/>
+              </a:rPr>
+              <a:t>t</a:t>
+            </a:r>
+            <a:endParaRPr b="0" lang="en-US" sz="4400" spc="-1" strike="noStrike">
               <a:latin typeface="Arial"/>
             </a:endParaRPr>
           </a:p>
@@ -5341,9 +4702,6 @@
           </a:bodyPr>
           <a:p>
             <a:pPr marL="432000" indent="-324000">
-              <a:lnSpc>
-                <a:spcPct val="90000"/>
-              </a:lnSpc>
               <a:spcBef>
                 <a:spcPts val="1417"/>
               </a:spcBef>
@@ -5355,26 +4713,17 @@
               <a:buChar char=""/>
             </a:pPr>
             <a:r>
-              <a:rPr b="0" lang="de-DE" sz="2800" spc="-1" strike="noStrike">
-                <a:solidFill>
-                  <a:srgbClr val="000000"/>
-                </a:solidFill>
+              <a:rPr b="0" lang="en-US" sz="3200" spc="-1" strike="noStrike">
                 <a:latin typeface="Arial"/>
               </a:rPr>
               <a:t>Click to edit the outline text format</a:t>
             </a:r>
-            <a:endParaRPr b="0" lang="de-DE" sz="2800" spc="-1" strike="noStrike">
-              <a:solidFill>
-                <a:srgbClr val="000000"/>
-              </a:solidFill>
+            <a:endParaRPr b="0" lang="en-US" sz="3200" spc="-1" strike="noStrike">
               <a:latin typeface="Arial"/>
             </a:endParaRPr>
           </a:p>
           <a:p>
             <a:pPr lvl="1" marL="864000" indent="-324000">
-              <a:lnSpc>
-                <a:spcPct val="90000"/>
-              </a:lnSpc>
               <a:spcBef>
                 <a:spcPts val="1134"/>
               </a:spcBef>
@@ -5386,26 +4735,17 @@
               <a:buChar char=""/>
             </a:pPr>
             <a:r>
-              <a:rPr b="0" lang="de-DE" sz="2000" spc="-1" strike="noStrike">
-                <a:solidFill>
-                  <a:srgbClr val="000000"/>
-                </a:solidFill>
+              <a:rPr b="0" lang="en-US" sz="2800" spc="-1" strike="noStrike">
                 <a:latin typeface="Arial"/>
               </a:rPr>
               <a:t>Second Outline Level</a:t>
             </a:r>
-            <a:endParaRPr b="0" lang="de-DE" sz="2000" spc="-1" strike="noStrike">
-              <a:solidFill>
-                <a:srgbClr val="000000"/>
-              </a:solidFill>
+            <a:endParaRPr b="0" lang="en-US" sz="2800" spc="-1" strike="noStrike">
               <a:latin typeface="Arial"/>
             </a:endParaRPr>
           </a:p>
           <a:p>
             <a:pPr lvl="2" marL="1296000" indent="-288000">
-              <a:lnSpc>
-                <a:spcPct val="90000"/>
-              </a:lnSpc>
               <a:spcBef>
                 <a:spcPts val="850"/>
               </a:spcBef>
@@ -5417,26 +4757,17 @@
               <a:buChar char=""/>
             </a:pPr>
             <a:r>
-              <a:rPr b="0" lang="de-DE" sz="1800" spc="-1" strike="noStrike">
-                <a:solidFill>
-                  <a:srgbClr val="000000"/>
-                </a:solidFill>
+              <a:rPr b="0" lang="en-US" sz="2400" spc="-1" strike="noStrike">
                 <a:latin typeface="Arial"/>
               </a:rPr>
               <a:t>Third Outline Level</a:t>
             </a:r>
-            <a:endParaRPr b="0" lang="de-DE" sz="1800" spc="-1" strike="noStrike">
-              <a:solidFill>
-                <a:srgbClr val="000000"/>
-              </a:solidFill>
+            <a:endParaRPr b="0" lang="en-US" sz="2400" spc="-1" strike="noStrike">
               <a:latin typeface="Arial"/>
             </a:endParaRPr>
           </a:p>
           <a:p>
             <a:pPr lvl="3" marL="1728000" indent="-216000">
-              <a:lnSpc>
-                <a:spcPct val="90000"/>
-              </a:lnSpc>
               <a:spcBef>
                 <a:spcPts val="567"/>
               </a:spcBef>
@@ -5448,26 +4779,17 @@
               <a:buChar char=""/>
             </a:pPr>
             <a:r>
-              <a:rPr b="0" lang="de-DE" sz="1800" spc="-1" strike="noStrike">
-                <a:solidFill>
-                  <a:srgbClr val="000000"/>
-                </a:solidFill>
+              <a:rPr b="0" lang="en-US" sz="2000" spc="-1" strike="noStrike">
                 <a:latin typeface="Arial"/>
               </a:rPr>
               <a:t>Fourth Outline Level</a:t>
             </a:r>
-            <a:endParaRPr b="0" lang="de-DE" sz="1800" spc="-1" strike="noStrike">
-              <a:solidFill>
-                <a:srgbClr val="000000"/>
-              </a:solidFill>
+            <a:endParaRPr b="0" lang="en-US" sz="2000" spc="-1" strike="noStrike">
               <a:latin typeface="Arial"/>
             </a:endParaRPr>
           </a:p>
           <a:p>
             <a:pPr lvl="4" marL="2160000" indent="-216000">
-              <a:lnSpc>
-                <a:spcPct val="90000"/>
-              </a:lnSpc>
               <a:spcBef>
                 <a:spcPts val="283"/>
               </a:spcBef>
@@ -5479,26 +4801,17 @@
               <a:buChar char=""/>
             </a:pPr>
             <a:r>
-              <a:rPr b="0" lang="de-DE" sz="2000" spc="-1" strike="noStrike">
-                <a:solidFill>
-                  <a:srgbClr val="000000"/>
-                </a:solidFill>
+              <a:rPr b="0" lang="en-US" sz="2000" spc="-1" strike="noStrike">
                 <a:latin typeface="Arial"/>
               </a:rPr>
               <a:t>Fifth Outline Level</a:t>
             </a:r>
-            <a:endParaRPr b="0" lang="de-DE" sz="2000" spc="-1" strike="noStrike">
-              <a:solidFill>
-                <a:srgbClr val="000000"/>
-              </a:solidFill>
+            <a:endParaRPr b="0" lang="en-US" sz="2000" spc="-1" strike="noStrike">
               <a:latin typeface="Arial"/>
             </a:endParaRPr>
           </a:p>
           <a:p>
             <a:pPr lvl="5" marL="2592000" indent="-216000">
-              <a:lnSpc>
-                <a:spcPct val="90000"/>
-              </a:lnSpc>
               <a:spcBef>
                 <a:spcPts val="283"/>
               </a:spcBef>
@@ -5510,26 +4823,17 @@
               <a:buChar char=""/>
             </a:pPr>
             <a:r>
-              <a:rPr b="0" lang="de-DE" sz="2000" spc="-1" strike="noStrike">
-                <a:solidFill>
-                  <a:srgbClr val="000000"/>
-                </a:solidFill>
+              <a:rPr b="0" lang="en-US" sz="2000" spc="-1" strike="noStrike">
                 <a:latin typeface="Arial"/>
               </a:rPr>
               <a:t>Sixth Outline Level</a:t>
             </a:r>
-            <a:endParaRPr b="0" lang="de-DE" sz="2000" spc="-1" strike="noStrike">
-              <a:solidFill>
-                <a:srgbClr val="000000"/>
-              </a:solidFill>
+            <a:endParaRPr b="0" lang="en-US" sz="2000" spc="-1" strike="noStrike">
               <a:latin typeface="Arial"/>
             </a:endParaRPr>
           </a:p>
           <a:p>
             <a:pPr lvl="6" marL="3024000" indent="-216000">
-              <a:lnSpc>
-                <a:spcPct val="90000"/>
-              </a:lnSpc>
               <a:spcBef>
                 <a:spcPts val="283"/>
               </a:spcBef>
@@ -5541,18 +4845,12 @@
               <a:buChar char=""/>
             </a:pPr>
             <a:r>
-              <a:rPr b="0" lang="de-DE" sz="2000" spc="-1" strike="noStrike">
-                <a:solidFill>
-                  <a:srgbClr val="000000"/>
-                </a:solidFill>
+              <a:rPr b="0" lang="en-US" sz="2000" spc="-1" strike="noStrike">
                 <a:latin typeface="Arial"/>
               </a:rPr>
               <a:t>Seventh Outline Level</a:t>
             </a:r>
-            <a:endParaRPr b="0" lang="de-DE" sz="2000" spc="-1" strike="noStrike">
-              <a:solidFill>
-                <a:srgbClr val="000000"/>
-              </a:solidFill>
+            <a:endParaRPr b="0" lang="en-US" sz="2000" spc="-1" strike="noStrike">
               <a:latin typeface="Arial"/>
             </a:endParaRPr>
           </a:p>
@@ -5611,7 +4909,7 @@
         <p:spPr>
           <a:xfrm>
             <a:off x="0" y="0"/>
-            <a:ext cx="12191040" cy="6856920"/>
+            <a:ext cx="12190680" cy="6856560"/>
           </a:xfrm>
           <a:prstGeom prst="rect">
             <a:avLst/>
@@ -5651,7 +4949,7 @@
         <p:spPr>
           <a:xfrm>
             <a:off x="1066680" y="1083960"/>
-            <a:ext cx="6943320" cy="2089440"/>
+            <a:ext cx="6942960" cy="2089080"/>
           </a:xfrm>
           <a:prstGeom prst="rect">
             <a:avLst/>
@@ -5680,142 +4978,9 @@
                 <a:latin typeface="Neue Haas Grotesk Text Pro"/>
                 <a:ea typeface="DejaVu Sans"/>
               </a:rPr>
-              <a:t>Z</a:t>
+              <a:t>Zeichenroboter</a:t>
             </a:r>
-            <a:r>
-              <a:rPr b="1" lang="de-DE" sz="6000" spc="-1" strike="noStrike">
-                <a:solidFill>
-                  <a:srgbClr val="000000"/>
-                </a:solidFill>
-                <a:latin typeface="Neue Haas Grotesk Text Pro"/>
-                <a:ea typeface="DejaVu Sans"/>
-              </a:rPr>
-              <a:t>e</a:t>
-            </a:r>
-            <a:r>
-              <a:rPr b="1" lang="de-DE" sz="6000" spc="-1" strike="noStrike">
-                <a:solidFill>
-                  <a:srgbClr val="000000"/>
-                </a:solidFill>
-                <a:latin typeface="Neue Haas Grotesk Text Pro"/>
-                <a:ea typeface="DejaVu Sans"/>
-              </a:rPr>
-              <a:t>i</a:t>
-            </a:r>
-            <a:r>
-              <a:rPr b="1" lang="de-DE" sz="6000" spc="-1" strike="noStrike">
-                <a:solidFill>
-                  <a:srgbClr val="000000"/>
-                </a:solidFill>
-                <a:latin typeface="Neue Haas Grotesk Text Pro"/>
-                <a:ea typeface="DejaVu Sans"/>
-              </a:rPr>
-              <a:t>c</a:t>
-            </a:r>
-            <a:r>
-              <a:rPr b="1" lang="de-DE" sz="6000" spc="-1" strike="noStrike">
-                <a:solidFill>
-                  <a:srgbClr val="000000"/>
-                </a:solidFill>
-                <a:latin typeface="Neue Haas Grotesk Text Pro"/>
-                <a:ea typeface="DejaVu Sans"/>
-              </a:rPr>
-              <a:t>h</a:t>
-            </a:r>
-            <a:r>
-              <a:rPr b="1" lang="de-DE" sz="6000" spc="-1" strike="noStrike">
-                <a:solidFill>
-                  <a:srgbClr val="000000"/>
-                </a:solidFill>
-                <a:latin typeface="Neue Haas Grotesk Text Pro"/>
-                <a:ea typeface="DejaVu Sans"/>
-              </a:rPr>
-              <a:t>e</a:t>
-            </a:r>
-            <a:r>
-              <a:rPr b="1" lang="de-DE" sz="6000" spc="-1" strike="noStrike">
-                <a:solidFill>
-                  <a:srgbClr val="000000"/>
-                </a:solidFill>
-                <a:latin typeface="Neue Haas Grotesk Text Pro"/>
-                <a:ea typeface="DejaVu Sans"/>
-              </a:rPr>
-              <a:t>n</a:t>
-            </a:r>
-            <a:r>
-              <a:rPr b="1" lang="de-DE" sz="6000" spc="-1" strike="noStrike">
-                <a:solidFill>
-                  <a:srgbClr val="000000"/>
-                </a:solidFill>
-                <a:latin typeface="Neue Haas Grotesk Text Pro"/>
-                <a:ea typeface="DejaVu Sans"/>
-              </a:rPr>
-              <a:t>r</a:t>
-            </a:r>
-            <a:r>
-              <a:rPr b="1" lang="de-DE" sz="6000" spc="-1" strike="noStrike">
-                <a:solidFill>
-                  <a:srgbClr val="000000"/>
-                </a:solidFill>
-                <a:latin typeface="Neue Haas Grotesk Text Pro"/>
-                <a:ea typeface="DejaVu Sans"/>
-              </a:rPr>
-              <a:t>o</a:t>
-            </a:r>
-            <a:r>
-              <a:rPr b="1" lang="de-DE" sz="6000" spc="-1" strike="noStrike">
-                <a:solidFill>
-                  <a:srgbClr val="000000"/>
-                </a:solidFill>
-                <a:latin typeface="Neue Haas Grotesk Text Pro"/>
-                <a:ea typeface="DejaVu Sans"/>
-              </a:rPr>
-              <a:t>b</a:t>
-            </a:r>
-            <a:r>
-              <a:rPr b="1" lang="de-DE" sz="6000" spc="-1" strike="noStrike">
-                <a:solidFill>
-                  <a:srgbClr val="000000"/>
-                </a:solidFill>
-                <a:latin typeface="Neue Haas Grotesk Text Pro"/>
-                <a:ea typeface="DejaVu Sans"/>
-              </a:rPr>
-              <a:t>o</a:t>
-            </a:r>
-            <a:r>
-              <a:rPr b="1" lang="de-DE" sz="6000" spc="-1" strike="noStrike">
-                <a:solidFill>
-                  <a:srgbClr val="000000"/>
-                </a:solidFill>
-                <a:latin typeface="Neue Haas Grotesk Text Pro"/>
-                <a:ea typeface="DejaVu Sans"/>
-              </a:rPr>
-              <a:t>t</a:t>
-            </a:r>
-            <a:r>
-              <a:rPr b="1" lang="de-DE" sz="6000" spc="-1" strike="noStrike">
-                <a:solidFill>
-                  <a:srgbClr val="000000"/>
-                </a:solidFill>
-                <a:latin typeface="Neue Haas Grotesk Text Pro"/>
-                <a:ea typeface="DejaVu Sans"/>
-              </a:rPr>
-              <a:t>e</a:t>
-            </a:r>
-            <a:r>
-              <a:rPr b="1" lang="de-DE" sz="6000" spc="-1" strike="noStrike">
-                <a:solidFill>
-                  <a:srgbClr val="000000"/>
-                </a:solidFill>
-                <a:latin typeface="Neue Haas Grotesk Text Pro"/>
-                <a:ea typeface="DejaVu Sans"/>
-              </a:rPr>
-              <a:t>r</a:t>
-            </a:r>
-            <a:endParaRPr b="0" lang="de-DE" sz="6000" spc="-1" strike="noStrike">
-              <a:solidFill>
-                <a:srgbClr val="000000"/>
-              </a:solidFill>
+            <a:endParaRPr b="0" lang="en-US" sz="6000" spc="-1" strike="noStrike">
               <a:latin typeface="Arial"/>
             </a:endParaRPr>
           </a:p>
@@ -5834,7 +4999,7 @@
         <p:spPr>
           <a:xfrm>
             <a:off x="1066680" y="3233160"/>
-            <a:ext cx="4558680" cy="1770120"/>
+            <a:ext cx="4558320" cy="1769760"/>
           </a:xfrm>
           <a:prstGeom prst="rect">
             <a:avLst/>
@@ -5873,97 +5038,7 @@
                 <a:latin typeface="Neue Haas Grotesk Text Pro"/>
                 <a:ea typeface="DejaVu Sans"/>
               </a:rPr>
-              <a:t>F</a:t>
-            </a:r>
-            <a:r>
-              <a:rPr b="0" lang="de-DE" sz="2000" spc="-1" strike="noStrike">
-                <a:solidFill>
-                  <a:srgbClr val="000000"/>
-                </a:solidFill>
-                <a:latin typeface="Neue Haas Grotesk Text Pro"/>
-                <a:ea typeface="DejaVu Sans"/>
-              </a:rPr>
-              <a:t>a</a:t>
-            </a:r>
-            <a:r>
-              <a:rPr b="0" lang="de-DE" sz="2000" spc="-1" strike="noStrike">
-                <a:solidFill>
-                  <a:srgbClr val="000000"/>
-                </a:solidFill>
-                <a:latin typeface="Neue Haas Grotesk Text Pro"/>
-                <a:ea typeface="DejaVu Sans"/>
-              </a:rPr>
-              <a:t>c</a:t>
-            </a:r>
-            <a:r>
-              <a:rPr b="0" lang="de-DE" sz="2000" spc="-1" strike="noStrike">
-                <a:solidFill>
-                  <a:srgbClr val="000000"/>
-                </a:solidFill>
-                <a:latin typeface="Neue Haas Grotesk Text Pro"/>
-                <a:ea typeface="DejaVu Sans"/>
-              </a:rPr>
-              <a:t>h</a:t>
-            </a:r>
-            <a:r>
-              <a:rPr b="0" lang="de-DE" sz="2000" spc="-1" strike="noStrike">
-                <a:solidFill>
-                  <a:srgbClr val="000000"/>
-                </a:solidFill>
-                <a:latin typeface="Neue Haas Grotesk Text Pro"/>
-                <a:ea typeface="DejaVu Sans"/>
-              </a:rPr>
-              <a:t>a</a:t>
-            </a:r>
-            <a:r>
-              <a:rPr b="0" lang="de-DE" sz="2000" spc="-1" strike="noStrike">
-                <a:solidFill>
-                  <a:srgbClr val="000000"/>
-                </a:solidFill>
-                <a:latin typeface="Neue Haas Grotesk Text Pro"/>
-                <a:ea typeface="DejaVu Sans"/>
-              </a:rPr>
-              <a:t>r</a:t>
-            </a:r>
-            <a:r>
-              <a:rPr b="0" lang="de-DE" sz="2000" spc="-1" strike="noStrike">
-                <a:solidFill>
-                  <a:srgbClr val="000000"/>
-                </a:solidFill>
-                <a:latin typeface="Neue Haas Grotesk Text Pro"/>
-                <a:ea typeface="DejaVu Sans"/>
-              </a:rPr>
-              <a:t>b</a:t>
-            </a:r>
-            <a:r>
-              <a:rPr b="0" lang="de-DE" sz="2000" spc="-1" strike="noStrike">
-                <a:solidFill>
-                  <a:srgbClr val="000000"/>
-                </a:solidFill>
-                <a:latin typeface="Neue Haas Grotesk Text Pro"/>
-                <a:ea typeface="DejaVu Sans"/>
-              </a:rPr>
-              <a:t>e</a:t>
-            </a:r>
-            <a:r>
-              <a:rPr b="0" lang="de-DE" sz="2000" spc="-1" strike="noStrike">
-                <a:solidFill>
-                  <a:srgbClr val="000000"/>
-                </a:solidFill>
-                <a:latin typeface="Neue Haas Grotesk Text Pro"/>
-                <a:ea typeface="DejaVu Sans"/>
-              </a:rPr>
-              <a:t>i</a:t>
-            </a:r>
-            <a:r>
-              <a:rPr b="0" lang="de-DE" sz="2000" spc="-1" strike="noStrike">
-                <a:solidFill>
-                  <a:srgbClr val="000000"/>
-                </a:solidFill>
-                <a:latin typeface="Neue Haas Grotesk Text Pro"/>
-                <a:ea typeface="DejaVu Sans"/>
-              </a:rPr>
-              <a:t>t</a:t>
+              <a:t>Facharbeit</a:t>
             </a:r>
             <a:endParaRPr b="0" lang="en-US" sz="2000" spc="-1" strike="noStrike">
               <a:latin typeface="Arial"/>
@@ -5994,237 +5069,7 @@
                 <a:latin typeface="Neue Haas Grotesk Text Pro"/>
                 <a:ea typeface="DejaVu Sans"/>
               </a:rPr>
-              <a:t>V</a:t>
-            </a:r>
-            <a:r>
-              <a:rPr b="0" lang="de-DE" sz="2000" spc="-1" strike="noStrike">
-                <a:solidFill>
-                  <a:srgbClr val="000000"/>
-                </a:solidFill>
-                <a:latin typeface="Neue Haas Grotesk Text Pro"/>
-                <a:ea typeface="DejaVu Sans"/>
-              </a:rPr>
-              <a:t>o</a:t>
-            </a:r>
-            <a:r>
-              <a:rPr b="0" lang="de-DE" sz="2000" spc="-1" strike="noStrike">
-                <a:solidFill>
-                  <a:srgbClr val="000000"/>
-                </a:solidFill>
-                <a:latin typeface="Neue Haas Grotesk Text Pro"/>
-                <a:ea typeface="DejaVu Sans"/>
-              </a:rPr>
-              <a:t>n</a:t>
-            </a:r>
-            <a:r>
-              <a:rPr b="0" lang="de-DE" sz="2000" spc="-1" strike="noStrike">
-                <a:solidFill>
-                  <a:srgbClr val="000000"/>
-                </a:solidFill>
-                <a:latin typeface="Neue Haas Grotesk Text Pro"/>
-                <a:ea typeface="DejaVu Sans"/>
-              </a:rPr>
-              <a:t> </a:t>
-            </a:r>
-            <a:r>
-              <a:rPr b="0" lang="de-DE" sz="2000" spc="-1" strike="noStrike">
-                <a:solidFill>
-                  <a:srgbClr val="000000"/>
-                </a:solidFill>
-                <a:latin typeface="Neue Haas Grotesk Text Pro"/>
-                <a:ea typeface="DejaVu Sans"/>
-              </a:rPr>
-              <a:t>A</a:t>
-            </a:r>
-            <a:r>
-              <a:rPr b="0" lang="de-DE" sz="2000" spc="-1" strike="noStrike">
-                <a:solidFill>
-                  <a:srgbClr val="000000"/>
-                </a:solidFill>
-                <a:latin typeface="Neue Haas Grotesk Text Pro"/>
-                <a:ea typeface="DejaVu Sans"/>
-              </a:rPr>
-              <a:t>l</a:t>
-            </a:r>
-            <a:r>
-              <a:rPr b="0" lang="de-DE" sz="2000" spc="-1" strike="noStrike">
-                <a:solidFill>
-                  <a:srgbClr val="000000"/>
-                </a:solidFill>
-                <a:latin typeface="Neue Haas Grotesk Text Pro"/>
-                <a:ea typeface="DejaVu Sans"/>
-              </a:rPr>
-              <a:t>e</a:t>
-            </a:r>
-            <a:r>
-              <a:rPr b="0" lang="de-DE" sz="2000" spc="-1" strike="noStrike">
-                <a:solidFill>
-                  <a:srgbClr val="000000"/>
-                </a:solidFill>
-                <a:latin typeface="Neue Haas Grotesk Text Pro"/>
-                <a:ea typeface="DejaVu Sans"/>
-              </a:rPr>
-              <a:t>x</a:t>
-            </a:r>
-            <a:r>
-              <a:rPr b="0" lang="de-DE" sz="2000" spc="-1" strike="noStrike">
-                <a:solidFill>
-                  <a:srgbClr val="000000"/>
-                </a:solidFill>
-                <a:latin typeface="Neue Haas Grotesk Text Pro"/>
-                <a:ea typeface="DejaVu Sans"/>
-              </a:rPr>
-              <a:t>a</a:t>
-            </a:r>
-            <a:r>
-              <a:rPr b="0" lang="de-DE" sz="2000" spc="-1" strike="noStrike">
-                <a:solidFill>
-                  <a:srgbClr val="000000"/>
-                </a:solidFill>
-                <a:latin typeface="Neue Haas Grotesk Text Pro"/>
-                <a:ea typeface="DejaVu Sans"/>
-              </a:rPr>
-              <a:t>n</a:t>
-            </a:r>
-            <a:r>
-              <a:rPr b="0" lang="de-DE" sz="2000" spc="-1" strike="noStrike">
-                <a:solidFill>
-                  <a:srgbClr val="000000"/>
-                </a:solidFill>
-                <a:latin typeface="Neue Haas Grotesk Text Pro"/>
-                <a:ea typeface="DejaVu Sans"/>
-              </a:rPr>
-              <a:t>d</a:t>
-            </a:r>
-            <a:r>
-              <a:rPr b="0" lang="de-DE" sz="2000" spc="-1" strike="noStrike">
-                <a:solidFill>
-                  <a:srgbClr val="000000"/>
-                </a:solidFill>
-                <a:latin typeface="Neue Haas Grotesk Text Pro"/>
-                <a:ea typeface="DejaVu Sans"/>
-              </a:rPr>
-              <a:t>e</a:t>
-            </a:r>
-            <a:r>
-              <a:rPr b="0" lang="de-DE" sz="2000" spc="-1" strike="noStrike">
-                <a:solidFill>
-                  <a:srgbClr val="000000"/>
-                </a:solidFill>
-                <a:latin typeface="Neue Haas Grotesk Text Pro"/>
-                <a:ea typeface="DejaVu Sans"/>
-              </a:rPr>
-              <a:t>r</a:t>
-            </a:r>
-            <a:r>
-              <a:rPr b="0" lang="de-DE" sz="2000" spc="-1" strike="noStrike">
-                <a:solidFill>
-                  <a:srgbClr val="000000"/>
-                </a:solidFill>
-                <a:latin typeface="Neue Haas Grotesk Text Pro"/>
-                <a:ea typeface="DejaVu Sans"/>
-              </a:rPr>
-              <a:t>,</a:t>
-            </a:r>
-            <a:r>
-              <a:rPr b="0" lang="de-DE" sz="2000" spc="-1" strike="noStrike">
-                <a:solidFill>
-                  <a:srgbClr val="000000"/>
-                </a:solidFill>
-                <a:latin typeface="Neue Haas Grotesk Text Pro"/>
-                <a:ea typeface="DejaVu Sans"/>
-              </a:rPr>
-              <a:t> </a:t>
-            </a:r>
-            <a:r>
-              <a:rPr b="0" lang="de-DE" sz="2000" spc="-1" strike="noStrike">
-                <a:solidFill>
-                  <a:srgbClr val="000000"/>
-                </a:solidFill>
-                <a:latin typeface="Neue Haas Grotesk Text Pro"/>
-                <a:ea typeface="DejaVu Sans"/>
-              </a:rPr>
-              <a:t>B</a:t>
-            </a:r>
-            <a:r>
-              <a:rPr b="0" lang="de-DE" sz="2000" spc="-1" strike="noStrike">
-                <a:solidFill>
-                  <a:srgbClr val="000000"/>
-                </a:solidFill>
-                <a:latin typeface="Neue Haas Grotesk Text Pro"/>
-                <a:ea typeface="DejaVu Sans"/>
-              </a:rPr>
-              <a:t>e</a:t>
-            </a:r>
-            <a:r>
-              <a:rPr b="0" lang="de-DE" sz="2000" spc="-1" strike="noStrike">
-                <a:solidFill>
-                  <a:srgbClr val="000000"/>
-                </a:solidFill>
-                <a:latin typeface="Neue Haas Grotesk Text Pro"/>
-                <a:ea typeface="DejaVu Sans"/>
-              </a:rPr>
-              <a:t>n</a:t>
-            </a:r>
-            <a:r>
-              <a:rPr b="0" lang="de-DE" sz="2000" spc="-1" strike="noStrike">
-                <a:solidFill>
-                  <a:srgbClr val="000000"/>
-                </a:solidFill>
-                <a:latin typeface="Neue Haas Grotesk Text Pro"/>
-                <a:ea typeface="DejaVu Sans"/>
-              </a:rPr>
-              <a:t>,</a:t>
-            </a:r>
-            <a:r>
-              <a:rPr b="0" lang="de-DE" sz="2000" spc="-1" strike="noStrike">
-                <a:solidFill>
-                  <a:srgbClr val="000000"/>
-                </a:solidFill>
-                <a:latin typeface="Neue Haas Grotesk Text Pro"/>
-                <a:ea typeface="DejaVu Sans"/>
-              </a:rPr>
-              <a:t> </a:t>
-            </a:r>
-            <a:r>
-              <a:rPr b="0" lang="de-DE" sz="2000" spc="-1" strike="noStrike">
-                <a:solidFill>
-                  <a:srgbClr val="000000"/>
-                </a:solidFill>
-                <a:latin typeface="Neue Haas Grotesk Text Pro"/>
-                <a:ea typeface="DejaVu Sans"/>
-              </a:rPr>
-              <a:t>K</a:t>
-            </a:r>
-            <a:r>
-              <a:rPr b="0" lang="de-DE" sz="2000" spc="-1" strike="noStrike">
-                <a:solidFill>
-                  <a:srgbClr val="000000"/>
-                </a:solidFill>
-                <a:latin typeface="Neue Haas Grotesk Text Pro"/>
-                <a:ea typeface="DejaVu Sans"/>
-              </a:rPr>
-              <a:t>u</a:t>
-            </a:r>
-            <a:r>
-              <a:rPr b="0" lang="de-DE" sz="2000" spc="-1" strike="noStrike">
-                <a:solidFill>
-                  <a:srgbClr val="000000"/>
-                </a:solidFill>
-                <a:latin typeface="Neue Haas Grotesk Text Pro"/>
-                <a:ea typeface="DejaVu Sans"/>
-              </a:rPr>
-              <a:t>r</a:t>
-            </a:r>
-            <a:r>
-              <a:rPr b="0" lang="de-DE" sz="2000" spc="-1" strike="noStrike">
-                <a:solidFill>
-                  <a:srgbClr val="000000"/>
-                </a:solidFill>
-                <a:latin typeface="Neue Haas Grotesk Text Pro"/>
-                <a:ea typeface="DejaVu Sans"/>
-              </a:rPr>
-              <a:t>t</a:t>
+              <a:t>Von Alexander, Ben, Kurt</a:t>
             </a:r>
             <a:endParaRPr b="0" lang="en-US" sz="2000" spc="-1" strike="noStrike">
               <a:latin typeface="Arial"/>
@@ -6240,8 +5085,8 @@
         </p:nvSpPr>
         <p:spPr>
           <a:xfrm flipH="1" flipV="1">
-            <a:off x="12213000" y="6855480"/>
-            <a:ext cx="24840" cy="360"/>
+            <a:off x="12213000" y="6854760"/>
+            <a:ext cx="24480" cy="360"/>
           </a:xfrm>
           <a:custGeom>
             <a:avLst/>
@@ -6296,7 +5141,7 @@
                 <a:srgbClr val="58eae3"/>
               </a:gs>
             </a:gsLst>
-            <a:lin ang="1800000"/>
+            <a:lin ang="12600000"/>
           </a:gradFill>
           <a:ln>
             <a:noFill/>
@@ -6360,7 +5205,7 @@
         <p:spPr>
           <a:xfrm>
             <a:off x="654120" y="353160"/>
-            <a:ext cx="10883520" cy="1305720"/>
+            <a:ext cx="10883160" cy="1305360"/>
           </a:xfrm>
           <a:prstGeom prst="rect">
             <a:avLst/>
@@ -6389,122 +5234,9 @@
                 <a:latin typeface="Neue Haas Grotesk Text Pro"/>
                 <a:ea typeface="DejaVu Sans"/>
               </a:rPr>
-              <a:t>D</a:t>
+              <a:t>Die Software</a:t>
             </a:r>
-            <a:r>
-              <a:rPr b="1" lang="en-US" sz="3600" spc="-1" strike="noStrike">
-                <a:solidFill>
-                  <a:srgbClr val="000000"/>
-                </a:solidFill>
-                <a:latin typeface="Neue Haas Grotesk Text Pro"/>
-                <a:ea typeface="DejaVu Sans"/>
-              </a:rPr>
-              <a:t>i</a:t>
-            </a:r>
-            <a:r>
-              <a:rPr b="1" lang="en-US" sz="3600" spc="-1" strike="noStrike">
-                <a:solidFill>
-                  <a:srgbClr val="000000"/>
-                </a:solidFill>
-                <a:latin typeface="Neue Haas Grotesk Text Pro"/>
-                <a:ea typeface="DejaVu Sans"/>
-              </a:rPr>
-              <a:t>e</a:t>
-            </a:r>
-            <a:r>
-              <a:rPr b="1" lang="en-US" sz="3600" spc="-1" strike="noStrike">
-                <a:solidFill>
-                  <a:srgbClr val="000000"/>
-                </a:solidFill>
-                <a:latin typeface="Neue Haas Grotesk Text Pro"/>
-                <a:ea typeface="DejaVu Sans"/>
-              </a:rPr>
-              <a:t> </a:t>
-            </a:r>
-            <a:r>
-              <a:rPr b="1" lang="en-US" sz="3600" spc="-1" strike="noStrike">
-                <a:solidFill>
-                  <a:srgbClr val="000000"/>
-                </a:solidFill>
-                <a:latin typeface="Neue Haas Grotesk Text Pro"/>
-                <a:ea typeface="DejaVu Sans"/>
-              </a:rPr>
-              <a:t>S</a:t>
-            </a:r>
-            <a:r>
-              <a:rPr b="1" lang="en-US" sz="3600" spc="-1" strike="noStrike">
-                <a:solidFill>
-                  <a:srgbClr val="000000"/>
-                </a:solidFill>
-                <a:latin typeface="Neue Haas Grotesk Text Pro"/>
-                <a:ea typeface="DejaVu Sans"/>
-              </a:rPr>
-              <a:t>o</a:t>
-            </a:r>
-            <a:r>
-              <a:rPr b="1" lang="en-US" sz="3600" spc="-1" strike="noStrike">
-                <a:solidFill>
-                  <a:srgbClr val="000000"/>
-                </a:solidFill>
-                <a:latin typeface="Neue Haas Grotesk Text Pro"/>
-                <a:ea typeface="DejaVu Sans"/>
-              </a:rPr>
-              <a:t>f</a:t>
-            </a:r>
-            <a:r>
-              <a:rPr b="1" lang="en-US" sz="3600" spc="-1" strike="noStrike">
-                <a:solidFill>
-                  <a:srgbClr val="000000"/>
-                </a:solidFill>
-                <a:latin typeface="Neue Haas Grotesk Text Pro"/>
-                <a:ea typeface="DejaVu Sans"/>
-              </a:rPr>
-              <a:t>t</a:t>
-            </a:r>
-            <a:r>
-              <a:rPr b="1" lang="en-US" sz="3600" spc="-1" strike="noStrike">
-                <a:solidFill>
-                  <a:srgbClr val="000000"/>
-                </a:solidFill>
-                <a:latin typeface="Neue Haas Grotesk Text Pro"/>
-                <a:ea typeface="DejaVu Sans"/>
-              </a:rPr>
-              <a:t>w</a:t>
-            </a:r>
-            <a:r>
-              <a:rPr b="1" lang="en-US" sz="3600" spc="-1" strike="noStrike">
-                <a:solidFill>
-                  <a:srgbClr val="000000"/>
-                </a:solidFill>
-                <a:latin typeface="Neue Haas Grotesk Text Pro"/>
-                <a:ea typeface="DejaVu Sans"/>
-              </a:rPr>
-              <a:t>a</a:t>
-            </a:r>
-            <a:r>
-              <a:rPr b="1" lang="en-US" sz="3600" spc="-1" strike="noStrike">
-                <a:solidFill>
-                  <a:srgbClr val="000000"/>
-                </a:solidFill>
-                <a:latin typeface="Neue Haas Grotesk Text Pro"/>
-                <a:ea typeface="DejaVu Sans"/>
-              </a:rPr>
-              <a:t>r</a:t>
-            </a:r>
-            <a:r>
-              <a:rPr b="1" lang="en-US" sz="3600" spc="-1" strike="noStrike">
-                <a:solidFill>
-                  <a:srgbClr val="000000"/>
-                </a:solidFill>
-                <a:latin typeface="Neue Haas Grotesk Text Pro"/>
-                <a:ea typeface="DejaVu Sans"/>
-              </a:rPr>
-              <a:t>e</a:t>
-            </a:r>
-            <a:endParaRPr b="0" lang="de-DE" sz="3600" spc="-1" strike="noStrike">
-              <a:solidFill>
-                <a:srgbClr val="000000"/>
-              </a:solidFill>
+            <a:endParaRPr b="0" lang="en-US" sz="3600" spc="-1" strike="noStrike">
               <a:latin typeface="Arial"/>
             </a:endParaRPr>
           </a:p>
@@ -6519,7 +5251,7 @@
         <p:spPr>
           <a:xfrm>
             <a:off x="736200" y="1659240"/>
-            <a:ext cx="5933520" cy="4082760"/>
+            <a:ext cx="5933160" cy="4078440"/>
           </a:xfrm>
           <a:prstGeom prst="rect">
             <a:avLst/>
@@ -7063,7 +5795,7 @@
         <p:spPr>
           <a:xfrm>
             <a:off x="5609160" y="2872080"/>
-            <a:ext cx="4977000" cy="2211480"/>
+            <a:ext cx="4976640" cy="2211120"/>
           </a:xfrm>
           <a:custGeom>
             <a:avLst/>
@@ -7181,7 +5913,7 @@
         <p:spPr>
           <a:xfrm>
             <a:off x="642600" y="275760"/>
-            <a:ext cx="10883520" cy="1305720"/>
+            <a:ext cx="10883160" cy="1305360"/>
           </a:xfrm>
           <a:prstGeom prst="rect">
             <a:avLst/>
@@ -7210,272 +5942,9 @@
                 <a:latin typeface="Neue Haas Grotesk Text Pro"/>
                 <a:ea typeface="DejaVu Sans"/>
               </a:rPr>
-              <a:t>D</a:t>
+              <a:t>Der Algorithmus am Beispiel</a:t>
             </a:r>
-            <a:r>
-              <a:rPr b="1" lang="en-US" sz="3600" spc="-1" strike="noStrike">
-                <a:solidFill>
-                  <a:srgbClr val="000000"/>
-                </a:solidFill>
-                <a:latin typeface="Neue Haas Grotesk Text Pro"/>
-                <a:ea typeface="DejaVu Sans"/>
-              </a:rPr>
-              <a:t>e</a:t>
-            </a:r>
-            <a:r>
-              <a:rPr b="1" lang="en-US" sz="3600" spc="-1" strike="noStrike">
-                <a:solidFill>
-                  <a:srgbClr val="000000"/>
-                </a:solidFill>
-                <a:latin typeface="Neue Haas Grotesk Text Pro"/>
-                <a:ea typeface="DejaVu Sans"/>
-              </a:rPr>
-              <a:t>r</a:t>
-            </a:r>
-            <a:r>
-              <a:rPr b="1" lang="en-US" sz="3600" spc="-1" strike="noStrike">
-                <a:solidFill>
-                  <a:srgbClr val="000000"/>
-                </a:solidFill>
-                <a:latin typeface="Neue Haas Grotesk Text Pro"/>
-                <a:ea typeface="DejaVu Sans"/>
-              </a:rPr>
-              <a:t> </a:t>
-            </a:r>
-            <a:r>
-              <a:rPr b="1" lang="en-US" sz="3600" spc="-1" strike="noStrike">
-                <a:solidFill>
-                  <a:srgbClr val="000000"/>
-                </a:solidFill>
-                <a:latin typeface="Neue Haas Grotesk Text Pro"/>
-                <a:ea typeface="DejaVu Sans"/>
-              </a:rPr>
-              <a:t>A</a:t>
-            </a:r>
-            <a:r>
-              <a:rPr b="1" lang="en-US" sz="3600" spc="-1" strike="noStrike">
-                <a:solidFill>
-                  <a:srgbClr val="000000"/>
-                </a:solidFill>
-                <a:latin typeface="Neue Haas Grotesk Text Pro"/>
-                <a:ea typeface="DejaVu Sans"/>
-              </a:rPr>
-              <a:t>l</a:t>
-            </a:r>
-            <a:r>
-              <a:rPr b="1" lang="en-US" sz="3600" spc="-1" strike="noStrike">
-                <a:solidFill>
-                  <a:srgbClr val="000000"/>
-                </a:solidFill>
-                <a:latin typeface="Neue Haas Grotesk Text Pro"/>
-                <a:ea typeface="DejaVu Sans"/>
-              </a:rPr>
-              <a:t>g</a:t>
-            </a:r>
-            <a:r>
-              <a:rPr b="1" lang="en-US" sz="3600" spc="-1" strike="noStrike">
-                <a:solidFill>
-                  <a:srgbClr val="000000"/>
-                </a:solidFill>
-                <a:latin typeface="Neue Haas Grotesk Text Pro"/>
-                <a:ea typeface="DejaVu Sans"/>
-              </a:rPr>
-              <a:t>o</a:t>
-            </a:r>
-            <a:r>
-              <a:rPr b="1" lang="en-US" sz="3600" spc="-1" strike="noStrike">
-                <a:solidFill>
-                  <a:srgbClr val="000000"/>
-                </a:solidFill>
-                <a:latin typeface="Neue Haas Grotesk Text Pro"/>
-                <a:ea typeface="DejaVu Sans"/>
-              </a:rPr>
-              <a:t>r</a:t>
-            </a:r>
-            <a:r>
-              <a:rPr b="1" lang="en-US" sz="3600" spc="-1" strike="noStrike">
-                <a:solidFill>
-                  <a:srgbClr val="000000"/>
-                </a:solidFill>
-                <a:latin typeface="Neue Haas Grotesk Text Pro"/>
-                <a:ea typeface="DejaVu Sans"/>
-              </a:rPr>
-              <a:t>i</a:t>
-            </a:r>
-            <a:r>
-              <a:rPr b="1" lang="en-US" sz="3600" spc="-1" strike="noStrike">
-                <a:solidFill>
-                  <a:srgbClr val="000000"/>
-                </a:solidFill>
-                <a:latin typeface="Neue Haas Grotesk Text Pro"/>
-                <a:ea typeface="DejaVu Sans"/>
-              </a:rPr>
-              <a:t>t</a:t>
-            </a:r>
-            <a:r>
-              <a:rPr b="1" lang="en-US" sz="3600" spc="-1" strike="noStrike">
-                <a:solidFill>
-                  <a:srgbClr val="000000"/>
-                </a:solidFill>
-                <a:latin typeface="Neue Haas Grotesk Text Pro"/>
-                <a:ea typeface="DejaVu Sans"/>
-              </a:rPr>
-              <a:t>h</a:t>
-            </a:r>
-            <a:r>
-              <a:rPr b="1" lang="en-US" sz="3600" spc="-1" strike="noStrike">
-                <a:solidFill>
-                  <a:srgbClr val="000000"/>
-                </a:solidFill>
-                <a:latin typeface="Neue Haas Grotesk Text Pro"/>
-                <a:ea typeface="DejaVu Sans"/>
-              </a:rPr>
-              <a:t>m</a:t>
-            </a:r>
-            <a:r>
-              <a:rPr b="1" lang="en-US" sz="3600" spc="-1" strike="noStrike">
-                <a:solidFill>
-                  <a:srgbClr val="000000"/>
-                </a:solidFill>
-                <a:latin typeface="Neue Haas Grotesk Text Pro"/>
-                <a:ea typeface="DejaVu Sans"/>
-              </a:rPr>
-              <a:t>u</a:t>
-            </a:r>
-            <a:r>
-              <a:rPr b="1" lang="en-US" sz="3600" spc="-1" strike="noStrike">
-                <a:solidFill>
-                  <a:srgbClr val="000000"/>
-                </a:solidFill>
-                <a:latin typeface="Neue Haas Grotesk Text Pro"/>
-                <a:ea typeface="DejaVu Sans"/>
-              </a:rPr>
-              <a:t>s</a:t>
-            </a:r>
-            <a:r>
-              <a:rPr b="1" lang="en-US" sz="3600" spc="-1" strike="noStrike">
-                <a:solidFill>
-                  <a:srgbClr val="000000"/>
-                </a:solidFill>
-                <a:latin typeface="Neue Haas Grotesk Text Pro"/>
-                <a:ea typeface="DejaVu Sans"/>
-              </a:rPr>
-              <a:t> </a:t>
-            </a:r>
-            <a:r>
-              <a:rPr b="1" lang="en-US" sz="3600" spc="-1" strike="noStrike">
-                <a:solidFill>
-                  <a:srgbClr val="000000"/>
-                </a:solidFill>
-                <a:latin typeface="Neue Haas Grotesk Text Pro"/>
-                <a:ea typeface="DejaVu Sans"/>
-              </a:rPr>
-              <a:t>a</a:t>
-            </a:r>
-            <a:r>
-              <a:rPr b="1" lang="en-US" sz="3600" spc="-1" strike="noStrike">
-                <a:solidFill>
-                  <a:srgbClr val="000000"/>
-                </a:solidFill>
-                <a:latin typeface="Neue Haas Grotesk Text Pro"/>
-                <a:ea typeface="DejaVu Sans"/>
-              </a:rPr>
-              <a:t>m</a:t>
-            </a:r>
-            <a:r>
-              <a:rPr b="1" lang="en-US" sz="3600" spc="-1" strike="noStrike">
-                <a:solidFill>
-                  <a:srgbClr val="000000"/>
-                </a:solidFill>
-                <a:latin typeface="Neue Haas Grotesk Text Pro"/>
-                <a:ea typeface="DejaVu Sans"/>
-              </a:rPr>
-              <a:t> </a:t>
-            </a:r>
-            <a:r>
-              <a:rPr b="1" lang="en-US" sz="3600" spc="-1" strike="noStrike">
-                <a:solidFill>
-                  <a:srgbClr val="000000"/>
-                </a:solidFill>
-                <a:latin typeface="Neue Haas Grotesk Text Pro"/>
-                <a:ea typeface="DejaVu Sans"/>
-              </a:rPr>
-              <a:t>B</a:t>
-            </a:r>
-            <a:r>
-              <a:rPr b="1" lang="en-US" sz="3600" spc="-1" strike="noStrike">
-                <a:solidFill>
-                  <a:srgbClr val="000000"/>
-                </a:solidFill>
-                <a:latin typeface="Neue Haas Grotesk Text Pro"/>
-                <a:ea typeface="DejaVu Sans"/>
-              </a:rPr>
-              <a:t>e</a:t>
-            </a:r>
-            <a:r>
-              <a:rPr b="1" lang="en-US" sz="3600" spc="-1" strike="noStrike">
-                <a:solidFill>
-                  <a:srgbClr val="000000"/>
-                </a:solidFill>
-                <a:latin typeface="Neue Haas Grotesk Text Pro"/>
-                <a:ea typeface="DejaVu Sans"/>
-              </a:rPr>
-              <a:t>i</a:t>
-            </a:r>
-            <a:r>
-              <a:rPr b="1" lang="en-US" sz="3600" spc="-1" strike="noStrike">
-                <a:solidFill>
-                  <a:srgbClr val="000000"/>
-                </a:solidFill>
-                <a:latin typeface="Neue Haas Grotesk Text Pro"/>
-                <a:ea typeface="DejaVu Sans"/>
-              </a:rPr>
-              <a:t>s</a:t>
-            </a:r>
-            <a:r>
-              <a:rPr b="1" lang="en-US" sz="3600" spc="-1" strike="noStrike">
-                <a:solidFill>
-                  <a:srgbClr val="000000"/>
-                </a:solidFill>
-                <a:latin typeface="Neue Haas Grotesk Text Pro"/>
-                <a:ea typeface="DejaVu Sans"/>
-              </a:rPr>
-              <a:t>p</a:t>
-            </a:r>
-            <a:r>
-              <a:rPr b="1" lang="en-US" sz="3600" spc="-1" strike="noStrike">
-                <a:solidFill>
-                  <a:srgbClr val="000000"/>
-                </a:solidFill>
-                <a:latin typeface="Neue Haas Grotesk Text Pro"/>
-                <a:ea typeface="DejaVu Sans"/>
-              </a:rPr>
-              <a:t>i</a:t>
-            </a:r>
-            <a:r>
-              <a:rPr b="1" lang="en-US" sz="3600" spc="-1" strike="noStrike">
-                <a:solidFill>
-                  <a:srgbClr val="000000"/>
-                </a:solidFill>
-                <a:latin typeface="Neue Haas Grotesk Text Pro"/>
-                <a:ea typeface="DejaVu Sans"/>
-              </a:rPr>
-              <a:t>e</a:t>
-            </a:r>
-            <a:r>
-              <a:rPr b="1" lang="en-US" sz="3600" spc="-1" strike="noStrike">
-                <a:solidFill>
-                  <a:srgbClr val="000000"/>
-                </a:solidFill>
-                <a:latin typeface="Neue Haas Grotesk Text Pro"/>
-                <a:ea typeface="DejaVu Sans"/>
-              </a:rPr>
-              <a:t>l</a:t>
-            </a:r>
-            <a:endParaRPr b="0" lang="de-DE" sz="3600" spc="-1" strike="noStrike">
-              <a:solidFill>
-                <a:srgbClr val="000000"/>
-              </a:solidFill>
+            <a:endParaRPr b="0" lang="en-US" sz="3600" spc="-1" strike="noStrike">
               <a:latin typeface="Arial"/>
             </a:endParaRPr>
           </a:p>
@@ -7490,7 +5959,7 @@
         <p:spPr>
           <a:xfrm>
             <a:off x="597960" y="1582560"/>
-            <a:ext cx="9703800" cy="2757960"/>
+            <a:ext cx="9703440" cy="2755080"/>
           </a:xfrm>
           <a:prstGeom prst="rect">
             <a:avLst/>
@@ -7663,7 +6132,7 @@
         <p:spPr>
           <a:xfrm>
             <a:off x="4148640" y="3870000"/>
-            <a:ext cx="1382040" cy="554040"/>
+            <a:ext cx="1381680" cy="553680"/>
           </a:xfrm>
           <a:custGeom>
             <a:avLst/>
@@ -7723,7 +6192,7 @@
         <p:spPr>
           <a:xfrm>
             <a:off x="830160" y="4424760"/>
-            <a:ext cx="551880" cy="360"/>
+            <a:ext cx="551520" cy="360"/>
           </a:xfrm>
           <a:custGeom>
             <a:avLst/>
@@ -7913,8 +6382,8 @@
         </p:nvSpPr>
         <p:spPr>
           <a:xfrm flipV="1">
-            <a:off x="830160" y="3318120"/>
-            <a:ext cx="2212200" cy="1105920"/>
+            <a:off x="830160" y="3317400"/>
+            <a:ext cx="2211840" cy="1105560"/>
           </a:xfrm>
           <a:custGeom>
             <a:avLst/>
@@ -7957,7 +6426,7 @@
         <p:spPr>
           <a:xfrm>
             <a:off x="3093120" y="2985120"/>
-            <a:ext cx="185400" cy="352440"/>
+            <a:ext cx="185040" cy="352080"/>
           </a:xfrm>
           <a:prstGeom prst="rect">
             <a:avLst/>
@@ -8012,7 +6481,7 @@
         <p:spPr>
           <a:xfrm>
             <a:off x="554760" y="4373640"/>
-            <a:ext cx="402840" cy="439560"/>
+            <a:ext cx="402480" cy="439200"/>
           </a:xfrm>
           <a:prstGeom prst="rect">
             <a:avLst/>
@@ -8067,7 +6536,7 @@
         <p:spPr>
           <a:xfrm>
             <a:off x="830160" y="4425120"/>
-            <a:ext cx="551880" cy="360"/>
+            <a:ext cx="551520" cy="360"/>
           </a:xfrm>
           <a:custGeom>
             <a:avLst/>
@@ -8257,8 +6726,8 @@
         </p:nvSpPr>
         <p:spPr>
           <a:xfrm flipV="1">
-            <a:off x="830160" y="3318480"/>
-            <a:ext cx="2212200" cy="1105920"/>
+            <a:off x="830160" y="3317760"/>
+            <a:ext cx="2211840" cy="1105560"/>
           </a:xfrm>
           <a:custGeom>
             <a:avLst/>
@@ -8301,7 +6770,7 @@
         <p:spPr>
           <a:xfrm>
             <a:off x="3093120" y="2985480"/>
-            <a:ext cx="185400" cy="352440"/>
+            <a:ext cx="185040" cy="352080"/>
           </a:xfrm>
           <a:prstGeom prst="rect">
             <a:avLst/>
@@ -8356,7 +6825,7 @@
         <p:spPr>
           <a:xfrm>
             <a:off x="554760" y="4374360"/>
-            <a:ext cx="402840" cy="439560"/>
+            <a:ext cx="402480" cy="439200"/>
           </a:xfrm>
           <a:prstGeom prst="rect">
             <a:avLst/>
@@ -8411,7 +6880,7 @@
         <p:spPr>
           <a:xfrm>
             <a:off x="830160" y="4424760"/>
-            <a:ext cx="551880" cy="360"/>
+            <a:ext cx="551520" cy="360"/>
           </a:xfrm>
           <a:custGeom>
             <a:avLst/>
@@ -8601,8 +7070,8 @@
         </p:nvSpPr>
         <p:spPr>
           <a:xfrm flipV="1">
-            <a:off x="830160" y="3318120"/>
-            <a:ext cx="2212200" cy="1105920"/>
+            <a:off x="830160" y="3317400"/>
+            <a:ext cx="2211840" cy="1105560"/>
           </a:xfrm>
           <a:custGeom>
             <a:avLst/>
@@ -8645,7 +7114,7 @@
         <p:spPr>
           <a:xfrm>
             <a:off x="3093120" y="2985120"/>
-            <a:ext cx="185400" cy="352440"/>
+            <a:ext cx="185040" cy="352080"/>
           </a:xfrm>
           <a:prstGeom prst="rect">
             <a:avLst/>
@@ -8700,7 +7169,7 @@
         <p:spPr>
           <a:xfrm>
             <a:off x="554760" y="4373640"/>
-            <a:ext cx="402840" cy="439560"/>
+            <a:ext cx="402480" cy="439200"/>
           </a:xfrm>
           <a:prstGeom prst="rect">
             <a:avLst/>
@@ -8755,7 +7224,7 @@
         <p:spPr>
           <a:xfrm>
             <a:off x="830160" y="4425120"/>
-            <a:ext cx="551880" cy="360"/>
+            <a:ext cx="551520" cy="360"/>
           </a:xfrm>
           <a:custGeom>
             <a:avLst/>
@@ -8945,8 +7414,8 @@
         </p:nvSpPr>
         <p:spPr>
           <a:xfrm flipV="1">
-            <a:off x="830160" y="3318480"/>
-            <a:ext cx="2212200" cy="1105920"/>
+            <a:off x="830160" y="3317760"/>
+            <a:ext cx="2211840" cy="1105560"/>
           </a:xfrm>
           <a:custGeom>
             <a:avLst/>
@@ -8989,7 +7458,7 @@
         <p:spPr>
           <a:xfrm>
             <a:off x="3093120" y="2985480"/>
-            <a:ext cx="185400" cy="352440"/>
+            <a:ext cx="185040" cy="352080"/>
           </a:xfrm>
           <a:prstGeom prst="rect">
             <a:avLst/>
@@ -9044,7 +7513,7 @@
         <p:spPr>
           <a:xfrm>
             <a:off x="554760" y="4374360"/>
-            <a:ext cx="402840" cy="439560"/>
+            <a:ext cx="402480" cy="439200"/>
           </a:xfrm>
           <a:prstGeom prst="rect">
             <a:avLst/>
@@ -9099,7 +7568,7 @@
         <p:spPr>
           <a:xfrm>
             <a:off x="830160" y="4424760"/>
-            <a:ext cx="551880" cy="360"/>
+            <a:ext cx="551520" cy="360"/>
           </a:xfrm>
           <a:custGeom>
             <a:avLst/>
@@ -9289,8 +7758,8 @@
         </p:nvSpPr>
         <p:spPr>
           <a:xfrm flipV="1">
-            <a:off x="830160" y="3318120"/>
-            <a:ext cx="2212200" cy="1105920"/>
+            <a:off x="830160" y="3317400"/>
+            <a:ext cx="2211840" cy="1105560"/>
           </a:xfrm>
           <a:custGeom>
             <a:avLst/>
@@ -9333,7 +7802,7 @@
         <p:spPr>
           <a:xfrm>
             <a:off x="3093120" y="2985120"/>
-            <a:ext cx="185400" cy="352440"/>
+            <a:ext cx="185040" cy="352080"/>
           </a:xfrm>
           <a:prstGeom prst="rect">
             <a:avLst/>
@@ -9388,7 +7857,7 @@
         <p:spPr>
           <a:xfrm>
             <a:off x="554760" y="4373640"/>
-            <a:ext cx="402840" cy="439560"/>
+            <a:ext cx="402480" cy="439200"/>
           </a:xfrm>
           <a:prstGeom prst="rect">
             <a:avLst/>
@@ -9443,7 +7912,7 @@
         <p:spPr>
           <a:xfrm>
             <a:off x="830160" y="4425120"/>
-            <a:ext cx="551880" cy="360"/>
+            <a:ext cx="551520" cy="360"/>
           </a:xfrm>
           <a:custGeom>
             <a:avLst/>
@@ -9633,8 +8102,8 @@
         </p:nvSpPr>
         <p:spPr>
           <a:xfrm flipV="1">
-            <a:off x="830160" y="3318480"/>
-            <a:ext cx="2212200" cy="1105920"/>
+            <a:off x="830160" y="3317760"/>
+            <a:ext cx="2211840" cy="1105560"/>
           </a:xfrm>
           <a:custGeom>
             <a:avLst/>
@@ -9677,7 +8146,7 @@
         <p:spPr>
           <a:xfrm>
             <a:off x="3093120" y="2985480"/>
-            <a:ext cx="185400" cy="352440"/>
+            <a:ext cx="185040" cy="352080"/>
           </a:xfrm>
           <a:prstGeom prst="rect">
             <a:avLst/>
@@ -9732,7 +8201,7 @@
         <p:spPr>
           <a:xfrm>
             <a:off x="554760" y="4374360"/>
-            <a:ext cx="402840" cy="439560"/>
+            <a:ext cx="402480" cy="439200"/>
           </a:xfrm>
           <a:prstGeom prst="rect">
             <a:avLst/>
@@ -9787,7 +8256,7 @@
         <p:spPr>
           <a:xfrm>
             <a:off x="830160" y="4424760"/>
-            <a:ext cx="551880" cy="360"/>
+            <a:ext cx="551520" cy="360"/>
           </a:xfrm>
           <a:custGeom>
             <a:avLst/>
@@ -9977,8 +8446,8 @@
         </p:nvSpPr>
         <p:spPr>
           <a:xfrm flipV="1">
-            <a:off x="830160" y="3318120"/>
-            <a:ext cx="2212200" cy="1105920"/>
+            <a:off x="830160" y="3317400"/>
+            <a:ext cx="2211840" cy="1105560"/>
           </a:xfrm>
           <a:custGeom>
             <a:avLst/>
@@ -10021,7 +8490,7 @@
         <p:spPr>
           <a:xfrm>
             <a:off x="3093120" y="2985120"/>
-            <a:ext cx="185400" cy="352440"/>
+            <a:ext cx="185040" cy="352080"/>
           </a:xfrm>
           <a:prstGeom prst="rect">
             <a:avLst/>
@@ -10076,7 +8545,7 @@
         <p:spPr>
           <a:xfrm>
             <a:off x="554760" y="4373640"/>
-            <a:ext cx="402840" cy="439560"/>
+            <a:ext cx="402480" cy="439200"/>
           </a:xfrm>
           <a:prstGeom prst="rect">
             <a:avLst/>
@@ -10131,7 +8600,7 @@
         <p:spPr>
           <a:xfrm>
             <a:off x="830160" y="4425120"/>
-            <a:ext cx="551880" cy="360"/>
+            <a:ext cx="551520" cy="360"/>
           </a:xfrm>
           <a:custGeom>
             <a:avLst/>
@@ -10321,8 +8790,8 @@
         </p:nvSpPr>
         <p:spPr>
           <a:xfrm flipV="1">
-            <a:off x="830160" y="3318480"/>
-            <a:ext cx="2212200" cy="1105920"/>
+            <a:off x="830160" y="3317760"/>
+            <a:ext cx="2211840" cy="1105560"/>
           </a:xfrm>
           <a:custGeom>
             <a:avLst/>
@@ -10365,7 +8834,7 @@
         <p:spPr>
           <a:xfrm>
             <a:off x="3093120" y="2985480"/>
-            <a:ext cx="185400" cy="352440"/>
+            <a:ext cx="185040" cy="352080"/>
           </a:xfrm>
           <a:prstGeom prst="rect">
             <a:avLst/>
@@ -10420,7 +8889,7 @@
         <p:spPr>
           <a:xfrm>
             <a:off x="554760" y="4374360"/>
-            <a:ext cx="402840" cy="439560"/>
+            <a:ext cx="402480" cy="439200"/>
           </a:xfrm>
           <a:prstGeom prst="rect">
             <a:avLst/>
@@ -10475,7 +8944,7 @@
         <p:spPr>
           <a:xfrm>
             <a:off x="830160" y="4424760"/>
-            <a:ext cx="551880" cy="360"/>
+            <a:ext cx="551520" cy="360"/>
           </a:xfrm>
           <a:custGeom>
             <a:avLst/>
@@ -10665,8 +9134,8 @@
         </p:nvSpPr>
         <p:spPr>
           <a:xfrm flipV="1">
-            <a:off x="830160" y="3318120"/>
-            <a:ext cx="2212200" cy="1105920"/>
+            <a:off x="830160" y="3317400"/>
+            <a:ext cx="2211840" cy="1105560"/>
           </a:xfrm>
           <a:custGeom>
             <a:avLst/>
@@ -10709,7 +9178,7 @@
         <p:spPr>
           <a:xfrm>
             <a:off x="3093120" y="2985120"/>
-            <a:ext cx="185400" cy="352440"/>
+            <a:ext cx="185040" cy="352080"/>
           </a:xfrm>
           <a:prstGeom prst="rect">
             <a:avLst/>
@@ -10764,7 +9233,7 @@
         <p:spPr>
           <a:xfrm>
             <a:off x="554760" y="4373640"/>
-            <a:ext cx="402840" cy="439560"/>
+            <a:ext cx="402480" cy="439200"/>
           </a:xfrm>
           <a:prstGeom prst="rect">
             <a:avLst/>
@@ -10819,7 +9288,7 @@
         <p:spPr>
           <a:xfrm>
             <a:off x="830160" y="4425120"/>
-            <a:ext cx="551880" cy="360"/>
+            <a:ext cx="551520" cy="360"/>
           </a:xfrm>
           <a:custGeom>
             <a:avLst/>
@@ -11009,8 +9478,8 @@
         </p:nvSpPr>
         <p:spPr>
           <a:xfrm flipV="1">
-            <a:off x="830160" y="3318480"/>
-            <a:ext cx="2212200" cy="1105920"/>
+            <a:off x="830160" y="3317760"/>
+            <a:ext cx="2211840" cy="1105560"/>
           </a:xfrm>
           <a:custGeom>
             <a:avLst/>
@@ -11053,7 +9522,7 @@
         <p:spPr>
           <a:xfrm>
             <a:off x="3093120" y="2985480"/>
-            <a:ext cx="185400" cy="352440"/>
+            <a:ext cx="185040" cy="352080"/>
           </a:xfrm>
           <a:prstGeom prst="rect">
             <a:avLst/>
@@ -11108,7 +9577,7 @@
         <p:spPr>
           <a:xfrm>
             <a:off x="554760" y="4374360"/>
-            <a:ext cx="402840" cy="439560"/>
+            <a:ext cx="402480" cy="439200"/>
           </a:xfrm>
           <a:prstGeom prst="rect">
             <a:avLst/>
@@ -11163,7 +9632,7 @@
         <p:spPr>
           <a:xfrm>
             <a:off x="830160" y="4424760"/>
-            <a:ext cx="551880" cy="360"/>
+            <a:ext cx="551520" cy="360"/>
           </a:xfrm>
           <a:custGeom>
             <a:avLst/>
@@ -11353,8 +9822,8 @@
         </p:nvSpPr>
         <p:spPr>
           <a:xfrm flipV="1">
-            <a:off x="830160" y="3318120"/>
-            <a:ext cx="2212200" cy="1105920"/>
+            <a:off x="830160" y="3317400"/>
+            <a:ext cx="2211840" cy="1105560"/>
           </a:xfrm>
           <a:custGeom>
             <a:avLst/>
@@ -11397,7 +9866,7 @@
         <p:spPr>
           <a:xfrm>
             <a:off x="3093120" y="2985120"/>
-            <a:ext cx="185400" cy="352440"/>
+            <a:ext cx="185040" cy="352080"/>
           </a:xfrm>
           <a:prstGeom prst="rect">
             <a:avLst/>
@@ -11452,7 +9921,7 @@
         <p:spPr>
           <a:xfrm>
             <a:off x="554760" y="4373640"/>
-            <a:ext cx="402840" cy="439560"/>
+            <a:ext cx="402480" cy="439200"/>
           </a:xfrm>
           <a:prstGeom prst="rect">
             <a:avLst/>
@@ -11507,7 +9976,7 @@
         <p:spPr>
           <a:xfrm>
             <a:off x="830160" y="4425120"/>
-            <a:ext cx="551880" cy="360"/>
+            <a:ext cx="551520" cy="360"/>
           </a:xfrm>
           <a:custGeom>
             <a:avLst/>
@@ -11697,8 +10166,8 @@
         </p:nvSpPr>
         <p:spPr>
           <a:xfrm flipV="1">
-            <a:off x="830160" y="3318480"/>
-            <a:ext cx="2212200" cy="1105920"/>
+            <a:off x="830160" y="3317760"/>
+            <a:ext cx="2211840" cy="1105560"/>
           </a:xfrm>
           <a:custGeom>
             <a:avLst/>
@@ -11741,7 +10210,7 @@
         <p:spPr>
           <a:xfrm>
             <a:off x="3093120" y="2985480"/>
-            <a:ext cx="185400" cy="352440"/>
+            <a:ext cx="185040" cy="352080"/>
           </a:xfrm>
           <a:prstGeom prst="rect">
             <a:avLst/>
@@ -11796,7 +10265,7 @@
         <p:spPr>
           <a:xfrm>
             <a:off x="554760" y="4374360"/>
-            <a:ext cx="402840" cy="439560"/>
+            <a:ext cx="402480" cy="439200"/>
           </a:xfrm>
           <a:prstGeom prst="rect">
             <a:avLst/>
@@ -11851,7 +10320,7 @@
         <p:spPr>
           <a:xfrm>
             <a:off x="830160" y="4424760"/>
-            <a:ext cx="551880" cy="360"/>
+            <a:ext cx="551520" cy="360"/>
           </a:xfrm>
           <a:custGeom>
             <a:avLst/>
@@ -12041,8 +10510,8 @@
         </p:nvSpPr>
         <p:spPr>
           <a:xfrm flipV="1">
-            <a:off x="830160" y="3318120"/>
-            <a:ext cx="2212200" cy="1105920"/>
+            <a:off x="830160" y="3317400"/>
+            <a:ext cx="2211840" cy="1105560"/>
           </a:xfrm>
           <a:custGeom>
             <a:avLst/>
@@ -12085,7 +10554,7 @@
         <p:spPr>
           <a:xfrm>
             <a:off x="3093120" y="2985120"/>
-            <a:ext cx="185400" cy="352440"/>
+            <a:ext cx="185040" cy="352080"/>
           </a:xfrm>
           <a:prstGeom prst="rect">
             <a:avLst/>
@@ -12140,7 +10609,7 @@
         <p:spPr>
           <a:xfrm>
             <a:off x="554760" y="4373640"/>
-            <a:ext cx="402840" cy="439560"/>
+            <a:ext cx="402480" cy="439200"/>
           </a:xfrm>
           <a:prstGeom prst="rect">
             <a:avLst/>
@@ -12195,7 +10664,7 @@
         <p:spPr>
           <a:xfrm>
             <a:off x="830160" y="4425120"/>
-            <a:ext cx="551880" cy="360"/>
+            <a:ext cx="551520" cy="360"/>
           </a:xfrm>
           <a:custGeom>
             <a:avLst/>
@@ -12385,8 +10854,8 @@
         </p:nvSpPr>
         <p:spPr>
           <a:xfrm flipV="1">
-            <a:off x="830160" y="3318480"/>
-            <a:ext cx="2212200" cy="1105920"/>
+            <a:off x="830160" y="3317760"/>
+            <a:ext cx="2211840" cy="1105560"/>
           </a:xfrm>
           <a:custGeom>
             <a:avLst/>
@@ -12429,7 +10898,7 @@
         <p:spPr>
           <a:xfrm>
             <a:off x="3093120" y="2985480"/>
-            <a:ext cx="185400" cy="352440"/>
+            <a:ext cx="185040" cy="352080"/>
           </a:xfrm>
           <a:prstGeom prst="rect">
             <a:avLst/>
@@ -12484,7 +10953,7 @@
         <p:spPr>
           <a:xfrm>
             <a:off x="554760" y="4374360"/>
-            <a:ext cx="402840" cy="439560"/>
+            <a:ext cx="402480" cy="439200"/>
           </a:xfrm>
           <a:prstGeom prst="rect">
             <a:avLst/>
@@ -12539,7 +11008,7 @@
         <p:spPr>
           <a:xfrm>
             <a:off x="830160" y="4424760"/>
-            <a:ext cx="551880" cy="360"/>
+            <a:ext cx="551520" cy="360"/>
           </a:xfrm>
           <a:custGeom>
             <a:avLst/>
@@ -12729,8 +11198,8 @@
         </p:nvSpPr>
         <p:spPr>
           <a:xfrm flipV="1">
-            <a:off x="830160" y="3318120"/>
-            <a:ext cx="2212200" cy="1105920"/>
+            <a:off x="830160" y="3317400"/>
+            <a:ext cx="2211840" cy="1105560"/>
           </a:xfrm>
           <a:custGeom>
             <a:avLst/>
@@ -12773,7 +11242,7 @@
         <p:spPr>
           <a:xfrm>
             <a:off x="3093120" y="2985120"/>
-            <a:ext cx="185400" cy="352440"/>
+            <a:ext cx="185040" cy="352080"/>
           </a:xfrm>
           <a:prstGeom prst="rect">
             <a:avLst/>
@@ -12828,7 +11297,7 @@
         <p:spPr>
           <a:xfrm>
             <a:off x="554760" y="4373640"/>
-            <a:ext cx="402840" cy="439560"/>
+            <a:ext cx="402480" cy="439200"/>
           </a:xfrm>
           <a:prstGeom prst="rect">
             <a:avLst/>
@@ -12883,7 +11352,7 @@
         <p:spPr>
           <a:xfrm>
             <a:off x="830160" y="4425120"/>
-            <a:ext cx="551880" cy="360"/>
+            <a:ext cx="551520" cy="360"/>
           </a:xfrm>
           <a:custGeom>
             <a:avLst/>
@@ -13073,8 +11542,8 @@
         </p:nvSpPr>
         <p:spPr>
           <a:xfrm flipV="1">
-            <a:off x="830160" y="3318480"/>
-            <a:ext cx="2212200" cy="1105920"/>
+            <a:off x="830160" y="3317760"/>
+            <a:ext cx="2211840" cy="1105560"/>
           </a:xfrm>
           <a:custGeom>
             <a:avLst/>
@@ -13117,7 +11586,7 @@
         <p:spPr>
           <a:xfrm>
             <a:off x="3093120" y="2985480"/>
-            <a:ext cx="185400" cy="352440"/>
+            <a:ext cx="185040" cy="352080"/>
           </a:xfrm>
           <a:prstGeom prst="rect">
             <a:avLst/>
@@ -13172,7 +11641,7 @@
         <p:spPr>
           <a:xfrm>
             <a:off x="554760" y="4374360"/>
-            <a:ext cx="402840" cy="439560"/>
+            <a:ext cx="402480" cy="439200"/>
           </a:xfrm>
           <a:prstGeom prst="rect">
             <a:avLst/>
@@ -13227,7 +11696,7 @@
         <p:spPr>
           <a:xfrm>
             <a:off x="6361200" y="4481640"/>
-            <a:ext cx="551880" cy="360"/>
+            <a:ext cx="551520" cy="360"/>
           </a:xfrm>
           <a:custGeom>
             <a:avLst/>
@@ -13330,8 +11799,8 @@
         </p:nvSpPr>
         <p:spPr>
           <a:xfrm flipV="1">
-            <a:off x="6361200" y="3375360"/>
-            <a:ext cx="2212200" cy="1105920"/>
+            <a:off x="6361200" y="3374640"/>
+            <a:ext cx="2211840" cy="1105560"/>
           </a:xfrm>
           <a:custGeom>
             <a:avLst/>
@@ -13374,7 +11843,7 @@
         <p:spPr>
           <a:xfrm>
             <a:off x="8623800" y="3042000"/>
-            <a:ext cx="185400" cy="352440"/>
+            <a:ext cx="185040" cy="352080"/>
           </a:xfrm>
           <a:prstGeom prst="rect">
             <a:avLst/>
@@ -13429,7 +11898,7 @@
         <p:spPr>
           <a:xfrm>
             <a:off x="6085440" y="4430880"/>
-            <a:ext cx="402840" cy="439560"/>
+            <a:ext cx="402480" cy="439200"/>
           </a:xfrm>
           <a:prstGeom prst="rect">
             <a:avLst/>
@@ -13484,7 +11953,7 @@
         <p:spPr>
           <a:xfrm>
             <a:off x="6361200" y="4482360"/>
-            <a:ext cx="551880" cy="360"/>
+            <a:ext cx="551520" cy="360"/>
           </a:xfrm>
           <a:custGeom>
             <a:avLst/>
@@ -13587,8 +12056,8 @@
         </p:nvSpPr>
         <p:spPr>
           <a:xfrm flipV="1">
-            <a:off x="6361200" y="3375720"/>
-            <a:ext cx="2212200" cy="1105920"/>
+            <a:off x="6361200" y="3375000"/>
+            <a:ext cx="2211840" cy="1105560"/>
           </a:xfrm>
           <a:custGeom>
             <a:avLst/>
@@ -13631,7 +12100,7 @@
         <p:spPr>
           <a:xfrm>
             <a:off x="8623800" y="3042360"/>
-            <a:ext cx="185400" cy="352440"/>
+            <a:ext cx="185040" cy="352080"/>
           </a:xfrm>
           <a:prstGeom prst="rect">
             <a:avLst/>
@@ -13686,7 +12155,7 @@
         <p:spPr>
           <a:xfrm>
             <a:off x="6085440" y="4431240"/>
-            <a:ext cx="402840" cy="439560"/>
+            <a:ext cx="402480" cy="439200"/>
           </a:xfrm>
           <a:prstGeom prst="rect">
             <a:avLst/>
@@ -13741,7 +12210,7 @@
         <p:spPr>
           <a:xfrm>
             <a:off x="6361200" y="4481640"/>
-            <a:ext cx="551880" cy="360"/>
+            <a:ext cx="551520" cy="360"/>
           </a:xfrm>
           <a:custGeom>
             <a:avLst/>
@@ -13844,8 +12313,8 @@
         </p:nvSpPr>
         <p:spPr>
           <a:xfrm flipV="1">
-            <a:off x="6361200" y="3375360"/>
-            <a:ext cx="2212200" cy="1105920"/>
+            <a:off x="6361200" y="3374640"/>
+            <a:ext cx="2211840" cy="1105560"/>
           </a:xfrm>
           <a:custGeom>
             <a:avLst/>
@@ -13888,7 +12357,7 @@
         <p:spPr>
           <a:xfrm>
             <a:off x="8623800" y="3042000"/>
-            <a:ext cx="185400" cy="352440"/>
+            <a:ext cx="185040" cy="352080"/>
           </a:xfrm>
           <a:prstGeom prst="rect">
             <a:avLst/>
@@ -13943,7 +12412,7 @@
         <p:spPr>
           <a:xfrm>
             <a:off x="6085440" y="4430880"/>
-            <a:ext cx="402840" cy="439560"/>
+            <a:ext cx="402480" cy="439200"/>
           </a:xfrm>
           <a:prstGeom prst="rect">
             <a:avLst/>
@@ -13998,7 +12467,7 @@
         <p:spPr>
           <a:xfrm>
             <a:off x="6361200" y="4482360"/>
-            <a:ext cx="551880" cy="360"/>
+            <a:ext cx="551520" cy="360"/>
           </a:xfrm>
           <a:custGeom>
             <a:avLst/>
@@ -14101,8 +12570,8 @@
         </p:nvSpPr>
         <p:spPr>
           <a:xfrm flipV="1">
-            <a:off x="6361200" y="3375720"/>
-            <a:ext cx="2212200" cy="1105920"/>
+            <a:off x="6361200" y="3375000"/>
+            <a:ext cx="2211840" cy="1105560"/>
           </a:xfrm>
           <a:custGeom>
             <a:avLst/>
@@ -14145,7 +12614,7 @@
         <p:spPr>
           <a:xfrm>
             <a:off x="8623800" y="3042360"/>
-            <a:ext cx="185400" cy="352440"/>
+            <a:ext cx="185040" cy="352080"/>
           </a:xfrm>
           <a:prstGeom prst="rect">
             <a:avLst/>
@@ -14200,7 +12669,7 @@
         <p:spPr>
           <a:xfrm>
             <a:off x="6085440" y="4431240"/>
-            <a:ext cx="402840" cy="439560"/>
+            <a:ext cx="402480" cy="439200"/>
           </a:xfrm>
           <a:prstGeom prst="rect">
             <a:avLst/>
@@ -14255,7 +12724,7 @@
         <p:spPr>
           <a:xfrm>
             <a:off x="6361200" y="4481640"/>
-            <a:ext cx="551880" cy="360"/>
+            <a:ext cx="551520" cy="360"/>
           </a:xfrm>
           <a:custGeom>
             <a:avLst/>
@@ -14358,8 +12827,8 @@
         </p:nvSpPr>
         <p:spPr>
           <a:xfrm flipV="1">
-            <a:off x="6361200" y="3375360"/>
-            <a:ext cx="2212200" cy="1105920"/>
+            <a:off x="6361200" y="3374640"/>
+            <a:ext cx="2211840" cy="1105560"/>
           </a:xfrm>
           <a:custGeom>
             <a:avLst/>
@@ -14402,7 +12871,7 @@
         <p:spPr>
           <a:xfrm>
             <a:off x="8623800" y="3042000"/>
-            <a:ext cx="185400" cy="352440"/>
+            <a:ext cx="185040" cy="352080"/>
           </a:xfrm>
           <a:prstGeom prst="rect">
             <a:avLst/>
@@ -14457,7 +12926,7 @@
         <p:spPr>
           <a:xfrm>
             <a:off x="6085440" y="4430880"/>
-            <a:ext cx="402840" cy="439560"/>
+            <a:ext cx="402480" cy="439200"/>
           </a:xfrm>
           <a:prstGeom prst="rect">
             <a:avLst/>
@@ -14512,7 +12981,7 @@
         <p:spPr>
           <a:xfrm>
             <a:off x="6361200" y="4482360"/>
-            <a:ext cx="551880" cy="360"/>
+            <a:ext cx="551520" cy="360"/>
           </a:xfrm>
           <a:custGeom>
             <a:avLst/>
@@ -14615,8 +13084,8 @@
         </p:nvSpPr>
         <p:spPr>
           <a:xfrm flipV="1">
-            <a:off x="6361200" y="3375720"/>
-            <a:ext cx="2212200" cy="1105920"/>
+            <a:off x="6361200" y="3375000"/>
+            <a:ext cx="2211840" cy="1105560"/>
           </a:xfrm>
           <a:custGeom>
             <a:avLst/>
@@ -14659,7 +13128,7 @@
         <p:spPr>
           <a:xfrm>
             <a:off x="8623800" y="3042360"/>
-            <a:ext cx="185400" cy="352440"/>
+            <a:ext cx="185040" cy="352080"/>
           </a:xfrm>
           <a:prstGeom prst="rect">
             <a:avLst/>
@@ -14714,7 +13183,7 @@
         <p:spPr>
           <a:xfrm>
             <a:off x="6085440" y="4431240"/>
-            <a:ext cx="402840" cy="439560"/>
+            <a:ext cx="402480" cy="439200"/>
           </a:xfrm>
           <a:prstGeom prst="rect">
             <a:avLst/>
@@ -14769,7 +13238,7 @@
         <p:spPr>
           <a:xfrm>
             <a:off x="6361200" y="4481640"/>
-            <a:ext cx="551880" cy="360"/>
+            <a:ext cx="551520" cy="360"/>
           </a:xfrm>
           <a:custGeom>
             <a:avLst/>
@@ -14872,8 +13341,8 @@
         </p:nvSpPr>
         <p:spPr>
           <a:xfrm flipV="1">
-            <a:off x="6361200" y="3375360"/>
-            <a:ext cx="2212200" cy="1105920"/>
+            <a:off x="6361200" y="3374640"/>
+            <a:ext cx="2211840" cy="1105560"/>
           </a:xfrm>
           <a:custGeom>
             <a:avLst/>
@@ -14916,7 +13385,7 @@
         <p:spPr>
           <a:xfrm>
             <a:off x="8623800" y="3042000"/>
-            <a:ext cx="185400" cy="352440"/>
+            <a:ext cx="185040" cy="352080"/>
           </a:xfrm>
           <a:prstGeom prst="rect">
             <a:avLst/>
@@ -14971,7 +13440,7 @@
         <p:spPr>
           <a:xfrm>
             <a:off x="6085440" y="4430880"/>
-            <a:ext cx="402840" cy="439560"/>
+            <a:ext cx="402480" cy="439200"/>
           </a:xfrm>
           <a:prstGeom prst="rect">
             <a:avLst/>
@@ -15026,7 +13495,7 @@
         <p:spPr>
           <a:xfrm>
             <a:off x="6361200" y="4482360"/>
-            <a:ext cx="551880" cy="360"/>
+            <a:ext cx="551520" cy="360"/>
           </a:xfrm>
           <a:custGeom>
             <a:avLst/>
@@ -15216,8 +13685,8 @@
         </p:nvSpPr>
         <p:spPr>
           <a:xfrm flipV="1">
-            <a:off x="6361200" y="3375720"/>
-            <a:ext cx="2212200" cy="1105920"/>
+            <a:off x="6361200" y="3375000"/>
+            <a:ext cx="2211840" cy="1105560"/>
           </a:xfrm>
           <a:custGeom>
             <a:avLst/>
@@ -15260,7 +13729,7 @@
         <p:spPr>
           <a:xfrm>
             <a:off x="8623800" y="3042360"/>
-            <a:ext cx="185400" cy="352440"/>
+            <a:ext cx="185040" cy="352080"/>
           </a:xfrm>
           <a:prstGeom prst="rect">
             <a:avLst/>
@@ -15315,7 +13784,7 @@
         <p:spPr>
           <a:xfrm>
             <a:off x="6085440" y="4431240"/>
-            <a:ext cx="402840" cy="439560"/>
+            <a:ext cx="402480" cy="439200"/>
           </a:xfrm>
           <a:prstGeom prst="rect">
             <a:avLst/>
@@ -15370,7 +13839,7 @@
         <p:spPr>
           <a:xfrm>
             <a:off x="2244600" y="5090760"/>
-            <a:ext cx="5682240" cy="770760"/>
+            <a:ext cx="5681880" cy="770040"/>
           </a:xfrm>
           <a:prstGeom prst="rect">
             <a:avLst/>
@@ -15483,7 +13952,7 @@
         <p:spPr>
           <a:xfrm>
             <a:off x="642600" y="284760"/>
-            <a:ext cx="10883520" cy="1305720"/>
+            <a:ext cx="10883160" cy="1305360"/>
           </a:xfrm>
           <a:prstGeom prst="rect">
             <a:avLst/>
@@ -15514,10 +13983,7 @@
               </a:rPr>
               <a:t>Der Algorithmus am Beispiel</a:t>
             </a:r>
-            <a:endParaRPr b="0" lang="de-DE" sz="3600" spc="-1" strike="noStrike">
-              <a:solidFill>
-                <a:srgbClr val="000000"/>
-              </a:solidFill>
+            <a:endParaRPr b="0" lang="en-US" sz="3600" spc="-1" strike="noStrike">
               <a:latin typeface="Arial"/>
             </a:endParaRPr>
           </a:p>
@@ -15532,7 +13998,7 @@
         <p:spPr>
           <a:xfrm>
             <a:off x="553680" y="1659240"/>
-            <a:ext cx="12443760" cy="727200"/>
+            <a:ext cx="12443400" cy="726840"/>
           </a:xfrm>
           <a:prstGeom prst="rect">
             <a:avLst/>
@@ -15611,7 +14077,7 @@
         <p:spPr>
           <a:xfrm>
             <a:off x="4148640" y="3870360"/>
-            <a:ext cx="1382040" cy="554040"/>
+            <a:ext cx="1381680" cy="553680"/>
           </a:xfrm>
           <a:custGeom>
             <a:avLst/>
@@ -15671,7 +14137,7 @@
         <p:spPr>
           <a:xfrm>
             <a:off x="830160" y="4425120"/>
-            <a:ext cx="551880" cy="360"/>
+            <a:ext cx="551520" cy="360"/>
           </a:xfrm>
           <a:custGeom>
             <a:avLst/>
@@ -15861,8 +14327,8 @@
         </p:nvSpPr>
         <p:spPr>
           <a:xfrm flipV="1">
-            <a:off x="830160" y="3318480"/>
-            <a:ext cx="2212200" cy="1105920"/>
+            <a:off x="830160" y="3317760"/>
+            <a:ext cx="2211840" cy="1105560"/>
           </a:xfrm>
           <a:custGeom>
             <a:avLst/>
@@ -15905,7 +14371,7 @@
         <p:spPr>
           <a:xfrm>
             <a:off x="3093120" y="2985480"/>
-            <a:ext cx="185400" cy="352440"/>
+            <a:ext cx="185040" cy="352080"/>
           </a:xfrm>
           <a:prstGeom prst="rect">
             <a:avLst/>
@@ -15960,7 +14426,7 @@
         <p:spPr>
           <a:xfrm>
             <a:off x="554760" y="4374360"/>
-            <a:ext cx="402840" cy="439560"/>
+            <a:ext cx="402480" cy="439200"/>
           </a:xfrm>
           <a:prstGeom prst="rect">
             <a:avLst/>
@@ -16015,7 +14481,7 @@
         <p:spPr>
           <a:xfrm>
             <a:off x="830160" y="4425480"/>
-            <a:ext cx="551880" cy="360"/>
+            <a:ext cx="551520" cy="360"/>
           </a:xfrm>
           <a:custGeom>
             <a:avLst/>
@@ -16205,8 +14671,8 @@
         </p:nvSpPr>
         <p:spPr>
           <a:xfrm flipV="1">
-            <a:off x="830160" y="3318840"/>
-            <a:ext cx="2212200" cy="1105920"/>
+            <a:off x="830160" y="3318120"/>
+            <a:ext cx="2211840" cy="1105560"/>
           </a:xfrm>
           <a:custGeom>
             <a:avLst/>
@@ -16249,7 +14715,7 @@
         <p:spPr>
           <a:xfrm>
             <a:off x="3093120" y="2985840"/>
-            <a:ext cx="185400" cy="352440"/>
+            <a:ext cx="185040" cy="352080"/>
           </a:xfrm>
           <a:prstGeom prst="rect">
             <a:avLst/>
@@ -16304,7 +14770,7 @@
         <p:spPr>
           <a:xfrm>
             <a:off x="554760" y="4374720"/>
-            <a:ext cx="402840" cy="439560"/>
+            <a:ext cx="402480" cy="439200"/>
           </a:xfrm>
           <a:prstGeom prst="rect">
             <a:avLst/>
@@ -16359,7 +14825,7 @@
         <p:spPr>
           <a:xfrm>
             <a:off x="830160" y="4425120"/>
-            <a:ext cx="551880" cy="360"/>
+            <a:ext cx="551520" cy="360"/>
           </a:xfrm>
           <a:custGeom>
             <a:avLst/>
@@ -16549,8 +15015,8 @@
         </p:nvSpPr>
         <p:spPr>
           <a:xfrm flipV="1">
-            <a:off x="830160" y="3318480"/>
-            <a:ext cx="2212200" cy="1105920"/>
+            <a:off x="830160" y="3317760"/>
+            <a:ext cx="2211840" cy="1105560"/>
           </a:xfrm>
           <a:custGeom>
             <a:avLst/>
@@ -16593,7 +15059,7 @@
         <p:spPr>
           <a:xfrm>
             <a:off x="3093120" y="2985480"/>
-            <a:ext cx="185400" cy="352440"/>
+            <a:ext cx="185040" cy="352080"/>
           </a:xfrm>
           <a:prstGeom prst="rect">
             <a:avLst/>
@@ -16648,7 +15114,7 @@
         <p:spPr>
           <a:xfrm>
             <a:off x="554760" y="4374360"/>
-            <a:ext cx="402840" cy="439560"/>
+            <a:ext cx="402480" cy="439200"/>
           </a:xfrm>
           <a:prstGeom prst="rect">
             <a:avLst/>
@@ -16703,7 +15169,7 @@
         <p:spPr>
           <a:xfrm>
             <a:off x="830160" y="4425480"/>
-            <a:ext cx="551880" cy="360"/>
+            <a:ext cx="551520" cy="360"/>
           </a:xfrm>
           <a:custGeom>
             <a:avLst/>
@@ -16893,8 +15359,8 @@
         </p:nvSpPr>
         <p:spPr>
           <a:xfrm flipV="1">
-            <a:off x="830160" y="3318840"/>
-            <a:ext cx="2212200" cy="1105920"/>
+            <a:off x="830160" y="3318120"/>
+            <a:ext cx="2211840" cy="1105560"/>
           </a:xfrm>
           <a:custGeom>
             <a:avLst/>
@@ -16937,7 +15403,7 @@
         <p:spPr>
           <a:xfrm>
             <a:off x="3093120" y="2985840"/>
-            <a:ext cx="185400" cy="352440"/>
+            <a:ext cx="185040" cy="352080"/>
           </a:xfrm>
           <a:prstGeom prst="rect">
             <a:avLst/>
@@ -16992,7 +15458,7 @@
         <p:spPr>
           <a:xfrm>
             <a:off x="554760" y="4374720"/>
-            <a:ext cx="402840" cy="439560"/>
+            <a:ext cx="402480" cy="439200"/>
           </a:xfrm>
           <a:prstGeom prst="rect">
             <a:avLst/>
@@ -17047,7 +15513,7 @@
         <p:spPr>
           <a:xfrm>
             <a:off x="830160" y="4425120"/>
-            <a:ext cx="551880" cy="360"/>
+            <a:ext cx="551520" cy="360"/>
           </a:xfrm>
           <a:custGeom>
             <a:avLst/>
@@ -17237,8 +15703,8 @@
         </p:nvSpPr>
         <p:spPr>
           <a:xfrm flipV="1">
-            <a:off x="830160" y="3318480"/>
-            <a:ext cx="2212200" cy="1105920"/>
+            <a:off x="830160" y="3317760"/>
+            <a:ext cx="2211840" cy="1105560"/>
           </a:xfrm>
           <a:custGeom>
             <a:avLst/>
@@ -17281,7 +15747,7 @@
         <p:spPr>
           <a:xfrm>
             <a:off x="3093120" y="2985480"/>
-            <a:ext cx="185400" cy="352440"/>
+            <a:ext cx="185040" cy="352080"/>
           </a:xfrm>
           <a:prstGeom prst="rect">
             <a:avLst/>
@@ -17336,7 +15802,7 @@
         <p:spPr>
           <a:xfrm>
             <a:off x="554760" y="4374360"/>
-            <a:ext cx="402840" cy="439560"/>
+            <a:ext cx="402480" cy="439200"/>
           </a:xfrm>
           <a:prstGeom prst="rect">
             <a:avLst/>
@@ -17391,7 +15857,7 @@
         <p:spPr>
           <a:xfrm>
             <a:off x="830160" y="4425480"/>
-            <a:ext cx="551880" cy="360"/>
+            <a:ext cx="551520" cy="360"/>
           </a:xfrm>
           <a:custGeom>
             <a:avLst/>
@@ -17581,8 +16047,8 @@
         </p:nvSpPr>
         <p:spPr>
           <a:xfrm flipV="1">
-            <a:off x="830160" y="3318840"/>
-            <a:ext cx="2212200" cy="1105920"/>
+            <a:off x="830160" y="3318120"/>
+            <a:ext cx="2211840" cy="1105560"/>
           </a:xfrm>
           <a:custGeom>
             <a:avLst/>
@@ -17625,7 +16091,7 @@
         <p:spPr>
           <a:xfrm>
             <a:off x="3093120" y="2985840"/>
-            <a:ext cx="185400" cy="352440"/>
+            <a:ext cx="185040" cy="352080"/>
           </a:xfrm>
           <a:prstGeom prst="rect">
             <a:avLst/>
@@ -17680,7 +16146,7 @@
         <p:spPr>
           <a:xfrm>
             <a:off x="554760" y="4374720"/>
-            <a:ext cx="402840" cy="439560"/>
+            <a:ext cx="402480" cy="439200"/>
           </a:xfrm>
           <a:prstGeom prst="rect">
             <a:avLst/>
@@ -17735,7 +16201,7 @@
         <p:spPr>
           <a:xfrm>
             <a:off x="830160" y="4425120"/>
-            <a:ext cx="551880" cy="360"/>
+            <a:ext cx="551520" cy="360"/>
           </a:xfrm>
           <a:custGeom>
             <a:avLst/>
@@ -17925,8 +16391,8 @@
         </p:nvSpPr>
         <p:spPr>
           <a:xfrm flipV="1">
-            <a:off x="830160" y="3318480"/>
-            <a:ext cx="2212200" cy="1105920"/>
+            <a:off x="830160" y="3317760"/>
+            <a:ext cx="2211840" cy="1105560"/>
           </a:xfrm>
           <a:custGeom>
             <a:avLst/>
@@ -17969,7 +16435,7 @@
         <p:spPr>
           <a:xfrm>
             <a:off x="3093120" y="2985480"/>
-            <a:ext cx="185400" cy="352440"/>
+            <a:ext cx="185040" cy="352080"/>
           </a:xfrm>
           <a:prstGeom prst="rect">
             <a:avLst/>
@@ -18024,7 +16490,7 @@
         <p:spPr>
           <a:xfrm>
             <a:off x="554760" y="4374360"/>
-            <a:ext cx="402840" cy="439560"/>
+            <a:ext cx="402480" cy="439200"/>
           </a:xfrm>
           <a:prstGeom prst="rect">
             <a:avLst/>
@@ -18079,7 +16545,7 @@
         <p:spPr>
           <a:xfrm>
             <a:off x="830160" y="4425480"/>
-            <a:ext cx="551880" cy="360"/>
+            <a:ext cx="551520" cy="360"/>
           </a:xfrm>
           <a:custGeom>
             <a:avLst/>
@@ -18269,8 +16735,8 @@
         </p:nvSpPr>
         <p:spPr>
           <a:xfrm flipV="1">
-            <a:off x="830160" y="3318840"/>
-            <a:ext cx="2212200" cy="1105920"/>
+            <a:off x="830160" y="3318120"/>
+            <a:ext cx="2211840" cy="1105560"/>
           </a:xfrm>
           <a:custGeom>
             <a:avLst/>
@@ -18313,7 +16779,7 @@
         <p:spPr>
           <a:xfrm>
             <a:off x="3093120" y="2985840"/>
-            <a:ext cx="185400" cy="352440"/>
+            <a:ext cx="185040" cy="352080"/>
           </a:xfrm>
           <a:prstGeom prst="rect">
             <a:avLst/>
@@ -18368,7 +16834,7 @@
         <p:spPr>
           <a:xfrm>
             <a:off x="554760" y="4374720"/>
-            <a:ext cx="402840" cy="439560"/>
+            <a:ext cx="402480" cy="439200"/>
           </a:xfrm>
           <a:prstGeom prst="rect">
             <a:avLst/>
@@ -18423,7 +16889,7 @@
         <p:spPr>
           <a:xfrm>
             <a:off x="830160" y="4425120"/>
-            <a:ext cx="551880" cy="360"/>
+            <a:ext cx="551520" cy="360"/>
           </a:xfrm>
           <a:custGeom>
             <a:avLst/>
@@ -18613,8 +17079,8 @@
         </p:nvSpPr>
         <p:spPr>
           <a:xfrm flipV="1">
-            <a:off x="830160" y="3318480"/>
-            <a:ext cx="2212200" cy="1105920"/>
+            <a:off x="830160" y="3317760"/>
+            <a:ext cx="2211840" cy="1105560"/>
           </a:xfrm>
           <a:custGeom>
             <a:avLst/>
@@ -18657,7 +17123,7 @@
         <p:spPr>
           <a:xfrm>
             <a:off x="3093120" y="2985480"/>
-            <a:ext cx="185400" cy="352440"/>
+            <a:ext cx="185040" cy="352080"/>
           </a:xfrm>
           <a:prstGeom prst="rect">
             <a:avLst/>
@@ -18712,7 +17178,7 @@
         <p:spPr>
           <a:xfrm>
             <a:off x="554760" y="4374360"/>
-            <a:ext cx="402840" cy="439560"/>
+            <a:ext cx="402480" cy="439200"/>
           </a:xfrm>
           <a:prstGeom prst="rect">
             <a:avLst/>
@@ -18767,7 +17233,7 @@
         <p:spPr>
           <a:xfrm>
             <a:off x="830160" y="4425480"/>
-            <a:ext cx="551880" cy="360"/>
+            <a:ext cx="551520" cy="360"/>
           </a:xfrm>
           <a:custGeom>
             <a:avLst/>
@@ -18957,8 +17423,8 @@
         </p:nvSpPr>
         <p:spPr>
           <a:xfrm flipV="1">
-            <a:off x="830160" y="3318840"/>
-            <a:ext cx="2212200" cy="1105920"/>
+            <a:off x="830160" y="3318120"/>
+            <a:ext cx="2211840" cy="1105560"/>
           </a:xfrm>
           <a:custGeom>
             <a:avLst/>
@@ -19001,7 +17467,7 @@
         <p:spPr>
           <a:xfrm>
             <a:off x="3093120" y="2985840"/>
-            <a:ext cx="185400" cy="352440"/>
+            <a:ext cx="185040" cy="352080"/>
           </a:xfrm>
           <a:prstGeom prst="rect">
             <a:avLst/>
@@ -19056,7 +17522,7 @@
         <p:spPr>
           <a:xfrm>
             <a:off x="554760" y="4374720"/>
-            <a:ext cx="402840" cy="439560"/>
+            <a:ext cx="402480" cy="439200"/>
           </a:xfrm>
           <a:prstGeom prst="rect">
             <a:avLst/>
@@ -19111,7 +17577,7 @@
         <p:spPr>
           <a:xfrm>
             <a:off x="830160" y="4425120"/>
-            <a:ext cx="551880" cy="360"/>
+            <a:ext cx="551520" cy="360"/>
           </a:xfrm>
           <a:custGeom>
             <a:avLst/>
@@ -19301,8 +17767,8 @@
         </p:nvSpPr>
         <p:spPr>
           <a:xfrm flipV="1">
-            <a:off x="830160" y="3318480"/>
-            <a:ext cx="2212200" cy="1105920"/>
+            <a:off x="830160" y="3317760"/>
+            <a:ext cx="2211840" cy="1105560"/>
           </a:xfrm>
           <a:custGeom>
             <a:avLst/>
@@ -19345,7 +17811,7 @@
         <p:spPr>
           <a:xfrm>
             <a:off x="3093120" y="2985480"/>
-            <a:ext cx="185400" cy="352440"/>
+            <a:ext cx="185040" cy="352080"/>
           </a:xfrm>
           <a:prstGeom prst="rect">
             <a:avLst/>
@@ -19400,7 +17866,7 @@
         <p:spPr>
           <a:xfrm>
             <a:off x="554760" y="4374360"/>
-            <a:ext cx="402840" cy="439560"/>
+            <a:ext cx="402480" cy="439200"/>
           </a:xfrm>
           <a:prstGeom prst="rect">
             <a:avLst/>
@@ -19455,7 +17921,7 @@
         <p:spPr>
           <a:xfrm>
             <a:off x="830160" y="4425480"/>
-            <a:ext cx="551880" cy="360"/>
+            <a:ext cx="551520" cy="360"/>
           </a:xfrm>
           <a:custGeom>
             <a:avLst/>
@@ -19645,8 +18111,8 @@
         </p:nvSpPr>
         <p:spPr>
           <a:xfrm flipV="1">
-            <a:off x="830160" y="3318840"/>
-            <a:ext cx="2212200" cy="1105920"/>
+            <a:off x="830160" y="3318120"/>
+            <a:ext cx="2211840" cy="1105560"/>
           </a:xfrm>
           <a:custGeom>
             <a:avLst/>
@@ -19689,7 +18155,7 @@
         <p:spPr>
           <a:xfrm>
             <a:off x="3093120" y="2985840"/>
-            <a:ext cx="185400" cy="352440"/>
+            <a:ext cx="185040" cy="352080"/>
           </a:xfrm>
           <a:prstGeom prst="rect">
             <a:avLst/>
@@ -19744,7 +18210,7 @@
         <p:spPr>
           <a:xfrm>
             <a:off x="554760" y="4374720"/>
-            <a:ext cx="402840" cy="439560"/>
+            <a:ext cx="402480" cy="439200"/>
           </a:xfrm>
           <a:prstGeom prst="rect">
             <a:avLst/>
@@ -19799,7 +18265,7 @@
         <p:spPr>
           <a:xfrm>
             <a:off x="830160" y="4425120"/>
-            <a:ext cx="551880" cy="360"/>
+            <a:ext cx="551520" cy="360"/>
           </a:xfrm>
           <a:custGeom>
             <a:avLst/>
@@ -19989,8 +18455,8 @@
         </p:nvSpPr>
         <p:spPr>
           <a:xfrm flipV="1">
-            <a:off x="830160" y="3318480"/>
-            <a:ext cx="2212200" cy="1105920"/>
+            <a:off x="830160" y="3317760"/>
+            <a:ext cx="2211840" cy="1105560"/>
           </a:xfrm>
           <a:custGeom>
             <a:avLst/>
@@ -20033,7 +18499,7 @@
         <p:spPr>
           <a:xfrm>
             <a:off x="3093120" y="2985480"/>
-            <a:ext cx="185400" cy="352440"/>
+            <a:ext cx="185040" cy="352080"/>
           </a:xfrm>
           <a:prstGeom prst="rect">
             <a:avLst/>
@@ -20088,7 +18554,7 @@
         <p:spPr>
           <a:xfrm>
             <a:off x="554760" y="4374360"/>
-            <a:ext cx="402840" cy="439560"/>
+            <a:ext cx="402480" cy="439200"/>
           </a:xfrm>
           <a:prstGeom prst="rect">
             <a:avLst/>
@@ -20143,7 +18609,7 @@
         <p:spPr>
           <a:xfrm>
             <a:off x="830160" y="4425480"/>
-            <a:ext cx="551880" cy="360"/>
+            <a:ext cx="551520" cy="360"/>
           </a:xfrm>
           <a:custGeom>
             <a:avLst/>
@@ -20333,8 +18799,8 @@
         </p:nvSpPr>
         <p:spPr>
           <a:xfrm flipV="1">
-            <a:off x="830160" y="3318840"/>
-            <a:ext cx="2212200" cy="1105920"/>
+            <a:off x="830160" y="3318120"/>
+            <a:ext cx="2211840" cy="1105560"/>
           </a:xfrm>
           <a:custGeom>
             <a:avLst/>
@@ -20377,7 +18843,7 @@
         <p:spPr>
           <a:xfrm>
             <a:off x="3093120" y="2985840"/>
-            <a:ext cx="185400" cy="352440"/>
+            <a:ext cx="185040" cy="352080"/>
           </a:xfrm>
           <a:prstGeom prst="rect">
             <a:avLst/>
@@ -20432,7 +18898,7 @@
         <p:spPr>
           <a:xfrm>
             <a:off x="554760" y="4374720"/>
-            <a:ext cx="402840" cy="439560"/>
+            <a:ext cx="402480" cy="439200"/>
           </a:xfrm>
           <a:prstGeom prst="rect">
             <a:avLst/>
@@ -20487,7 +18953,7 @@
         <p:spPr>
           <a:xfrm>
             <a:off x="830160" y="4425120"/>
-            <a:ext cx="551880" cy="360"/>
+            <a:ext cx="551520" cy="360"/>
           </a:xfrm>
           <a:custGeom>
             <a:avLst/>
@@ -20677,8 +19143,8 @@
         </p:nvSpPr>
         <p:spPr>
           <a:xfrm flipV="1">
-            <a:off x="830160" y="3318480"/>
-            <a:ext cx="2212200" cy="1105920"/>
+            <a:off x="830160" y="3317760"/>
+            <a:ext cx="2211840" cy="1105560"/>
           </a:xfrm>
           <a:custGeom>
             <a:avLst/>
@@ -20721,7 +19187,7 @@
         <p:spPr>
           <a:xfrm>
             <a:off x="3093120" y="2985480"/>
-            <a:ext cx="185400" cy="352440"/>
+            <a:ext cx="185040" cy="352080"/>
           </a:xfrm>
           <a:prstGeom prst="rect">
             <a:avLst/>
@@ -20776,7 +19242,7 @@
         <p:spPr>
           <a:xfrm>
             <a:off x="554760" y="4374360"/>
-            <a:ext cx="402840" cy="439560"/>
+            <a:ext cx="402480" cy="439200"/>
           </a:xfrm>
           <a:prstGeom prst="rect">
             <a:avLst/>
@@ -20831,7 +19297,7 @@
         <p:spPr>
           <a:xfrm>
             <a:off x="830160" y="4425480"/>
-            <a:ext cx="551880" cy="360"/>
+            <a:ext cx="551520" cy="360"/>
           </a:xfrm>
           <a:custGeom>
             <a:avLst/>
@@ -21021,8 +19487,8 @@
         </p:nvSpPr>
         <p:spPr>
           <a:xfrm flipV="1">
-            <a:off x="830160" y="3318840"/>
-            <a:ext cx="2212200" cy="1105920"/>
+            <a:off x="830160" y="3318120"/>
+            <a:ext cx="2211840" cy="1105560"/>
           </a:xfrm>
           <a:custGeom>
             <a:avLst/>
@@ -21065,7 +19531,7 @@
         <p:spPr>
           <a:xfrm>
             <a:off x="3093120" y="2985840"/>
-            <a:ext cx="185400" cy="352440"/>
+            <a:ext cx="185040" cy="352080"/>
           </a:xfrm>
           <a:prstGeom prst="rect">
             <a:avLst/>
@@ -21120,7 +19586,7 @@
         <p:spPr>
           <a:xfrm>
             <a:off x="554760" y="4374720"/>
-            <a:ext cx="402840" cy="439560"/>
+            <a:ext cx="402480" cy="439200"/>
           </a:xfrm>
           <a:prstGeom prst="rect">
             <a:avLst/>
@@ -21175,7 +19641,7 @@
         <p:spPr>
           <a:xfrm>
             <a:off x="6361200" y="4482360"/>
-            <a:ext cx="551880" cy="360"/>
+            <a:ext cx="551520" cy="360"/>
           </a:xfrm>
           <a:custGeom>
             <a:avLst/>
@@ -21278,8 +19744,8 @@
         </p:nvSpPr>
         <p:spPr>
           <a:xfrm flipV="1">
-            <a:off x="6361200" y="3375720"/>
-            <a:ext cx="2212200" cy="1105920"/>
+            <a:off x="6361200" y="3375000"/>
+            <a:ext cx="2211840" cy="1105560"/>
           </a:xfrm>
           <a:custGeom>
             <a:avLst/>
@@ -21322,7 +19788,7 @@
         <p:spPr>
           <a:xfrm>
             <a:off x="8623800" y="3042360"/>
-            <a:ext cx="185400" cy="352440"/>
+            <a:ext cx="185040" cy="352080"/>
           </a:xfrm>
           <a:prstGeom prst="rect">
             <a:avLst/>
@@ -21377,7 +19843,7 @@
         <p:spPr>
           <a:xfrm>
             <a:off x="6085440" y="4431240"/>
-            <a:ext cx="402840" cy="439560"/>
+            <a:ext cx="402480" cy="439200"/>
           </a:xfrm>
           <a:prstGeom prst="rect">
             <a:avLst/>
@@ -21432,7 +19898,7 @@
         <p:spPr>
           <a:xfrm>
             <a:off x="6361200" y="4482720"/>
-            <a:ext cx="551880" cy="360"/>
+            <a:ext cx="551520" cy="360"/>
           </a:xfrm>
           <a:custGeom>
             <a:avLst/>
@@ -21535,8 +20001,8 @@
         </p:nvSpPr>
         <p:spPr>
           <a:xfrm flipV="1">
-            <a:off x="6361200" y="3376080"/>
-            <a:ext cx="2212200" cy="1105920"/>
+            <a:off x="6361200" y="3375360"/>
+            <a:ext cx="2211840" cy="1105560"/>
           </a:xfrm>
           <a:custGeom>
             <a:avLst/>
@@ -21579,7 +20045,7 @@
         <p:spPr>
           <a:xfrm>
             <a:off x="8623800" y="3042720"/>
-            <a:ext cx="185400" cy="352440"/>
+            <a:ext cx="185040" cy="352080"/>
           </a:xfrm>
           <a:prstGeom prst="rect">
             <a:avLst/>
@@ -21634,7 +20100,7 @@
         <p:spPr>
           <a:xfrm>
             <a:off x="6085440" y="4431600"/>
-            <a:ext cx="402840" cy="439560"/>
+            <a:ext cx="402480" cy="439200"/>
           </a:xfrm>
           <a:prstGeom prst="rect">
             <a:avLst/>
@@ -21689,7 +20155,7 @@
         <p:spPr>
           <a:xfrm>
             <a:off x="6361200" y="4482360"/>
-            <a:ext cx="551880" cy="360"/>
+            <a:ext cx="551520" cy="360"/>
           </a:xfrm>
           <a:custGeom>
             <a:avLst/>
@@ -21792,8 +20258,8 @@
         </p:nvSpPr>
         <p:spPr>
           <a:xfrm flipV="1">
-            <a:off x="6361200" y="3375720"/>
-            <a:ext cx="2212200" cy="1105920"/>
+            <a:off x="6361200" y="3375000"/>
+            <a:ext cx="2211840" cy="1105560"/>
           </a:xfrm>
           <a:custGeom>
             <a:avLst/>
@@ -21836,7 +20302,7 @@
         <p:spPr>
           <a:xfrm>
             <a:off x="8623800" y="3042360"/>
-            <a:ext cx="185400" cy="352440"/>
+            <a:ext cx="185040" cy="352080"/>
           </a:xfrm>
           <a:prstGeom prst="rect">
             <a:avLst/>
@@ -21891,7 +20357,7 @@
         <p:spPr>
           <a:xfrm>
             <a:off x="6085440" y="4431240"/>
-            <a:ext cx="402840" cy="439560"/>
+            <a:ext cx="402480" cy="439200"/>
           </a:xfrm>
           <a:prstGeom prst="rect">
             <a:avLst/>
@@ -21946,7 +20412,7 @@
         <p:spPr>
           <a:xfrm>
             <a:off x="6361200" y="4482720"/>
-            <a:ext cx="551880" cy="360"/>
+            <a:ext cx="551520" cy="360"/>
           </a:xfrm>
           <a:custGeom>
             <a:avLst/>
@@ -22049,8 +20515,8 @@
         </p:nvSpPr>
         <p:spPr>
           <a:xfrm flipV="1">
-            <a:off x="6361200" y="3376080"/>
-            <a:ext cx="2212200" cy="1105920"/>
+            <a:off x="6361200" y="3375360"/>
+            <a:ext cx="2211840" cy="1105560"/>
           </a:xfrm>
           <a:custGeom>
             <a:avLst/>
@@ -22093,7 +20559,7 @@
         <p:spPr>
           <a:xfrm>
             <a:off x="8623800" y="3042720"/>
-            <a:ext cx="185400" cy="352440"/>
+            <a:ext cx="185040" cy="352080"/>
           </a:xfrm>
           <a:prstGeom prst="rect">
             <a:avLst/>
@@ -22148,7 +20614,7 @@
         <p:spPr>
           <a:xfrm>
             <a:off x="6085440" y="4431600"/>
-            <a:ext cx="402840" cy="439560"/>
+            <a:ext cx="402480" cy="439200"/>
           </a:xfrm>
           <a:prstGeom prst="rect">
             <a:avLst/>
@@ -22203,7 +20669,7 @@
         <p:spPr>
           <a:xfrm>
             <a:off x="6361200" y="4482360"/>
-            <a:ext cx="551880" cy="360"/>
+            <a:ext cx="551520" cy="360"/>
           </a:xfrm>
           <a:custGeom>
             <a:avLst/>
@@ -22306,8 +20772,8 @@
         </p:nvSpPr>
         <p:spPr>
           <a:xfrm flipV="1">
-            <a:off x="6361200" y="3375720"/>
-            <a:ext cx="2212200" cy="1105920"/>
+            <a:off x="6361200" y="3375000"/>
+            <a:ext cx="2211840" cy="1105560"/>
           </a:xfrm>
           <a:custGeom>
             <a:avLst/>
@@ -22350,7 +20816,7 @@
         <p:spPr>
           <a:xfrm>
             <a:off x="8623800" y="3042360"/>
-            <a:ext cx="185400" cy="352440"/>
+            <a:ext cx="185040" cy="352080"/>
           </a:xfrm>
           <a:prstGeom prst="rect">
             <a:avLst/>
@@ -22405,7 +20871,7 @@
         <p:spPr>
           <a:xfrm>
             <a:off x="6085440" y="4431240"/>
-            <a:ext cx="402840" cy="439560"/>
+            <a:ext cx="402480" cy="439200"/>
           </a:xfrm>
           <a:prstGeom prst="rect">
             <a:avLst/>
@@ -22460,7 +20926,7 @@
         <p:spPr>
           <a:xfrm>
             <a:off x="6361200" y="4482720"/>
-            <a:ext cx="551880" cy="360"/>
+            <a:ext cx="551520" cy="360"/>
           </a:xfrm>
           <a:custGeom>
             <a:avLst/>
@@ -22563,8 +21029,8 @@
         </p:nvSpPr>
         <p:spPr>
           <a:xfrm flipV="1">
-            <a:off x="6361200" y="3376080"/>
-            <a:ext cx="2212200" cy="1105920"/>
+            <a:off x="6361200" y="3375360"/>
+            <a:ext cx="2211840" cy="1105560"/>
           </a:xfrm>
           <a:custGeom>
             <a:avLst/>
@@ -22607,7 +21073,7 @@
         <p:spPr>
           <a:xfrm>
             <a:off x="8623800" y="3042720"/>
-            <a:ext cx="185400" cy="352440"/>
+            <a:ext cx="185040" cy="352080"/>
           </a:xfrm>
           <a:prstGeom prst="rect">
             <a:avLst/>
@@ -22662,7 +21128,7 @@
         <p:spPr>
           <a:xfrm>
             <a:off x="6085440" y="4431600"/>
-            <a:ext cx="402840" cy="439560"/>
+            <a:ext cx="402480" cy="439200"/>
           </a:xfrm>
           <a:prstGeom prst="rect">
             <a:avLst/>
@@ -22717,7 +21183,7 @@
         <p:spPr>
           <a:xfrm>
             <a:off x="6361200" y="4482360"/>
-            <a:ext cx="551880" cy="360"/>
+            <a:ext cx="551520" cy="360"/>
           </a:xfrm>
           <a:custGeom>
             <a:avLst/>
@@ -22820,8 +21286,8 @@
         </p:nvSpPr>
         <p:spPr>
           <a:xfrm flipV="1">
-            <a:off x="6361200" y="3375720"/>
-            <a:ext cx="2212200" cy="1105920"/>
+            <a:off x="6361200" y="3375000"/>
+            <a:ext cx="2211840" cy="1105560"/>
           </a:xfrm>
           <a:custGeom>
             <a:avLst/>
@@ -22864,7 +21330,7 @@
         <p:spPr>
           <a:xfrm>
             <a:off x="8623800" y="3042360"/>
-            <a:ext cx="185400" cy="352440"/>
+            <a:ext cx="185040" cy="352080"/>
           </a:xfrm>
           <a:prstGeom prst="rect">
             <a:avLst/>
@@ -22919,7 +21385,7 @@
         <p:spPr>
           <a:xfrm>
             <a:off x="6085440" y="4431240"/>
-            <a:ext cx="402840" cy="439560"/>
+            <a:ext cx="402480" cy="439200"/>
           </a:xfrm>
           <a:prstGeom prst="rect">
             <a:avLst/>
@@ -22974,7 +21440,7 @@
         <p:spPr>
           <a:xfrm>
             <a:off x="6361200" y="4482720"/>
-            <a:ext cx="551880" cy="360"/>
+            <a:ext cx="551520" cy="360"/>
           </a:xfrm>
           <a:custGeom>
             <a:avLst/>
@@ -23164,8 +21630,8 @@
         </p:nvSpPr>
         <p:spPr>
           <a:xfrm flipV="1">
-            <a:off x="6361200" y="3376080"/>
-            <a:ext cx="2212200" cy="1105920"/>
+            <a:off x="6361200" y="3375360"/>
+            <a:ext cx="2211840" cy="1105560"/>
           </a:xfrm>
           <a:custGeom>
             <a:avLst/>
@@ -23208,7 +21674,7 @@
         <p:spPr>
           <a:xfrm>
             <a:off x="8623800" y="3042720"/>
-            <a:ext cx="185400" cy="352440"/>
+            <a:ext cx="185040" cy="352080"/>
           </a:xfrm>
           <a:prstGeom prst="rect">
             <a:avLst/>
@@ -23263,7 +21729,7 @@
         <p:spPr>
           <a:xfrm>
             <a:off x="6085440" y="4431600"/>
-            <a:ext cx="402840" cy="439560"/>
+            <a:ext cx="402480" cy="439200"/>
           </a:xfrm>
           <a:prstGeom prst="rect">
             <a:avLst/>
@@ -23352,7 +21818,7 @@
         <p:spPr>
           <a:xfrm>
             <a:off x="654120" y="276840"/>
-            <a:ext cx="10883520" cy="1305720"/>
+            <a:ext cx="10883160" cy="1305360"/>
           </a:xfrm>
           <a:prstGeom prst="rect">
             <a:avLst/>
@@ -23383,10 +21849,7 @@
               </a:rPr>
               <a:t>Verallgemeinerung</a:t>
             </a:r>
-            <a:endParaRPr b="0" lang="de-DE" sz="3600" spc="-1" strike="noStrike">
-              <a:solidFill>
-                <a:srgbClr val="000000"/>
-              </a:solidFill>
+            <a:endParaRPr b="0" lang="en-US" sz="3600" spc="-1" strike="noStrike">
               <a:latin typeface="Arial"/>
             </a:endParaRPr>
           </a:p>
@@ -23401,7 +21864,7 @@
         <p:spPr>
           <a:xfrm>
             <a:off x="606960" y="1582920"/>
-            <a:ext cx="11057040" cy="3751560"/>
+            <a:ext cx="11056680" cy="3747600"/>
           </a:xfrm>
           <a:prstGeom prst="rect">
             <a:avLst/>
@@ -23680,7 +22143,7 @@
         <p:spPr>
           <a:xfrm>
             <a:off x="366120" y="253080"/>
-            <a:ext cx="10883520" cy="1305720"/>
+            <a:ext cx="10883160" cy="1305360"/>
           </a:xfrm>
           <a:prstGeom prst="rect">
             <a:avLst/>
@@ -23711,10 +22174,7 @@
               </a:rPr>
               <a:t>Der Algorithmus am Beispiel</a:t>
             </a:r>
-            <a:endParaRPr b="0" lang="de-DE" sz="3600" spc="-1" strike="noStrike">
-              <a:solidFill>
-                <a:srgbClr val="000000"/>
-              </a:solidFill>
+            <a:endParaRPr b="0" lang="en-US" sz="3600" spc="-1" strike="noStrike">
               <a:latin typeface="Arial"/>
             </a:endParaRPr>
           </a:p>
@@ -23729,7 +22189,7 @@
         <p:spPr>
           <a:xfrm>
             <a:off x="553680" y="1659240"/>
-            <a:ext cx="12443760" cy="727200"/>
+            <a:ext cx="12443400" cy="726840"/>
           </a:xfrm>
           <a:prstGeom prst="rect">
             <a:avLst/>
@@ -24272,7 +22732,7 @@
         <p:spPr>
           <a:xfrm flipV="1">
             <a:off x="8020080" y="4114800"/>
-            <a:ext cx="0" cy="914400"/>
+            <a:ext cx="360" cy="914400"/>
           </a:xfrm>
           <a:prstGeom prst="line">
             <a:avLst/>
@@ -24300,7 +22760,7 @@
         <p:spPr>
           <a:xfrm>
             <a:off x="8020080" y="5029200"/>
-            <a:ext cx="1809720" cy="0"/>
+            <a:ext cx="1809720" cy="360"/>
           </a:xfrm>
           <a:prstGeom prst="line">
             <a:avLst/>
@@ -24319,11 +22779,14 @@
           <a:fontRef idx="minor"/>
         </p:style>
         <p:txBody>
-          <a:bodyPr lIns="90000" rIns="90000" tIns="45000" bIns="45000" anchor="ctr">
+          <a:bodyPr lIns="90000" rIns="90000" tIns="0" bIns="0" anchor="ctr" anchorCtr="1">
             <a:noAutofit/>
           </a:bodyPr>
           <a:p>
             <a:pPr algn="ctr">
+              <a:lnSpc>
+                <a:spcPct val="100000"/>
+              </a:lnSpc>
               <a:buNone/>
             </a:pPr>
             <a:endParaRPr b="0" lang="en-US" sz="1800" spc="-1" strike="noStrike">
@@ -24332,6 +22795,9 @@
           </a:p>
           <a:p>
             <a:pPr algn="ctr">
+              <a:lnSpc>
+                <a:spcPct val="100000"/>
+              </a:lnSpc>
               <a:buNone/>
             </a:pPr>
             <a:endParaRPr b="0" lang="en-US" sz="1800" spc="-1" strike="noStrike">
@@ -24340,11 +22806,18 @@
           </a:p>
           <a:p>
             <a:pPr algn="ctr">
+              <a:lnSpc>
+                <a:spcPct val="100000"/>
+              </a:lnSpc>
               <a:buNone/>
             </a:pPr>
             <a:r>
               <a:rPr b="0" lang="en-US" sz="1800" spc="-1" strike="noStrike">
+                <a:solidFill>
+                  <a:srgbClr val="000000"/>
+                </a:solidFill>
                 <a:latin typeface="Arial"/>
+                <a:ea typeface="DejaVu Sans"/>
               </a:rPr>
               <a:t>G</a:t>
             </a:r>
@@ -24357,13 +22830,13 @@
       <p:sp>
         <p:nvSpPr>
           <p:cNvPr id="545" name=""/>
-          <p:cNvSpPr txBox="1"/>
+          <p:cNvSpPr/>
           <p:nvPr/>
         </p:nvSpPr>
         <p:spPr>
           <a:xfrm>
             <a:off x="2743200" y="5943600"/>
-            <a:ext cx="685800" cy="346320"/>
+            <a:ext cx="685440" cy="345960"/>
           </a:xfrm>
           <a:prstGeom prst="rect">
             <a:avLst/>
@@ -24373,11 +22846,23 @@
             <a:noFill/>
           </a:ln>
         </p:spPr>
+        <p:style>
+          <a:lnRef idx="0"/>
+          <a:fillRef idx="0"/>
+          <a:effectRef idx="0"/>
+          <a:fontRef idx="minor"/>
+        </p:style>
         <p:txBody>
           <a:bodyPr lIns="90000" rIns="90000" tIns="45000" bIns="45000" anchor="t">
             <a:noAutofit/>
           </a:bodyPr>
           <a:p>
+            <a:pPr>
+              <a:lnSpc>
+                <a:spcPct val="100000"/>
+              </a:lnSpc>
+              <a:buNone/>
+            </a:pPr>
             <a:r>
               <a:rPr b="0" lang="en-US" sz="1800" spc="-1" strike="noStrike">
                 <a:latin typeface="Arial"/>
@@ -24393,13 +22878,13 @@
       <p:sp>
         <p:nvSpPr>
           <p:cNvPr id="546" name=""/>
-          <p:cNvSpPr txBox="1"/>
+          <p:cNvSpPr/>
           <p:nvPr/>
         </p:nvSpPr>
         <p:spPr>
           <a:xfrm>
             <a:off x="3886200" y="5486400"/>
-            <a:ext cx="685800" cy="346320"/>
+            <a:ext cx="685440" cy="345960"/>
           </a:xfrm>
           <a:prstGeom prst="rect">
             <a:avLst/>
@@ -24409,11 +22894,23 @@
             <a:noFill/>
           </a:ln>
         </p:spPr>
+        <p:style>
+          <a:lnRef idx="0"/>
+          <a:fillRef idx="0"/>
+          <a:effectRef idx="0"/>
+          <a:fontRef idx="minor"/>
+        </p:style>
         <p:txBody>
           <a:bodyPr lIns="90000" rIns="90000" tIns="45000" bIns="45000" anchor="t">
             <a:noAutofit/>
           </a:bodyPr>
           <a:p>
+            <a:pPr>
+              <a:lnSpc>
+                <a:spcPct val="100000"/>
+              </a:lnSpc>
+              <a:buNone/>
+            </a:pPr>
             <a:r>
               <a:rPr b="0" lang="en-US" sz="1800" spc="-1" strike="noStrike">
                 <a:latin typeface="Arial"/>
@@ -24429,13 +22926,13 @@
       <p:sp>
         <p:nvSpPr>
           <p:cNvPr id="547" name=""/>
-          <p:cNvSpPr txBox="1"/>
+          <p:cNvSpPr/>
           <p:nvPr/>
         </p:nvSpPr>
         <p:spPr>
           <a:xfrm>
             <a:off x="7543800" y="4572000"/>
-            <a:ext cx="228600" cy="602280"/>
+            <a:ext cx="228240" cy="601920"/>
           </a:xfrm>
           <a:prstGeom prst="rect">
             <a:avLst/>
@@ -24445,11 +22942,23 @@
             <a:noFill/>
           </a:ln>
         </p:spPr>
+        <p:style>
+          <a:lnRef idx="0"/>
+          <a:fillRef idx="0"/>
+          <a:effectRef idx="0"/>
+          <a:fontRef idx="minor"/>
+        </p:style>
         <p:txBody>
           <a:bodyPr lIns="90000" rIns="90000" tIns="45000" bIns="45000" anchor="t">
             <a:noAutofit/>
           </a:bodyPr>
           <a:p>
+            <a:pPr>
+              <a:lnSpc>
+                <a:spcPct val="100000"/>
+              </a:lnSpc>
+              <a:buNone/>
+            </a:pPr>
             <a:r>
               <a:rPr b="0" lang="en-US" sz="1800" spc="-1" strike="noStrike">
                 <a:latin typeface="Arial"/>
@@ -24505,7 +23014,7 @@
         <p:spPr>
           <a:xfrm>
             <a:off x="654120" y="267840"/>
-            <a:ext cx="10883520" cy="1305720"/>
+            <a:ext cx="10883160" cy="1305360"/>
           </a:xfrm>
           <a:prstGeom prst="rect">
             <a:avLst/>
@@ -24521,25 +23030,15 @@
           </a:bodyPr>
           <a:p>
             <a:pPr algn="ctr">
-              <a:lnSpc>
-                <a:spcPct val="100000"/>
-              </a:lnSpc>
               <a:buNone/>
             </a:pPr>
             <a:r>
-              <a:rPr b="1" lang="en-US" sz="3600" spc="-1" strike="noStrike">
-                <a:solidFill>
-                  <a:srgbClr val="000000"/>
-                </a:solidFill>
-                <a:latin typeface="Neue Haas Grotesk Text Pro"/>
-                <a:ea typeface="DejaVu Sans"/>
+              <a:rPr b="0" lang="en-US" sz="4400" spc="-1" strike="noStrike">
+                <a:latin typeface="Arial"/>
               </a:rPr>
-              <a:t>Division mit Rest</a:t>
+              <a:t>Rundung</a:t>
             </a:r>
-            <a:endParaRPr b="0" lang="de-DE" sz="3600" spc="-1" strike="noStrike">
-              <a:solidFill>
-                <a:srgbClr val="000000"/>
-              </a:solidFill>
+            <a:endParaRPr b="0" lang="en-US" sz="4400" spc="-1" strike="noStrike">
               <a:latin typeface="Arial"/>
             </a:endParaRPr>
           </a:p>
@@ -24553,8 +23052,8 @@
         </p:nvSpPr>
         <p:spPr>
           <a:xfrm>
-            <a:off x="835200" y="1659240"/>
-            <a:ext cx="10860480" cy="1433160"/>
+            <a:off x="1538280" y="1659240"/>
+            <a:ext cx="9455400" cy="2424240"/>
           </a:xfrm>
           <a:prstGeom prst="rect">
             <a:avLst/>
@@ -24616,7 +23115,7 @@
                 <a:latin typeface="Arial"/>
                 <a:ea typeface="DejaVu Sans"/>
               </a:rPr>
-              <a:t>Sollte G &lt; K ist G / K = 0 da wir mit Rest dividieren. (G / K ist niemals eine Kommazahl)</a:t>
+              <a:t>Sei G &lt; K.</a:t>
             </a:r>
             <a:endParaRPr b="0" lang="en-US" sz="2170" spc="-1" strike="noStrike">
               <a:latin typeface="Arial"/>
@@ -24640,7 +23139,79 @@
                 <a:latin typeface="Arial"/>
                 <a:ea typeface="DejaVu Sans"/>
               </a:rPr>
-              <a:t>Würden wir das nicht tun müsste der Motor z.b. 0.5 Schritte machen, was er</a:t>
+              <a:t>Zum Beispiel K = 2, G = 1:</a:t>
+            </a:r>
+            <a:endParaRPr b="0" lang="en-US" sz="2170" spc="-1" strike="noStrike">
+              <a:latin typeface="Arial"/>
+            </a:endParaRPr>
+          </a:p>
+          <a:p>
+            <a:pPr>
+              <a:lnSpc>
+                <a:spcPct val="100000"/>
+              </a:lnSpc>
+              <a:buNone/>
+              <a:tabLst>
+                <a:tab algn="l" pos="0"/>
+              </a:tabLst>
+            </a:pPr>
+            <a:r>
+              <a:rPr b="0" lang="de-DE" sz="2170" spc="-1" strike="noStrike">
+                <a:solidFill>
+                  <a:srgbClr val="000000"/>
+                </a:solidFill>
+                <a:latin typeface="Arial"/>
+                <a:ea typeface="DejaVu Sans"/>
+              </a:rPr>
+              <a:t>Dann ist G \ K = 0</a:t>
+            </a:r>
+            <a:endParaRPr b="0" lang="en-US" sz="2170" spc="-1" strike="noStrike">
+              <a:latin typeface="Arial"/>
+            </a:endParaRPr>
+          </a:p>
+          <a:p>
+            <a:pPr>
+              <a:lnSpc>
+                <a:spcPct val="100000"/>
+              </a:lnSpc>
+              <a:buNone/>
+              <a:tabLst>
+                <a:tab algn="l" pos="0"/>
+              </a:tabLst>
+            </a:pPr>
+            <a:r>
+              <a:rPr b="0" lang="de-DE" sz="2170" spc="-1" strike="noStrike">
+                <a:solidFill>
+                  <a:srgbClr val="000000"/>
+                </a:solidFill>
+                <a:latin typeface="Arial"/>
+                <a:ea typeface="DejaVu Sans"/>
+              </a:rPr>
+              <a:t>gerundet. (G \ K ist niemals eine Kommazahl)</a:t>
+            </a:r>
+            <a:endParaRPr b="0" lang="en-US" sz="2170" spc="-1" strike="noStrike">
+              <a:latin typeface="Arial"/>
+            </a:endParaRPr>
+          </a:p>
+          <a:p>
+            <a:pPr>
+              <a:lnSpc>
+                <a:spcPct val="100000"/>
+              </a:lnSpc>
+              <a:buNone/>
+              <a:tabLst>
+                <a:tab algn="l" pos="0"/>
+              </a:tabLst>
+            </a:pPr>
+            <a:r>
+              <a:rPr b="0" lang="de-DE" sz="2170" spc="-1" strike="noStrike">
+                <a:solidFill>
+                  <a:srgbClr val="000000"/>
+                </a:solidFill>
+                <a:latin typeface="Arial"/>
+                <a:ea typeface="DejaVu Sans"/>
+              </a:rPr>
+              <a:t>Würden wir nicht runden müsste der Motor z.b. 0.5 Schritte machen, was er</a:t>
             </a:r>
             <a:endParaRPr b="0" lang="en-US" sz="2170" spc="-1" strike="noStrike">
               <a:latin typeface="Arial"/>
@@ -24715,7 +23286,7 @@
         <p:spPr>
           <a:xfrm>
             <a:off x="654120" y="249840"/>
-            <a:ext cx="10883520" cy="1305720"/>
+            <a:ext cx="10883160" cy="1305360"/>
           </a:xfrm>
           <a:prstGeom prst="rect">
             <a:avLst/>
@@ -24746,10 +23317,7 @@
               </a:rPr>
               <a:t>Wie bewegen wir den Stift</a:t>
             </a:r>
-            <a:endParaRPr b="0" lang="de-DE" sz="3600" spc="-1" strike="noStrike">
-              <a:solidFill>
-                <a:srgbClr val="000000"/>
-              </a:solidFill>
+            <a:endParaRPr b="0" lang="en-US" sz="3600" spc="-1" strike="noStrike">
               <a:latin typeface="Arial"/>
             </a:endParaRPr>
           </a:p>
@@ -24764,7 +23332,7 @@
         <p:spPr>
           <a:xfrm>
             <a:off x="817560" y="1659240"/>
-            <a:ext cx="10919880" cy="770760"/>
+            <a:ext cx="10919520" cy="770040"/>
           </a:xfrm>
           <a:prstGeom prst="rect">
             <a:avLst/>
@@ -24880,7 +23448,7 @@
         <p:spPr>
           <a:xfrm>
             <a:off x="0" y="-9000"/>
-            <a:ext cx="12191040" cy="6856920"/>
+            <a:ext cx="12190680" cy="6856560"/>
           </a:xfrm>
           <a:prstGeom prst="rect">
             <a:avLst/>
@@ -24915,7 +23483,7 @@
         </p:nvSpPr>
         <p:spPr>
           <a:xfrm flipH="1" flipV="1">
-            <a:off x="-2160" y="-1440"/>
+            <a:off x="-2880" y="-2160"/>
             <a:ext cx="360" cy="360"/>
           </a:xfrm>
           <a:custGeom>
@@ -24968,7 +23536,7 @@
                 <a:srgbClr val="58eae3"/>
               </a:gs>
             </a:gsLst>
-            <a:lin ang="12000000"/>
+            <a:lin ang="1200000"/>
           </a:gradFill>
           <a:ln>
             <a:noFill/>
@@ -25002,7 +23570,7 @@
         <p:spPr>
           <a:xfrm>
             <a:off x="3462480" y="311040"/>
-            <a:ext cx="5314680" cy="1256400"/>
+            <a:ext cx="5314320" cy="1256040"/>
           </a:xfrm>
           <a:prstGeom prst="rect">
             <a:avLst/>
@@ -25043,10 +23611,7 @@
               </a:rPr>
               <a:t>Probleme</a:t>
             </a:r>
-            <a:endParaRPr b="0" lang="de-DE" sz="3600" spc="-1" strike="noStrike">
-              <a:solidFill>
-                <a:srgbClr val="000000"/>
-              </a:solidFill>
+            <a:endParaRPr b="0" lang="en-US" sz="3600" spc="-1" strike="noStrike">
               <a:latin typeface="Arial"/>
             </a:endParaRPr>
           </a:p>
@@ -25061,7 +23626,7 @@
         <p:spPr>
           <a:xfrm>
             <a:off x="12191760" y="6660000"/>
-            <a:ext cx="360" cy="196920"/>
+            <a:ext cx="360" cy="196560"/>
           </a:xfrm>
           <a:custGeom>
             <a:avLst/>
@@ -25150,7 +23715,7 @@
         <p:spPr>
           <a:xfrm>
             <a:off x="720000" y="2340000"/>
-            <a:ext cx="10799640" cy="3457440"/>
+            <a:ext cx="10799280" cy="3457080"/>
           </a:xfrm>
           <a:prstGeom prst="rect">
             <a:avLst/>
@@ -25191,10 +23756,7 @@
               </a:rPr>
               <a:t>- Die Holzplatte verbogen → durch Dickere ersetzt</a:t>
             </a:r>
-            <a:endParaRPr b="0" lang="de-DE" sz="1800" spc="-1" strike="noStrike">
-              <a:solidFill>
-                <a:srgbClr val="000000"/>
-              </a:solidFill>
+            <a:endParaRPr b="0" lang="en-US" sz="1800" spc="-1" strike="noStrike">
               <a:latin typeface="Arial"/>
             </a:endParaRPr>
           </a:p>
@@ -25211,10 +23773,7 @@
                 <a:tab algn="l" pos="0"/>
               </a:tabLst>
             </a:pPr>
-            <a:endParaRPr b="0" lang="de-DE" sz="1800" spc="-1" strike="noStrike">
-              <a:solidFill>
-                <a:srgbClr val="000000"/>
-              </a:solidFill>
+            <a:endParaRPr b="0" lang="en-US" sz="1800" spc="-1" strike="noStrike">
               <a:latin typeface="Arial"/>
             </a:endParaRPr>
           </a:p>
@@ -25231,10 +23790,7 @@
                 <a:tab algn="l" pos="0"/>
               </a:tabLst>
             </a:pPr>
-            <a:endParaRPr b="0" lang="de-DE" sz="1800" spc="-1" strike="noStrike">
-              <a:solidFill>
-                <a:srgbClr val="000000"/>
-              </a:solidFill>
+            <a:endParaRPr b="0" lang="en-US" sz="1800" spc="-1" strike="noStrike">
               <a:latin typeface="Arial"/>
             </a:endParaRPr>
           </a:p>
@@ -25251,10 +23807,7 @@
                 <a:tab algn="l" pos="0"/>
               </a:tabLst>
             </a:pPr>
-            <a:endParaRPr b="0" lang="de-DE" sz="1800" spc="-1" strike="noStrike">
-              <a:solidFill>
-                <a:srgbClr val="000000"/>
-              </a:solidFill>
+            <a:endParaRPr b="0" lang="en-US" sz="1800" spc="-1" strike="noStrike">
               <a:latin typeface="Arial"/>
             </a:endParaRPr>
           </a:p>
@@ -25271,10 +23824,7 @@
                 <a:tab algn="l" pos="0"/>
               </a:tabLst>
             </a:pPr>
-            <a:endParaRPr b="0" lang="de-DE" sz="1800" spc="-1" strike="noStrike">
-              <a:solidFill>
-                <a:srgbClr val="000000"/>
-              </a:solidFill>
+            <a:endParaRPr b="0" lang="en-US" sz="1800" spc="-1" strike="noStrike">
               <a:latin typeface="Arial"/>
             </a:endParaRPr>
           </a:p>
@@ -25291,10 +23841,7 @@
                 <a:tab algn="l" pos="0"/>
               </a:tabLst>
             </a:pPr>
-            <a:endParaRPr b="0" lang="de-DE" sz="1800" spc="-1" strike="noStrike">
-              <a:solidFill>
-                <a:srgbClr val="000000"/>
-              </a:solidFill>
+            <a:endParaRPr b="0" lang="en-US" sz="1800" spc="-1" strike="noStrike">
               <a:latin typeface="Arial"/>
             </a:endParaRPr>
           </a:p>
@@ -25346,7 +23893,7 @@
         <p:spPr>
           <a:xfrm>
             <a:off x="0" y="0"/>
-            <a:ext cx="12191040" cy="6856920"/>
+            <a:ext cx="12190680" cy="6856560"/>
           </a:xfrm>
           <a:prstGeom prst="rect">
             <a:avLst/>
@@ -25381,7 +23928,7 @@
         </p:nvSpPr>
         <p:spPr>
           <a:xfrm flipH="1" flipV="1">
-            <a:off x="-2160" y="-1440"/>
+            <a:off x="-2880" y="-2160"/>
             <a:ext cx="360" cy="360"/>
           </a:xfrm>
           <a:custGeom>
@@ -25434,7 +23981,7 @@
                 <a:srgbClr val="58eae3"/>
               </a:gs>
             </a:gsLst>
-            <a:lin ang="12000000"/>
+            <a:lin ang="1200000"/>
           </a:gradFill>
           <a:ln>
             <a:noFill/>
@@ -25464,7 +24011,7 @@
         <p:spPr>
           <a:xfrm>
             <a:off x="12191760" y="6660000"/>
-            <a:ext cx="360" cy="196920"/>
+            <a:ext cx="360" cy="196560"/>
           </a:xfrm>
           <a:custGeom>
             <a:avLst/>
@@ -25553,7 +24100,7 @@
         <p:spPr>
           <a:xfrm>
             <a:off x="720000" y="2340000"/>
-            <a:ext cx="10799640" cy="3457440"/>
+            <a:ext cx="10799280" cy="3457080"/>
           </a:xfrm>
           <a:prstGeom prst="rect">
             <a:avLst/>
@@ -25594,10 +24141,7 @@
               </a:rPr>
               <a:t>- Die Holzplatte verbogen → durch Dickere ersetzt</a:t>
             </a:r>
-            <a:endParaRPr b="0" lang="de-DE" sz="1800" spc="-1" strike="noStrike">
-              <a:solidFill>
-                <a:srgbClr val="000000"/>
-              </a:solidFill>
+            <a:endParaRPr b="0" lang="en-US" sz="1800" spc="-1" strike="noStrike">
               <a:latin typeface="Arial"/>
             </a:endParaRPr>
           </a:p>
@@ -25628,10 +24172,7 @@
               </a:rPr>
               <a:t>- Die Zahnstange instabil → stabileres Material verwendet</a:t>
             </a:r>
-            <a:endParaRPr b="0" lang="de-DE" sz="1800" spc="-1" strike="noStrike">
-              <a:solidFill>
-                <a:srgbClr val="000000"/>
-              </a:solidFill>
+            <a:endParaRPr b="0" lang="en-US" sz="1800" spc="-1" strike="noStrike">
               <a:latin typeface="Arial"/>
             </a:endParaRPr>
           </a:p>
@@ -25648,10 +24189,7 @@
                 <a:tab algn="l" pos="0"/>
               </a:tabLst>
             </a:pPr>
-            <a:endParaRPr b="0" lang="de-DE" sz="1800" spc="-1" strike="noStrike">
-              <a:solidFill>
-                <a:srgbClr val="000000"/>
-              </a:solidFill>
+            <a:endParaRPr b="0" lang="en-US" sz="1800" spc="-1" strike="noStrike">
               <a:latin typeface="Arial"/>
             </a:endParaRPr>
           </a:p>
@@ -25668,10 +24206,7 @@
                 <a:tab algn="l" pos="0"/>
               </a:tabLst>
             </a:pPr>
-            <a:endParaRPr b="0" lang="de-DE" sz="1800" spc="-1" strike="noStrike">
-              <a:solidFill>
-                <a:srgbClr val="000000"/>
-              </a:solidFill>
+            <a:endParaRPr b="0" lang="en-US" sz="1800" spc="-1" strike="noStrike">
               <a:latin typeface="Arial"/>
             </a:endParaRPr>
           </a:p>
@@ -25688,10 +24223,7 @@
                 <a:tab algn="l" pos="0"/>
               </a:tabLst>
             </a:pPr>
-            <a:endParaRPr b="0" lang="de-DE" sz="1800" spc="-1" strike="noStrike">
-              <a:solidFill>
-                <a:srgbClr val="000000"/>
-              </a:solidFill>
+            <a:endParaRPr b="0" lang="en-US" sz="1800" spc="-1" strike="noStrike">
               <a:latin typeface="Arial"/>
             </a:endParaRPr>
           </a:p>
@@ -25708,10 +24240,7 @@
                 <a:tab algn="l" pos="0"/>
               </a:tabLst>
             </a:pPr>
-            <a:endParaRPr b="0" lang="de-DE" sz="1800" spc="-1" strike="noStrike">
-              <a:solidFill>
-                <a:srgbClr val="000000"/>
-              </a:solidFill>
+            <a:endParaRPr b="0" lang="en-US" sz="1800" spc="-1" strike="noStrike">
               <a:latin typeface="Arial"/>
             </a:endParaRPr>
           </a:p>
@@ -25728,10 +24257,7 @@
                 <a:tab algn="l" pos="0"/>
               </a:tabLst>
             </a:pPr>
-            <a:endParaRPr b="0" lang="de-DE" sz="1800" spc="-1" strike="noStrike">
-              <a:solidFill>
-                <a:srgbClr val="000000"/>
-              </a:solidFill>
+            <a:endParaRPr b="0" lang="en-US" sz="1800" spc="-1" strike="noStrike">
               <a:latin typeface="Arial"/>
             </a:endParaRPr>
           </a:p>
@@ -25746,7 +24272,7 @@
         <p:spPr>
           <a:xfrm>
             <a:off x="3462480" y="311040"/>
-            <a:ext cx="5314680" cy="1256400"/>
+            <a:ext cx="5314320" cy="1256040"/>
           </a:xfrm>
           <a:prstGeom prst="rect">
             <a:avLst/>
@@ -25845,7 +24371,7 @@
         <p:spPr>
           <a:xfrm>
             <a:off x="0" y="0"/>
-            <a:ext cx="12191040" cy="6856920"/>
+            <a:ext cx="12190680" cy="6856560"/>
           </a:xfrm>
           <a:prstGeom prst="rect">
             <a:avLst/>
@@ -25880,7 +24406,7 @@
         </p:nvSpPr>
         <p:spPr>
           <a:xfrm flipH="1" flipV="1">
-            <a:off x="-2160" y="-1440"/>
+            <a:off x="-2880" y="-2160"/>
             <a:ext cx="360" cy="360"/>
           </a:xfrm>
           <a:custGeom>
@@ -25933,7 +24459,7 @@
                 <a:srgbClr val="58eae3"/>
               </a:gs>
             </a:gsLst>
-            <a:lin ang="12000000"/>
+            <a:lin ang="1200000"/>
           </a:gradFill>
           <a:ln>
             <a:noFill/>
@@ -25963,7 +24489,7 @@
         <p:spPr>
           <a:xfrm>
             <a:off x="12191760" y="6660000"/>
-            <a:ext cx="360" cy="196920"/>
+            <a:ext cx="360" cy="196560"/>
           </a:xfrm>
           <a:custGeom>
             <a:avLst/>
@@ -26052,7 +24578,7 @@
         <p:spPr>
           <a:xfrm>
             <a:off x="720000" y="2340000"/>
-            <a:ext cx="10799640" cy="3457440"/>
+            <a:ext cx="10799280" cy="3457080"/>
           </a:xfrm>
           <a:prstGeom prst="rect">
             <a:avLst/>
@@ -26093,10 +24619,7 @@
               </a:rPr>
               <a:t>- Die Holzplatte verbogen → durch Dickere ersetzt</a:t>
             </a:r>
-            <a:endParaRPr b="0" lang="de-DE" sz="1800" spc="-1" strike="noStrike">
-              <a:solidFill>
-                <a:srgbClr val="000000"/>
-              </a:solidFill>
+            <a:endParaRPr b="0" lang="en-US" sz="1800" spc="-1" strike="noStrike">
               <a:latin typeface="Arial"/>
             </a:endParaRPr>
           </a:p>
@@ -26127,10 +24650,7 @@
               </a:rPr>
               <a:t>- Die Zahnstange instabil → stabileres Material verwendet</a:t>
             </a:r>
-            <a:endParaRPr b="0" lang="de-DE" sz="1800" spc="-1" strike="noStrike">
-              <a:solidFill>
-                <a:srgbClr val="000000"/>
-              </a:solidFill>
+            <a:endParaRPr b="0" lang="en-US" sz="1800" spc="-1" strike="noStrike">
               <a:latin typeface="Arial"/>
             </a:endParaRPr>
           </a:p>
@@ -26161,10 +24681,7 @@
               </a:rPr>
               <a:t>- Die Holzstangen verzogen sich → stark betroffene Teile neu ausgesägt</a:t>
             </a:r>
-            <a:endParaRPr b="0" lang="de-DE" sz="1800" spc="-1" strike="noStrike">
-              <a:solidFill>
-                <a:srgbClr val="000000"/>
-              </a:solidFill>
+            <a:endParaRPr b="0" lang="en-US" sz="1800" spc="-1" strike="noStrike">
               <a:latin typeface="Arial"/>
             </a:endParaRPr>
           </a:p>
@@ -26181,10 +24698,7 @@
                 <a:tab algn="l" pos="0"/>
               </a:tabLst>
             </a:pPr>
-            <a:endParaRPr b="0" lang="de-DE" sz="1800" spc="-1" strike="noStrike">
-              <a:solidFill>
-                <a:srgbClr val="000000"/>
-              </a:solidFill>
+            <a:endParaRPr b="0" lang="en-US" sz="1800" spc="-1" strike="noStrike">
               <a:latin typeface="Arial"/>
             </a:endParaRPr>
           </a:p>
@@ -26201,10 +24715,7 @@
                 <a:tab algn="l" pos="0"/>
               </a:tabLst>
             </a:pPr>
-            <a:endParaRPr b="0" lang="de-DE" sz="1800" spc="-1" strike="noStrike">
-              <a:solidFill>
-                <a:srgbClr val="000000"/>
-              </a:solidFill>
+            <a:endParaRPr b="0" lang="en-US" sz="1800" spc="-1" strike="noStrike">
               <a:latin typeface="Arial"/>
             </a:endParaRPr>
           </a:p>
@@ -26221,10 +24732,7 @@
                 <a:tab algn="l" pos="0"/>
               </a:tabLst>
             </a:pPr>
-            <a:endParaRPr b="0" lang="de-DE" sz="1800" spc="-1" strike="noStrike">
-              <a:solidFill>
-                <a:srgbClr val="000000"/>
-              </a:solidFill>
+            <a:endParaRPr b="0" lang="en-US" sz="1800" spc="-1" strike="noStrike">
               <a:latin typeface="Arial"/>
             </a:endParaRPr>
           </a:p>
@@ -26241,10 +24749,7 @@
                 <a:tab algn="l" pos="0"/>
               </a:tabLst>
             </a:pPr>
-            <a:endParaRPr b="0" lang="de-DE" sz="1800" spc="-1" strike="noStrike">
-              <a:solidFill>
-                <a:srgbClr val="000000"/>
-              </a:solidFill>
+            <a:endParaRPr b="0" lang="en-US" sz="1800" spc="-1" strike="noStrike">
               <a:latin typeface="Arial"/>
             </a:endParaRPr>
           </a:p>
@@ -26261,10 +24766,7 @@
                 <a:tab algn="l" pos="0"/>
               </a:tabLst>
             </a:pPr>
-            <a:endParaRPr b="0" lang="de-DE" sz="1800" spc="-1" strike="noStrike">
-              <a:solidFill>
-                <a:srgbClr val="000000"/>
-              </a:solidFill>
+            <a:endParaRPr b="0" lang="en-US" sz="1800" spc="-1" strike="noStrike">
               <a:latin typeface="Arial"/>
             </a:endParaRPr>
           </a:p>
@@ -26279,7 +24781,7 @@
         <p:spPr>
           <a:xfrm>
             <a:off x="3462480" y="311040"/>
-            <a:ext cx="5314680" cy="1256400"/>
+            <a:ext cx="5314320" cy="1256040"/>
           </a:xfrm>
           <a:prstGeom prst="rect">
             <a:avLst/>
@@ -26378,7 +24880,7 @@
         <p:spPr>
           <a:xfrm>
             <a:off x="0" y="0"/>
-            <a:ext cx="12191040" cy="6856920"/>
+            <a:ext cx="12190680" cy="6856560"/>
           </a:xfrm>
           <a:prstGeom prst="rect">
             <a:avLst/>
@@ -26418,7 +24920,7 @@
         <p:spPr>
           <a:xfrm>
             <a:off x="1066680" y="1132200"/>
-            <a:ext cx="7607160" cy="1256040"/>
+            <a:ext cx="7606800" cy="1255680"/>
           </a:xfrm>
           <a:prstGeom prst="rect">
             <a:avLst/>
@@ -26447,62 +24949,9 @@
                 <a:latin typeface="Neue Haas Grotesk Text Pro"/>
                 <a:ea typeface="DejaVu Sans"/>
               </a:rPr>
-              <a:t>A</a:t>
+              <a:t>Agenda</a:t>
             </a:r>
-            <a:r>
-              <a:rPr b="1" lang="de-DE" sz="4800" spc="-1" strike="noStrike">
-                <a:solidFill>
-                  <a:srgbClr val="000000"/>
-                </a:solidFill>
-                <a:latin typeface="Neue Haas Grotesk Text Pro"/>
-                <a:ea typeface="DejaVu Sans"/>
-              </a:rPr>
-              <a:t>g</a:t>
-            </a:r>
-            <a:r>
-              <a:rPr b="1" lang="de-DE" sz="4800" spc="-1" strike="noStrike">
-                <a:solidFill>
-                  <a:srgbClr val="000000"/>
-                </a:solidFill>
-                <a:latin typeface="Neue Haas Grotesk Text Pro"/>
-                <a:ea typeface="DejaVu Sans"/>
-              </a:rPr>
-              <a:t>e</a:t>
-            </a:r>
-            <a:r>
-              <a:rPr b="1" lang="de-DE" sz="4800" spc="-1" strike="noStrike">
-                <a:solidFill>
-                  <a:srgbClr val="000000"/>
-                </a:solidFill>
-                <a:latin typeface="Neue Haas Grotesk Text Pro"/>
-                <a:ea typeface="DejaVu Sans"/>
-              </a:rPr>
-              <a:t>n</a:t>
-            </a:r>
-            <a:r>
-              <a:rPr b="1" lang="de-DE" sz="4800" spc="-1" strike="noStrike">
-                <a:solidFill>
-                  <a:srgbClr val="000000"/>
-                </a:solidFill>
-                <a:latin typeface="Neue Haas Grotesk Text Pro"/>
-                <a:ea typeface="DejaVu Sans"/>
-              </a:rPr>
-              <a:t>d</a:t>
-            </a:r>
-            <a:r>
-              <a:rPr b="1" lang="de-DE" sz="4800" spc="-1" strike="noStrike">
-                <a:solidFill>
-                  <a:srgbClr val="000000"/>
-                </a:solidFill>
-                <a:latin typeface="Neue Haas Grotesk Text Pro"/>
-                <a:ea typeface="DejaVu Sans"/>
-              </a:rPr>
-              <a:t>a</a:t>
-            </a:r>
-            <a:endParaRPr b="0" lang="de-DE" sz="4800" spc="-1" strike="noStrike">
-              <a:solidFill>
-                <a:srgbClr val="000000"/>
-              </a:solidFill>
+            <a:endParaRPr b="0" lang="en-US" sz="4800" spc="-1" strike="noStrike">
               <a:latin typeface="Arial"/>
             </a:endParaRPr>
           </a:p>
@@ -26516,8 +24965,8 @@
         </p:nvSpPr>
         <p:spPr>
           <a:xfrm flipH="1" rot="21540000">
-            <a:off x="12238560" y="6838920"/>
-            <a:ext cx="22680" cy="16920"/>
+            <a:off x="12237480" y="6838560"/>
+            <a:ext cx="22320" cy="16560"/>
           </a:xfrm>
           <a:custGeom>
             <a:avLst/>
@@ -26569,7 +25018,7 @@
                 <a:srgbClr val="58eae3"/>
               </a:gs>
             </a:gsLst>
-            <a:lin ang="17940000"/>
+            <a:lin ang="14460000"/>
           </a:gradFill>
           <a:ln>
             <a:noFill/>
@@ -26603,7 +25052,7 @@
         <p:spPr>
           <a:xfrm>
             <a:off x="1066680" y="2736720"/>
-            <a:ext cx="5028120" cy="2977200"/>
+            <a:ext cx="5027760" cy="2976840"/>
           </a:xfrm>
           <a:prstGeom prst="rect">
             <a:avLst/>
@@ -26641,10 +25090,7 @@
               </a:rPr>
               <a:t>Zeichenroboter</a:t>
             </a:r>
-            <a:endParaRPr b="0" lang="de-DE" sz="1800" spc="-1" strike="noStrike">
-              <a:solidFill>
-                <a:srgbClr val="000000"/>
-              </a:solidFill>
+            <a:endParaRPr b="0" lang="en-US" sz="1800" spc="-1" strike="noStrike">
               <a:latin typeface="Arial"/>
             </a:endParaRPr>
           </a:p>
@@ -26672,10 +25118,7 @@
               </a:rPr>
               <a:t>Design</a:t>
             </a:r>
-            <a:endParaRPr b="0" lang="de-DE" sz="1800" spc="-1" strike="noStrike">
-              <a:solidFill>
-                <a:srgbClr val="000000"/>
-              </a:solidFill>
+            <a:endParaRPr b="0" lang="en-US" sz="1800" spc="-1" strike="noStrike">
               <a:latin typeface="Arial"/>
             </a:endParaRPr>
           </a:p>
@@ -26703,10 +25146,7 @@
               </a:rPr>
               <a:t>Elektronik</a:t>
             </a:r>
-            <a:endParaRPr b="0" lang="de-DE" sz="1800" spc="-1" strike="noStrike">
-              <a:solidFill>
-                <a:srgbClr val="000000"/>
-              </a:solidFill>
+            <a:endParaRPr b="0" lang="en-US" sz="1800" spc="-1" strike="noStrike">
               <a:latin typeface="Arial"/>
             </a:endParaRPr>
           </a:p>
@@ -26734,10 +25174,7 @@
               </a:rPr>
               <a:t>Software</a:t>
             </a:r>
-            <a:endParaRPr b="0" lang="de-DE" sz="1800" spc="-1" strike="noStrike">
-              <a:solidFill>
-                <a:srgbClr val="000000"/>
-              </a:solidFill>
+            <a:endParaRPr b="0" lang="en-US" sz="1800" spc="-1" strike="noStrike">
               <a:latin typeface="Arial"/>
             </a:endParaRPr>
           </a:p>
@@ -26765,10 +25202,7 @@
               </a:rPr>
               <a:t>Probleme</a:t>
             </a:r>
-            <a:endParaRPr b="0" lang="de-DE" sz="1800" spc="-1" strike="noStrike">
-              <a:solidFill>
-                <a:srgbClr val="000000"/>
-              </a:solidFill>
+            <a:endParaRPr b="0" lang="en-US" sz="1800" spc="-1" strike="noStrike">
               <a:latin typeface="Arial"/>
             </a:endParaRPr>
           </a:p>
@@ -26796,10 +25230,7 @@
               </a:rPr>
               <a:t>Fazit</a:t>
             </a:r>
-            <a:endParaRPr b="0" lang="de-DE" sz="1800" spc="-1" strike="noStrike">
-              <a:solidFill>
-                <a:srgbClr val="000000"/>
-              </a:solidFill>
+            <a:endParaRPr b="0" lang="en-US" sz="1800" spc="-1" strike="noStrike">
               <a:latin typeface="Arial"/>
             </a:endParaRPr>
           </a:p>
@@ -26813,10 +25244,7 @@
               </a:spcBef>
               <a:buNone/>
             </a:pPr>
-            <a:endParaRPr b="0" lang="de-DE" sz="1800" spc="-1" strike="noStrike">
-              <a:solidFill>
-                <a:srgbClr val="000000"/>
-              </a:solidFill>
+            <a:endParaRPr b="0" lang="en-US" sz="1800" spc="-1" strike="noStrike">
               <a:latin typeface="Arial"/>
             </a:endParaRPr>
           </a:p>
@@ -26830,10 +25258,7 @@
               </a:spcBef>
               <a:buNone/>
             </a:pPr>
-            <a:endParaRPr b="0" lang="de-DE" sz="1800" spc="-1" strike="noStrike">
-              <a:solidFill>
-                <a:srgbClr val="000000"/>
-              </a:solidFill>
+            <a:endParaRPr b="0" lang="en-US" sz="1800" spc="-1" strike="noStrike">
               <a:latin typeface="Arial"/>
             </a:endParaRPr>
           </a:p>
@@ -26885,7 +25310,7 @@
         <p:spPr>
           <a:xfrm>
             <a:off x="0" y="0"/>
-            <a:ext cx="12191040" cy="6856920"/>
+            <a:ext cx="12190680" cy="6856560"/>
           </a:xfrm>
           <a:prstGeom prst="rect">
             <a:avLst/>
@@ -26920,7 +25345,7 @@
         </p:nvSpPr>
         <p:spPr>
           <a:xfrm flipH="1" flipV="1">
-            <a:off x="-2160" y="-1440"/>
+            <a:off x="-2880" y="-2160"/>
             <a:ext cx="360" cy="360"/>
           </a:xfrm>
           <a:custGeom>
@@ -26973,7 +25398,7 @@
                 <a:srgbClr val="58eae3"/>
               </a:gs>
             </a:gsLst>
-            <a:lin ang="12000000"/>
+            <a:lin ang="1200000"/>
           </a:gradFill>
           <a:ln>
             <a:noFill/>
@@ -27003,7 +25428,7 @@
         <p:spPr>
           <a:xfrm>
             <a:off x="12191760" y="6660000"/>
-            <a:ext cx="360" cy="196920"/>
+            <a:ext cx="360" cy="196560"/>
           </a:xfrm>
           <a:custGeom>
             <a:avLst/>
@@ -27092,7 +25517,7 @@
         <p:spPr>
           <a:xfrm>
             <a:off x="720000" y="2340000"/>
-            <a:ext cx="10799640" cy="3457440"/>
+            <a:ext cx="10799280" cy="3457080"/>
           </a:xfrm>
           <a:prstGeom prst="rect">
             <a:avLst/>
@@ -27133,10 +25558,7 @@
               </a:rPr>
               <a:t>- Die Holzplatte verbogen → durch Dickere ersetzt</a:t>
             </a:r>
-            <a:endParaRPr b="0" lang="de-DE" sz="1800" spc="-1" strike="noStrike">
-              <a:solidFill>
-                <a:srgbClr val="000000"/>
-              </a:solidFill>
+            <a:endParaRPr b="0" lang="en-US" sz="1800" spc="-1" strike="noStrike">
               <a:latin typeface="Arial"/>
             </a:endParaRPr>
           </a:p>
@@ -27167,10 +25589,7 @@
               </a:rPr>
               <a:t>- Die Zahnstange instabil → stabileres Material verwendet</a:t>
             </a:r>
-            <a:endParaRPr b="0" lang="de-DE" sz="1800" spc="-1" strike="noStrike">
-              <a:solidFill>
-                <a:srgbClr val="000000"/>
-              </a:solidFill>
+            <a:endParaRPr b="0" lang="en-US" sz="1800" spc="-1" strike="noStrike">
               <a:latin typeface="Arial"/>
             </a:endParaRPr>
           </a:p>
@@ -27201,10 +25620,7 @@
               </a:rPr>
               <a:t>- Die Holzstangen verzogen sich → stark betroffene Teile neu ausgesägt</a:t>
             </a:r>
-            <a:endParaRPr b="0" lang="de-DE" sz="1800" spc="-1" strike="noStrike">
-              <a:solidFill>
-                <a:srgbClr val="000000"/>
-              </a:solidFill>
+            <a:endParaRPr b="0" lang="en-US" sz="1800" spc="-1" strike="noStrike">
               <a:latin typeface="Arial"/>
             </a:endParaRPr>
           </a:p>
@@ -27235,10 +25651,7 @@
               </a:rPr>
               <a:t>- Stift schreibt ungenau → ungelöst, denn Servo hat zu geringe Kraft</a:t>
             </a:r>
-            <a:endParaRPr b="0" lang="de-DE" sz="1800" spc="-1" strike="noStrike">
-              <a:solidFill>
-                <a:srgbClr val="000000"/>
-              </a:solidFill>
+            <a:endParaRPr b="0" lang="en-US" sz="1800" spc="-1" strike="noStrike">
               <a:latin typeface="Arial"/>
             </a:endParaRPr>
           </a:p>
@@ -27255,10 +25668,7 @@
                 <a:tab algn="l" pos="0"/>
               </a:tabLst>
             </a:pPr>
-            <a:endParaRPr b="0" lang="de-DE" sz="1800" spc="-1" strike="noStrike">
-              <a:solidFill>
-                <a:srgbClr val="000000"/>
-              </a:solidFill>
+            <a:endParaRPr b="0" lang="en-US" sz="1800" spc="-1" strike="noStrike">
               <a:latin typeface="Arial"/>
             </a:endParaRPr>
           </a:p>
@@ -27275,10 +25685,7 @@
                 <a:tab algn="l" pos="0"/>
               </a:tabLst>
             </a:pPr>
-            <a:endParaRPr b="0" lang="de-DE" sz="1800" spc="-1" strike="noStrike">
-              <a:solidFill>
-                <a:srgbClr val="000000"/>
-              </a:solidFill>
+            <a:endParaRPr b="0" lang="en-US" sz="1800" spc="-1" strike="noStrike">
               <a:latin typeface="Arial"/>
             </a:endParaRPr>
           </a:p>
@@ -27295,10 +25702,7 @@
                 <a:tab algn="l" pos="0"/>
               </a:tabLst>
             </a:pPr>
-            <a:endParaRPr b="0" lang="de-DE" sz="1800" spc="-1" strike="noStrike">
-              <a:solidFill>
-                <a:srgbClr val="000000"/>
-              </a:solidFill>
+            <a:endParaRPr b="0" lang="en-US" sz="1800" spc="-1" strike="noStrike">
               <a:latin typeface="Arial"/>
             </a:endParaRPr>
           </a:p>
@@ -27315,10 +25719,7 @@
                 <a:tab algn="l" pos="0"/>
               </a:tabLst>
             </a:pPr>
-            <a:endParaRPr b="0" lang="de-DE" sz="1800" spc="-1" strike="noStrike">
-              <a:solidFill>
-                <a:srgbClr val="000000"/>
-              </a:solidFill>
+            <a:endParaRPr b="0" lang="en-US" sz="1800" spc="-1" strike="noStrike">
               <a:latin typeface="Arial"/>
             </a:endParaRPr>
           </a:p>
@@ -27333,7 +25734,7 @@
         <p:spPr>
           <a:xfrm>
             <a:off x="3462480" y="311040"/>
-            <a:ext cx="5314680" cy="1256400"/>
+            <a:ext cx="5314320" cy="1256040"/>
           </a:xfrm>
           <a:prstGeom prst="rect">
             <a:avLst/>
@@ -27432,7 +25833,7 @@
         <p:spPr>
           <a:xfrm>
             <a:off x="360" y="0"/>
-            <a:ext cx="12191040" cy="6856920"/>
+            <a:ext cx="12190680" cy="6856560"/>
           </a:xfrm>
           <a:prstGeom prst="rect">
             <a:avLst/>
@@ -27472,7 +25873,7 @@
         <p:spPr>
           <a:xfrm>
             <a:off x="5047920" y="298440"/>
-            <a:ext cx="2201400" cy="1256400"/>
+            <a:ext cx="2201040" cy="1256040"/>
           </a:xfrm>
           <a:prstGeom prst="rect">
             <a:avLst/>
@@ -27503,10 +25904,7 @@
               </a:rPr>
               <a:t>Fazit</a:t>
             </a:r>
-            <a:endParaRPr b="0" lang="de-DE" sz="3600" spc="-1" strike="noStrike">
-              <a:solidFill>
-                <a:srgbClr val="000000"/>
-              </a:solidFill>
+            <a:endParaRPr b="0" lang="en-US" sz="3600" spc="-1" strike="noStrike">
               <a:latin typeface="Arial"/>
             </a:endParaRPr>
           </a:p>
@@ -27520,7 +25918,7 @@
         </p:nvSpPr>
         <p:spPr>
           <a:xfrm flipH="1" flipV="1">
-            <a:off x="-2160" y="-1440"/>
+            <a:off x="-2880" y="-2160"/>
             <a:ext cx="360" cy="360"/>
           </a:xfrm>
           <a:custGeom>
@@ -27573,7 +25971,7 @@
                 <a:srgbClr val="58eae3"/>
               </a:gs>
             </a:gsLst>
-            <a:lin ang="10800000"/>
+            <a:lin ang="0"/>
           </a:gradFill>
           <a:ln>
             <a:noFill/>
@@ -27607,7 +26005,7 @@
         <p:spPr>
           <a:xfrm>
             <a:off x="6148800" y="2340000"/>
-            <a:ext cx="5010840" cy="3103560"/>
+            <a:ext cx="5010480" cy="3103200"/>
           </a:xfrm>
           <a:prstGeom prst="rect">
             <a:avLst/>
@@ -27648,10 +26046,7 @@
               </a:rPr>
               <a:t>Verbesserungen :</a:t>
             </a:r>
-            <a:endParaRPr b="0" lang="de-DE" sz="1800" spc="-1" strike="noStrike">
-              <a:solidFill>
-                <a:srgbClr val="000000"/>
-              </a:solidFill>
+            <a:endParaRPr b="0" lang="en-US" sz="1800" spc="-1" strike="noStrike">
               <a:latin typeface="Arial"/>
             </a:endParaRPr>
           </a:p>
@@ -27682,10 +26077,7 @@
               </a:rPr>
               <a:t>1. Mehr Zeit nehmen um Kurvenzeichnung einzubauen </a:t>
             </a:r>
-            <a:endParaRPr b="0" lang="de-DE" sz="1800" spc="-1" strike="noStrike">
-              <a:solidFill>
-                <a:srgbClr val="000000"/>
-              </a:solidFill>
+            <a:endParaRPr b="0" lang="en-US" sz="1800" spc="-1" strike="noStrike">
               <a:latin typeface="Arial"/>
             </a:endParaRPr>
           </a:p>
@@ -27716,10 +26108,7 @@
               </a:rPr>
               <a:t>2. Einschichtiges Holz nehmen, hat uns Zeit gekostet</a:t>
             </a:r>
-            <a:endParaRPr b="0" lang="de-DE" sz="1800" spc="-1" strike="noStrike">
-              <a:solidFill>
-                <a:srgbClr val="000000"/>
-              </a:solidFill>
+            <a:endParaRPr b="0" lang="en-US" sz="1800" spc="-1" strike="noStrike">
               <a:latin typeface="Arial"/>
             </a:endParaRPr>
           </a:p>
@@ -27736,10 +26125,7 @@
                 <a:tab algn="l" pos="0"/>
               </a:tabLst>
             </a:pPr>
-            <a:endParaRPr b="0" lang="de-DE" sz="1800" spc="-1" strike="noStrike">
-              <a:solidFill>
-                <a:srgbClr val="000000"/>
-              </a:solidFill>
+            <a:endParaRPr b="0" lang="en-US" sz="1800" spc="-1" strike="noStrike">
               <a:latin typeface="Arial"/>
             </a:endParaRPr>
           </a:p>
@@ -27756,10 +26142,7 @@
                 <a:tab algn="l" pos="0"/>
               </a:tabLst>
             </a:pPr>
-            <a:endParaRPr b="0" lang="de-DE" sz="1800" spc="-1" strike="noStrike">
-              <a:solidFill>
-                <a:srgbClr val="000000"/>
-              </a:solidFill>
+            <a:endParaRPr b="0" lang="en-US" sz="1800" spc="-1" strike="noStrike">
               <a:latin typeface="Arial"/>
             </a:endParaRPr>
           </a:p>
@@ -27773,8 +26156,8 @@
         </p:nvSpPr>
         <p:spPr>
           <a:xfrm flipH="1">
-            <a:off x="12189600" y="6660000"/>
-            <a:ext cx="360" cy="196920"/>
+            <a:off x="12188880" y="6660000"/>
+            <a:ext cx="360" cy="196560"/>
           </a:xfrm>
           <a:custGeom>
             <a:avLst/>
@@ -27829,7 +26212,7 @@
                 <a:srgbClr val="58eae3"/>
               </a:gs>
             </a:gsLst>
-            <a:lin ang="4800000"/>
+            <a:lin ang="6000000"/>
           </a:gradFill>
           <a:ln>
             <a:noFill/>
@@ -27859,7 +26242,7 @@
         <p:spPr>
           <a:xfrm>
             <a:off x="1260000" y="2340000"/>
-            <a:ext cx="3599640" cy="2284200"/>
+            <a:ext cx="3599280" cy="2284200"/>
           </a:xfrm>
           <a:prstGeom prst="rect">
             <a:avLst/>
@@ -28042,7 +26425,7 @@
         <p:spPr>
           <a:xfrm>
             <a:off x="1652760" y="262080"/>
-            <a:ext cx="8885880" cy="952560"/>
+            <a:ext cx="8885520" cy="952200"/>
           </a:xfrm>
           <a:prstGeom prst="rect">
             <a:avLst/>
@@ -28073,10 +26456,7 @@
               </a:rPr>
               <a:t>Quellen </a:t>
             </a:r>
-            <a:endParaRPr b="0" lang="de-DE" sz="3200" spc="-1" strike="noStrike">
-              <a:solidFill>
-                <a:srgbClr val="000000"/>
-              </a:solidFill>
+            <a:endParaRPr b="0" lang="en-US" sz="3200" spc="-1" strike="noStrike">
               <a:latin typeface="Arial"/>
             </a:endParaRPr>
           </a:p>
@@ -28095,7 +26475,7 @@
         <p:spPr>
           <a:xfrm>
             <a:off x="1069920" y="2139840"/>
-            <a:ext cx="8882640" cy="3676680"/>
+            <a:ext cx="8882280" cy="3676320"/>
           </a:xfrm>
           <a:prstGeom prst="rect">
             <a:avLst/>
@@ -28135,10 +26515,7 @@
               </a:rPr>
               <a:t>https://res.cloudinary.com/rsc/image/upload/bo_1.5px_solid_white,b_auto,c_pad,dpr_2,f_auto,h_399,q_auto,w_710/c_pad,h_399,w_710/F5350467-01?pgw=1</a:t>
             </a:r>
-            <a:endParaRPr b="0" lang="de-DE" sz="1800" spc="-1" strike="noStrike">
-              <a:solidFill>
-                <a:srgbClr val="000000"/>
-              </a:solidFill>
+            <a:endParaRPr b="0" lang="en-US" sz="1800" spc="-1" strike="noStrike">
               <a:latin typeface="Arial"/>
             </a:endParaRPr>
           </a:p>
@@ -28168,10 +26545,7 @@
               </a:rPr>
               <a:t>https://res.cloudinary.com/rsc/image/upload/bo_1.5px_solid_white,b_auto,c_pad,dpr_2,f_auto,h_399,q_auto,w_710/c_pad,h_399,w_710/F5350467-01?pgw=1</a:t>
             </a:r>
-            <a:endParaRPr b="0" lang="de-DE" sz="1800" spc="-1" strike="noStrike">
-              <a:solidFill>
-                <a:srgbClr val="000000"/>
-              </a:solidFill>
+            <a:endParaRPr b="0" lang="en-US" sz="1800" spc="-1" strike="noStrike">
               <a:latin typeface="Arial"/>
             </a:endParaRPr>
           </a:p>
@@ -28201,10 +26575,7 @@
               </a:rPr>
               <a:t>https://content.instructables.com/FBR/49VP/K9K8H68U/FBR49VPK9K8H68U.jpg?auto=webp&amp;height=450&amp;md=c1b4d14eb5f3fa3febd84cff1035e02f</a:t>
             </a:r>
-            <a:endParaRPr b="0" lang="de-DE" sz="1800" spc="-1" strike="noStrike">
-              <a:solidFill>
-                <a:srgbClr val="000000"/>
-              </a:solidFill>
+            <a:endParaRPr b="0" lang="en-US" sz="1800" spc="-1" strike="noStrike">
               <a:latin typeface="Arial"/>
             </a:endParaRPr>
           </a:p>
@@ -28218,10 +26589,7 @@
               </a:spcBef>
               <a:buNone/>
             </a:pPr>
-            <a:endParaRPr b="0" lang="de-DE" sz="1800" spc="-1" strike="noStrike">
-              <a:solidFill>
-                <a:srgbClr val="000000"/>
-              </a:solidFill>
+            <a:endParaRPr b="0" lang="en-US" sz="1800" spc="-1" strike="noStrike">
               <a:latin typeface="Arial"/>
             </a:endParaRPr>
           </a:p>
@@ -28235,10 +26603,7 @@
               </a:spcBef>
               <a:buNone/>
             </a:pPr>
-            <a:endParaRPr b="0" lang="de-DE" sz="1800" spc="-1" strike="noStrike">
-              <a:solidFill>
-                <a:srgbClr val="000000"/>
-              </a:solidFill>
+            <a:endParaRPr b="0" lang="en-US" sz="1800" spc="-1" strike="noStrike">
               <a:latin typeface="Arial"/>
             </a:endParaRPr>
           </a:p>
@@ -28252,10 +26617,7 @@
               </a:spcBef>
               <a:buNone/>
             </a:pPr>
-            <a:endParaRPr b="0" lang="de-DE" sz="1800" spc="-1" strike="noStrike">
-              <a:solidFill>
-                <a:srgbClr val="000000"/>
-              </a:solidFill>
+            <a:endParaRPr b="0" lang="en-US" sz="1800" spc="-1" strike="noStrike">
               <a:latin typeface="Arial"/>
             </a:endParaRPr>
           </a:p>
@@ -28269,10 +26631,7 @@
               </a:spcBef>
               <a:buNone/>
             </a:pPr>
-            <a:endParaRPr b="0" lang="de-DE" sz="1800" spc="-1" strike="noStrike">
-              <a:solidFill>
-                <a:srgbClr val="000000"/>
-              </a:solidFill>
+            <a:endParaRPr b="0" lang="en-US" sz="1800" spc="-1" strike="noStrike">
               <a:latin typeface="Arial"/>
             </a:endParaRPr>
           </a:p>
@@ -28286,10 +26645,7 @@
               </a:spcBef>
               <a:buNone/>
             </a:pPr>
-            <a:endParaRPr b="0" lang="de-DE" sz="1800" spc="-1" strike="noStrike">
-              <a:solidFill>
-                <a:srgbClr val="000000"/>
-              </a:solidFill>
+            <a:endParaRPr b="0" lang="en-US" sz="1800" spc="-1" strike="noStrike">
               <a:latin typeface="Arial"/>
             </a:endParaRPr>
           </a:p>
@@ -28338,7 +26694,7 @@
         <p:spPr>
           <a:xfrm>
             <a:off x="3157560" y="936720"/>
-            <a:ext cx="6785280" cy="2720880"/>
+            <a:ext cx="6784920" cy="2720520"/>
           </a:xfrm>
           <a:prstGeom prst="rect">
             <a:avLst/>
@@ -28369,10 +26725,7 @@
               </a:rPr>
               <a:t>Danke für´s Zuhören</a:t>
             </a:r>
-            <a:endParaRPr b="0" lang="de-DE" sz="4800" spc="-1" strike="noStrike">
-              <a:solidFill>
-                <a:srgbClr val="000000"/>
-              </a:solidFill>
+            <a:endParaRPr b="0" lang="en-US" sz="4800" spc="-1" strike="noStrike">
               <a:latin typeface="Arial"/>
             </a:endParaRPr>
           </a:p>
@@ -28424,7 +26777,7 @@
         <p:spPr>
           <a:xfrm flipV="1" rot="33600">
             <a:off x="12192120" y="6824160"/>
-            <a:ext cx="15480" cy="14760"/>
+            <a:ext cx="15120" cy="14400"/>
           </a:xfrm>
           <a:custGeom>
             <a:avLst/>
@@ -28479,7 +26832,7 @@
                 <a:srgbClr val="58eae3"/>
               </a:gs>
             </a:gsLst>
-            <a:lin ang="20400000"/>
+            <a:lin ang="1200000"/>
           </a:gradFill>
           <a:ln>
             <a:noFill/>
@@ -28513,7 +26866,7 @@
         <p:spPr>
           <a:xfrm>
             <a:off x="2488320" y="499320"/>
-            <a:ext cx="7214760" cy="860760"/>
+            <a:ext cx="7214400" cy="860400"/>
           </a:xfrm>
           <a:prstGeom prst="rect">
             <a:avLst/>
@@ -28542,142 +26895,9 @@
                 <a:latin typeface="Neue Haas Grotesk Text Pro"/>
                 <a:ea typeface="DejaVu Sans"/>
               </a:rPr>
-              <a:t>Z</a:t>
+              <a:t>Zeichenroboter</a:t>
             </a:r>
-            <a:r>
-              <a:rPr b="1" lang="en-US" sz="3600" spc="-1" strike="noStrike">
-                <a:solidFill>
-                  <a:srgbClr val="000000"/>
-                </a:solidFill>
-                <a:latin typeface="Neue Haas Grotesk Text Pro"/>
-                <a:ea typeface="DejaVu Sans"/>
-              </a:rPr>
-              <a:t>e</a:t>
-            </a:r>
-            <a:r>
-              <a:rPr b="1" lang="en-US" sz="3600" spc="-1" strike="noStrike">
-                <a:solidFill>
-                  <a:srgbClr val="000000"/>
-                </a:solidFill>
-                <a:latin typeface="Neue Haas Grotesk Text Pro"/>
-                <a:ea typeface="DejaVu Sans"/>
-              </a:rPr>
-              <a:t>i</a:t>
-            </a:r>
-            <a:r>
-              <a:rPr b="1" lang="en-US" sz="3600" spc="-1" strike="noStrike">
-                <a:solidFill>
-                  <a:srgbClr val="000000"/>
-                </a:solidFill>
-                <a:latin typeface="Neue Haas Grotesk Text Pro"/>
-                <a:ea typeface="DejaVu Sans"/>
-              </a:rPr>
-              <a:t>c</a:t>
-            </a:r>
-            <a:r>
-              <a:rPr b="1" lang="en-US" sz="3600" spc="-1" strike="noStrike">
-                <a:solidFill>
-                  <a:srgbClr val="000000"/>
-                </a:solidFill>
-                <a:latin typeface="Neue Haas Grotesk Text Pro"/>
-                <a:ea typeface="DejaVu Sans"/>
-              </a:rPr>
-              <a:t>h</a:t>
-            </a:r>
-            <a:r>
-              <a:rPr b="1" lang="en-US" sz="3600" spc="-1" strike="noStrike">
-                <a:solidFill>
-                  <a:srgbClr val="000000"/>
-                </a:solidFill>
-                <a:latin typeface="Neue Haas Grotesk Text Pro"/>
-                <a:ea typeface="DejaVu Sans"/>
-              </a:rPr>
-              <a:t>e</a:t>
-            </a:r>
-            <a:r>
-              <a:rPr b="1" lang="en-US" sz="3600" spc="-1" strike="noStrike">
-                <a:solidFill>
-                  <a:srgbClr val="000000"/>
-                </a:solidFill>
-                <a:latin typeface="Neue Haas Grotesk Text Pro"/>
-                <a:ea typeface="DejaVu Sans"/>
-              </a:rPr>
-              <a:t>n</a:t>
-            </a:r>
-            <a:r>
-              <a:rPr b="1" lang="en-US" sz="3600" spc="-1" strike="noStrike">
-                <a:solidFill>
-                  <a:srgbClr val="000000"/>
-                </a:solidFill>
-                <a:latin typeface="Neue Haas Grotesk Text Pro"/>
-                <a:ea typeface="DejaVu Sans"/>
-              </a:rPr>
-              <a:t>r</a:t>
-            </a:r>
-            <a:r>
-              <a:rPr b="1" lang="en-US" sz="3600" spc="-1" strike="noStrike">
-                <a:solidFill>
-                  <a:srgbClr val="000000"/>
-                </a:solidFill>
-                <a:latin typeface="Neue Haas Grotesk Text Pro"/>
-                <a:ea typeface="DejaVu Sans"/>
-              </a:rPr>
-              <a:t>o</a:t>
-            </a:r>
-            <a:r>
-              <a:rPr b="1" lang="en-US" sz="3600" spc="-1" strike="noStrike">
-                <a:solidFill>
-                  <a:srgbClr val="000000"/>
-                </a:solidFill>
-                <a:latin typeface="Neue Haas Grotesk Text Pro"/>
-                <a:ea typeface="DejaVu Sans"/>
-              </a:rPr>
-              <a:t>b</a:t>
-            </a:r>
-            <a:r>
-              <a:rPr b="1" lang="en-US" sz="3600" spc="-1" strike="noStrike">
-                <a:solidFill>
-                  <a:srgbClr val="000000"/>
-                </a:solidFill>
-                <a:latin typeface="Neue Haas Grotesk Text Pro"/>
-                <a:ea typeface="DejaVu Sans"/>
-              </a:rPr>
-              <a:t>o</a:t>
-            </a:r>
-            <a:r>
-              <a:rPr b="1" lang="en-US" sz="3600" spc="-1" strike="noStrike">
-                <a:solidFill>
-                  <a:srgbClr val="000000"/>
-                </a:solidFill>
-                <a:latin typeface="Neue Haas Grotesk Text Pro"/>
-                <a:ea typeface="DejaVu Sans"/>
-              </a:rPr>
-              <a:t>t</a:t>
-            </a:r>
-            <a:r>
-              <a:rPr b="1" lang="en-US" sz="3600" spc="-1" strike="noStrike">
-                <a:solidFill>
-                  <a:srgbClr val="000000"/>
-                </a:solidFill>
-                <a:latin typeface="Neue Haas Grotesk Text Pro"/>
-                <a:ea typeface="DejaVu Sans"/>
-              </a:rPr>
-              <a:t>e</a:t>
-            </a:r>
-            <a:r>
-              <a:rPr b="1" lang="en-US" sz="3600" spc="-1" strike="noStrike">
-                <a:solidFill>
-                  <a:srgbClr val="000000"/>
-                </a:solidFill>
-                <a:latin typeface="Neue Haas Grotesk Text Pro"/>
-                <a:ea typeface="DejaVu Sans"/>
-              </a:rPr>
-              <a:t>r</a:t>
-            </a:r>
-            <a:endParaRPr b="0" lang="de-DE" sz="3600" spc="-1" strike="noStrike">
-              <a:solidFill>
-                <a:srgbClr val="000000"/>
-              </a:solidFill>
+            <a:endParaRPr b="0" lang="en-US" sz="3600" spc="-1" strike="noStrike">
               <a:latin typeface="Arial"/>
             </a:endParaRPr>
           </a:p>
@@ -28691,8 +26911,8 @@
         </p:nvSpPr>
         <p:spPr>
           <a:xfrm flipH="1" flipV="1" rot="60000">
-            <a:off x="12238200" y="6856200"/>
-            <a:ext cx="16560" cy="360"/>
+            <a:off x="12237120" y="6856200"/>
+            <a:ext cx="16200" cy="360"/>
           </a:xfrm>
           <a:custGeom>
             <a:avLst/>
@@ -28747,7 +26967,7 @@
                 <a:srgbClr val="58eae3"/>
               </a:gs>
             </a:gsLst>
-            <a:lin ang="17940000"/>
+            <a:lin ang="7140000"/>
           </a:gradFill>
           <a:ln>
             <a:noFill/>
@@ -28781,7 +27001,7 @@
         <p:spPr>
           <a:xfrm>
             <a:off x="1066680" y="2564640"/>
-            <a:ext cx="6814440" cy="2932560"/>
+            <a:ext cx="6814080" cy="2932200"/>
           </a:xfrm>
           <a:prstGeom prst="rect">
             <a:avLst/>
@@ -28819,10 +27039,7 @@
               </a:rPr>
               <a:t>zeichnet mithilfe eines Programms selbstständig</a:t>
             </a:r>
-            <a:endParaRPr b="0" lang="de-DE" sz="2000" spc="-1" strike="noStrike">
-              <a:solidFill>
-                <a:srgbClr val="000000"/>
-              </a:solidFill>
+            <a:endParaRPr b="0" lang="en-US" sz="2000" spc="-1" strike="noStrike">
               <a:latin typeface="Arial"/>
             </a:endParaRPr>
           </a:p>
@@ -28850,10 +27067,7 @@
               </a:rPr>
               <a:t>Einsetzung in der Industrie und Architektur</a:t>
             </a:r>
-            <a:endParaRPr b="0" lang="de-DE" sz="2000" spc="-1" strike="noStrike">
-              <a:solidFill>
-                <a:srgbClr val="000000"/>
-              </a:solidFill>
+            <a:endParaRPr b="0" lang="en-US" sz="2000" spc="-1" strike="noStrike">
               <a:latin typeface="Arial"/>
             </a:endParaRPr>
           </a:p>
@@ -28881,10 +27095,7 @@
               </a:rPr>
               <a:t>elektrisch angetriebene Maschine</a:t>
             </a:r>
-            <a:endParaRPr b="0" lang="de-DE" sz="2000" spc="-1" strike="noStrike">
-              <a:solidFill>
-                <a:srgbClr val="000000"/>
-              </a:solidFill>
+            <a:endParaRPr b="0" lang="en-US" sz="2000" spc="-1" strike="noStrike">
               <a:latin typeface="Arial"/>
             </a:endParaRPr>
           </a:p>
@@ -28901,10 +27112,7 @@
                 <a:tab algn="l" pos="0"/>
               </a:tabLst>
             </a:pPr>
-            <a:endParaRPr b="0" lang="de-DE" sz="2000" spc="-1" strike="noStrike">
-              <a:solidFill>
-                <a:srgbClr val="000000"/>
-              </a:solidFill>
+            <a:endParaRPr b="0" lang="en-US" sz="2000" spc="-1" strike="noStrike">
               <a:latin typeface="Arial"/>
             </a:endParaRPr>
           </a:p>
@@ -28921,10 +27129,7 @@
                 <a:tab algn="l" pos="0"/>
               </a:tabLst>
             </a:pPr>
-            <a:endParaRPr b="0" lang="de-DE" sz="2000" spc="-1" strike="noStrike">
-              <a:solidFill>
-                <a:srgbClr val="000000"/>
-              </a:solidFill>
+            <a:endParaRPr b="0" lang="en-US" sz="2000" spc="-1" strike="noStrike">
               <a:latin typeface="Arial"/>
             </a:endParaRPr>
           </a:p>
@@ -28943,7 +27148,7 @@
         <p:spPr>
           <a:xfrm>
             <a:off x="7740000" y="3420000"/>
-            <a:ext cx="3239640" cy="3059640"/>
+            <a:ext cx="3239280" cy="3059280"/>
           </a:xfrm>
           <a:prstGeom prst="rect">
             <a:avLst/>
@@ -28996,7 +27201,7 @@
         <p:spPr>
           <a:xfrm>
             <a:off x="204120" y="1744560"/>
-            <a:ext cx="6016680" cy="4254480"/>
+            <a:ext cx="6016320" cy="4254120"/>
           </a:xfrm>
           <a:prstGeom prst="rect">
             <a:avLst/>
@@ -29019,7 +27224,7 @@
         <p:spPr>
           <a:xfrm>
             <a:off x="1652760" y="665640"/>
-            <a:ext cx="8885880" cy="669960"/>
+            <a:ext cx="8885520" cy="669600"/>
           </a:xfrm>
           <a:prstGeom prst="rect">
             <a:avLst/>
@@ -29048,82 +27253,9 @@
                 <a:latin typeface="Neue Haas Grotesk Text Pro"/>
                 <a:ea typeface="DejaVu Sans"/>
               </a:rPr>
-              <a:t>D</a:t>
+              <a:t>Designs </a:t>
             </a:r>
-            <a:r>
-              <a:rPr b="1" lang="de-DE" sz="3600" spc="-1" strike="noStrike">
-                <a:solidFill>
-                  <a:srgbClr val="000000"/>
-                </a:solidFill>
-                <a:latin typeface="Neue Haas Grotesk Text Pro"/>
-                <a:ea typeface="DejaVu Sans"/>
-              </a:rPr>
-              <a:t>e</a:t>
-            </a:r>
-            <a:r>
-              <a:rPr b="1" lang="de-DE" sz="3600" spc="-1" strike="noStrike">
-                <a:solidFill>
-                  <a:srgbClr val="000000"/>
-                </a:solidFill>
-                <a:latin typeface="Neue Haas Grotesk Text Pro"/>
-                <a:ea typeface="DejaVu Sans"/>
-              </a:rPr>
-              <a:t>s</a:t>
-            </a:r>
-            <a:r>
-              <a:rPr b="1" lang="de-DE" sz="3600" spc="-1" strike="noStrike">
-                <a:solidFill>
-                  <a:srgbClr val="000000"/>
-                </a:solidFill>
-                <a:latin typeface="Neue Haas Grotesk Text Pro"/>
-                <a:ea typeface="DejaVu Sans"/>
-              </a:rPr>
-              <a:t>i</a:t>
-            </a:r>
-            <a:r>
-              <a:rPr b="1" lang="de-DE" sz="3600" spc="-1" strike="noStrike">
-                <a:solidFill>
-                  <a:srgbClr val="000000"/>
-                </a:solidFill>
-                <a:latin typeface="Neue Haas Grotesk Text Pro"/>
-                <a:ea typeface="DejaVu Sans"/>
-              </a:rPr>
-              <a:t>g</a:t>
-            </a:r>
-            <a:r>
-              <a:rPr b="1" lang="de-DE" sz="3600" spc="-1" strike="noStrike">
-                <a:solidFill>
-                  <a:srgbClr val="000000"/>
-                </a:solidFill>
-                <a:latin typeface="Neue Haas Grotesk Text Pro"/>
-                <a:ea typeface="DejaVu Sans"/>
-              </a:rPr>
-              <a:t>n</a:t>
-            </a:r>
-            <a:r>
-              <a:rPr b="1" lang="de-DE" sz="3600" spc="-1" strike="noStrike">
-                <a:solidFill>
-                  <a:srgbClr val="000000"/>
-                </a:solidFill>
-                <a:latin typeface="Neue Haas Grotesk Text Pro"/>
-                <a:ea typeface="DejaVu Sans"/>
-              </a:rPr>
-              <a:t>s</a:t>
-            </a:r>
-            <a:r>
-              <a:rPr b="1" lang="de-DE" sz="3600" spc="-1" strike="noStrike">
-                <a:solidFill>
-                  <a:srgbClr val="000000"/>
-                </a:solidFill>
-                <a:latin typeface="Neue Haas Grotesk Text Pro"/>
-                <a:ea typeface="DejaVu Sans"/>
-              </a:rPr>
-              <a:t> </a:t>
-            </a:r>
-            <a:endParaRPr b="0" lang="de-DE" sz="3600" spc="-1" strike="noStrike">
-              <a:solidFill>
-                <a:srgbClr val="000000"/>
-              </a:solidFill>
+            <a:endParaRPr b="0" lang="en-US" sz="3600" spc="-1" strike="noStrike">
               <a:latin typeface="Arial"/>
             </a:endParaRPr>
           </a:p>
@@ -29142,7 +27274,7 @@
         <p:spPr>
           <a:xfrm>
             <a:off x="7067520" y="2027160"/>
-            <a:ext cx="4919400" cy="3689280"/>
+            <a:ext cx="4919040" cy="3688920"/>
           </a:xfrm>
           <a:prstGeom prst="rect">
             <a:avLst/>
@@ -29195,7 +27327,7 @@
         <p:spPr>
           <a:xfrm>
             <a:off x="1694520" y="832680"/>
-            <a:ext cx="8310240" cy="5876640"/>
+            <a:ext cx="8309880" cy="5876280"/>
           </a:xfrm>
           <a:prstGeom prst="rect">
             <a:avLst/>
@@ -29218,7 +27350,7 @@
         <p:spPr>
           <a:xfrm>
             <a:off x="1652760" y="383040"/>
-            <a:ext cx="8885880" cy="952560"/>
+            <a:ext cx="8885520" cy="952200"/>
           </a:xfrm>
           <a:prstGeom prst="rect">
             <a:avLst/>
@@ -29247,72 +27379,9 @@
                 <a:latin typeface="Neue Haas Grotesk Text Pro"/>
                 <a:ea typeface="DejaVu Sans"/>
               </a:rPr>
-              <a:t>D</a:t>
+              <a:t>Design </a:t>
             </a:r>
-            <a:r>
-              <a:rPr b="1" lang="de-DE" sz="3600" spc="-1" strike="noStrike">
-                <a:solidFill>
-                  <a:srgbClr val="000000"/>
-                </a:solidFill>
-                <a:latin typeface="Neue Haas Grotesk Text Pro"/>
-                <a:ea typeface="DejaVu Sans"/>
-              </a:rPr>
-              <a:t>e</a:t>
-            </a:r>
-            <a:r>
-              <a:rPr b="1" lang="de-DE" sz="3600" spc="-1" strike="noStrike">
-                <a:solidFill>
-                  <a:srgbClr val="000000"/>
-                </a:solidFill>
-                <a:latin typeface="Neue Haas Grotesk Text Pro"/>
-                <a:ea typeface="DejaVu Sans"/>
-              </a:rPr>
-              <a:t>s</a:t>
-            </a:r>
-            <a:r>
-              <a:rPr b="1" lang="de-DE" sz="3600" spc="-1" strike="noStrike">
-                <a:solidFill>
-                  <a:srgbClr val="000000"/>
-                </a:solidFill>
-                <a:latin typeface="Neue Haas Grotesk Text Pro"/>
-                <a:ea typeface="DejaVu Sans"/>
-              </a:rPr>
-              <a:t>i</a:t>
-            </a:r>
-            <a:r>
-              <a:rPr b="1" lang="de-DE" sz="3600" spc="-1" strike="noStrike">
-                <a:solidFill>
-                  <a:srgbClr val="000000"/>
-                </a:solidFill>
-                <a:latin typeface="Neue Haas Grotesk Text Pro"/>
-                <a:ea typeface="DejaVu Sans"/>
-              </a:rPr>
-              <a:t>g</a:t>
-            </a:r>
-            <a:r>
-              <a:rPr b="1" lang="de-DE" sz="3600" spc="-1" strike="noStrike">
-                <a:solidFill>
-                  <a:srgbClr val="000000"/>
-                </a:solidFill>
-                <a:latin typeface="Neue Haas Grotesk Text Pro"/>
-                <a:ea typeface="DejaVu Sans"/>
-              </a:rPr>
-              <a:t>n</a:t>
-            </a:r>
-            <a:r>
-              <a:rPr b="1" lang="de-DE" sz="3600" spc="-1" strike="noStrike">
-                <a:solidFill>
-                  <a:srgbClr val="000000"/>
-                </a:solidFill>
-                <a:latin typeface="Neue Haas Grotesk Text Pro"/>
-                <a:ea typeface="DejaVu Sans"/>
-              </a:rPr>
-              <a:t> </a:t>
-            </a:r>
-            <a:endParaRPr b="0" lang="de-DE" sz="3600" spc="-1" strike="noStrike">
-              <a:solidFill>
-                <a:srgbClr val="000000"/>
-              </a:solidFill>
+            <a:endParaRPr b="0" lang="en-US" sz="3600" spc="-1" strike="noStrike">
               <a:latin typeface="Arial"/>
             </a:endParaRPr>
           </a:p>
@@ -29361,7 +27430,7 @@
         <p:spPr>
           <a:xfrm>
             <a:off x="2595240" y="2491560"/>
-            <a:ext cx="7000560" cy="4950360"/>
+            <a:ext cx="7000200" cy="4950000"/>
           </a:xfrm>
           <a:prstGeom prst="rect">
             <a:avLst/>
@@ -29384,7 +27453,7 @@
         <p:spPr>
           <a:xfrm>
             <a:off x="1652760" y="416160"/>
-            <a:ext cx="8885880" cy="952560"/>
+            <a:ext cx="8885520" cy="952200"/>
           </a:xfrm>
           <a:prstGeom prst="rect">
             <a:avLst/>
@@ -29413,72 +27482,9 @@
                 <a:latin typeface="Neue Haas Grotesk Text Pro"/>
                 <a:ea typeface="DejaVu Sans"/>
               </a:rPr>
-              <a:t>D</a:t>
+              <a:t>Design </a:t>
             </a:r>
-            <a:r>
-              <a:rPr b="1" lang="de-DE" sz="3600" spc="-1" strike="noStrike">
-                <a:solidFill>
-                  <a:srgbClr val="000000"/>
-                </a:solidFill>
-                <a:latin typeface="Neue Haas Grotesk Text Pro"/>
-                <a:ea typeface="DejaVu Sans"/>
-              </a:rPr>
-              <a:t>e</a:t>
-            </a:r>
-            <a:r>
-              <a:rPr b="1" lang="de-DE" sz="3600" spc="-1" strike="noStrike">
-                <a:solidFill>
-                  <a:srgbClr val="000000"/>
-                </a:solidFill>
-                <a:latin typeface="Neue Haas Grotesk Text Pro"/>
-                <a:ea typeface="DejaVu Sans"/>
-              </a:rPr>
-              <a:t>s</a:t>
-            </a:r>
-            <a:r>
-              <a:rPr b="1" lang="de-DE" sz="3600" spc="-1" strike="noStrike">
-                <a:solidFill>
-                  <a:srgbClr val="000000"/>
-                </a:solidFill>
-                <a:latin typeface="Neue Haas Grotesk Text Pro"/>
-                <a:ea typeface="DejaVu Sans"/>
-              </a:rPr>
-              <a:t>i</a:t>
-            </a:r>
-            <a:r>
-              <a:rPr b="1" lang="de-DE" sz="3600" spc="-1" strike="noStrike">
-                <a:solidFill>
-                  <a:srgbClr val="000000"/>
-                </a:solidFill>
-                <a:latin typeface="Neue Haas Grotesk Text Pro"/>
-                <a:ea typeface="DejaVu Sans"/>
-              </a:rPr>
-              <a:t>g</a:t>
-            </a:r>
-            <a:r>
-              <a:rPr b="1" lang="de-DE" sz="3600" spc="-1" strike="noStrike">
-                <a:solidFill>
-                  <a:srgbClr val="000000"/>
-                </a:solidFill>
-                <a:latin typeface="Neue Haas Grotesk Text Pro"/>
-                <a:ea typeface="DejaVu Sans"/>
-              </a:rPr>
-              <a:t>n</a:t>
-            </a:r>
-            <a:r>
-              <a:rPr b="1" lang="de-DE" sz="3600" spc="-1" strike="noStrike">
-                <a:solidFill>
-                  <a:srgbClr val="000000"/>
-                </a:solidFill>
-                <a:latin typeface="Neue Haas Grotesk Text Pro"/>
-                <a:ea typeface="DejaVu Sans"/>
-              </a:rPr>
-              <a:t> </a:t>
-            </a:r>
-            <a:endParaRPr b="0" lang="de-DE" sz="3600" spc="-1" strike="noStrike">
-              <a:solidFill>
-                <a:srgbClr val="000000"/>
-              </a:solidFill>
+            <a:endParaRPr b="0" lang="en-US" sz="3600" spc="-1" strike="noStrike">
               <a:latin typeface="Arial"/>
             </a:endParaRPr>
           </a:p>
@@ -29497,7 +27503,7 @@
         <p:spPr>
           <a:xfrm>
             <a:off x="1069920" y="2139840"/>
-            <a:ext cx="8882640" cy="3676680"/>
+            <a:ext cx="8882280" cy="3676320"/>
           </a:xfrm>
           <a:prstGeom prst="rect">
             <a:avLst/>
@@ -29535,10 +27541,7 @@
               </a:rPr>
               <a:t>zwei schienen je Achse </a:t>
             </a:r>
-            <a:endParaRPr b="0" lang="de-DE" sz="1800" spc="-1" strike="noStrike">
-              <a:solidFill>
-                <a:srgbClr val="000000"/>
-              </a:solidFill>
+            <a:endParaRPr b="0" lang="en-US" sz="1800" spc="-1" strike="noStrike">
               <a:latin typeface="Arial"/>
             </a:endParaRPr>
           </a:p>
@@ -29576,10 +27579,7 @@
               </a:rPr>
               <a:t>Plattform mit seitlichen Holzstäbe schränkt die Bewegung ein </a:t>
             </a:r>
-            <a:endParaRPr b="0" lang="de-DE" sz="1800" spc="-1" strike="noStrike">
-              <a:solidFill>
-                <a:srgbClr val="000000"/>
-              </a:solidFill>
+            <a:endParaRPr b="0" lang="en-US" sz="1800" spc="-1" strike="noStrike">
               <a:latin typeface="Arial"/>
             </a:endParaRPr>
           </a:p>
@@ -29607,10 +27607,7 @@
               </a:rPr>
               <a:t>Schrittmotor mit einen Zahnrad bewegt y Achse bzw. den Stift</a:t>
             </a:r>
-            <a:endParaRPr b="0" lang="de-DE" sz="1800" spc="-1" strike="noStrike">
-              <a:solidFill>
-                <a:srgbClr val="000000"/>
-              </a:solidFill>
+            <a:endParaRPr b="0" lang="en-US" sz="1800" spc="-1" strike="noStrike">
               <a:latin typeface="Arial"/>
             </a:endParaRPr>
           </a:p>
@@ -29659,7 +27656,7 @@
         <p:spPr>
           <a:xfrm>
             <a:off x="2595240" y="2491560"/>
-            <a:ext cx="7000560" cy="4950360"/>
+            <a:ext cx="7000200" cy="4950000"/>
           </a:xfrm>
           <a:prstGeom prst="rect">
             <a:avLst/>
@@ -29682,7 +27679,7 @@
         <p:spPr>
           <a:xfrm>
             <a:off x="1652760" y="433440"/>
-            <a:ext cx="8885880" cy="952560"/>
+            <a:ext cx="8885520" cy="952200"/>
           </a:xfrm>
           <a:prstGeom prst="rect">
             <a:avLst/>
@@ -29711,57 +27708,7 @@
                 <a:latin typeface="Neue Haas Grotesk Text Pro"/>
                 <a:ea typeface="DejaVu Sans"/>
               </a:rPr>
-              <a:t>D</a:t>
-            </a:r>
-            <a:r>
-              <a:rPr b="1" lang="de-DE" sz="3600" spc="-1" strike="noStrike">
-                <a:solidFill>
-                  <a:srgbClr val="000000"/>
-                </a:solidFill>
-                <a:latin typeface="Neue Haas Grotesk Text Pro"/>
-                <a:ea typeface="DejaVu Sans"/>
-              </a:rPr>
-              <a:t>e</a:t>
-            </a:r>
-            <a:r>
-              <a:rPr b="1" lang="de-DE" sz="3600" spc="-1" strike="noStrike">
-                <a:solidFill>
-                  <a:srgbClr val="000000"/>
-                </a:solidFill>
-                <a:latin typeface="Neue Haas Grotesk Text Pro"/>
-                <a:ea typeface="DejaVu Sans"/>
-              </a:rPr>
-              <a:t>s</a:t>
-            </a:r>
-            <a:r>
-              <a:rPr b="1" lang="de-DE" sz="3600" spc="-1" strike="noStrike">
-                <a:solidFill>
-                  <a:srgbClr val="000000"/>
-                </a:solidFill>
-                <a:latin typeface="Neue Haas Grotesk Text Pro"/>
-                <a:ea typeface="DejaVu Sans"/>
-              </a:rPr>
-              <a:t>i</a:t>
-            </a:r>
-            <a:r>
-              <a:rPr b="1" lang="de-DE" sz="3600" spc="-1" strike="noStrike">
-                <a:solidFill>
-                  <a:srgbClr val="000000"/>
-                </a:solidFill>
-                <a:latin typeface="Neue Haas Grotesk Text Pro"/>
-                <a:ea typeface="DejaVu Sans"/>
-              </a:rPr>
-              <a:t>g</a:t>
-            </a:r>
-            <a:r>
-              <a:rPr b="1" lang="de-DE" sz="3600" spc="-1" strike="noStrike">
-                <a:solidFill>
-                  <a:srgbClr val="000000"/>
-                </a:solidFill>
-                <a:latin typeface="Neue Haas Grotesk Text Pro"/>
-                <a:ea typeface="DejaVu Sans"/>
-              </a:rPr>
-              <a:t>n</a:t>
+              <a:t>Design</a:t>
             </a:r>
             <a:r>
               <a:rPr b="1" lang="de-DE" sz="3200" spc="-1" strike="noStrike">
@@ -29773,10 +27720,7 @@
               </a:rPr>
               <a:t> </a:t>
             </a:r>
-            <a:endParaRPr b="0" lang="de-DE" sz="3200" spc="-1" strike="noStrike">
-              <a:solidFill>
-                <a:srgbClr val="000000"/>
-              </a:solidFill>
+            <a:endParaRPr b="0" lang="en-US" sz="3200" spc="-1" strike="noStrike">
               <a:latin typeface="Arial"/>
             </a:endParaRPr>
           </a:p>
@@ -29795,7 +27739,7 @@
         <p:spPr>
           <a:xfrm>
             <a:off x="1069920" y="2139840"/>
-            <a:ext cx="8882640" cy="3676680"/>
+            <a:ext cx="8882280" cy="3676320"/>
           </a:xfrm>
           <a:prstGeom prst="rect">
             <a:avLst/>
@@ -29833,10 +27777,7 @@
               </a:rPr>
               <a:t>Durch die Drehbewegung eines Servos wird der Stift gedreht und hat somit keinen Kontakt mit der Oberfläche </a:t>
             </a:r>
-            <a:endParaRPr b="0" lang="de-DE" sz="1800" spc="-1" strike="noStrike">
-              <a:solidFill>
-                <a:srgbClr val="000000"/>
-              </a:solidFill>
+            <a:endParaRPr b="0" lang="en-US" sz="1800" spc="-1" strike="noStrike">
               <a:latin typeface="Arial"/>
             </a:endParaRPr>
           </a:p>
@@ -29850,10 +27791,7 @@
               </a:spcBef>
               <a:buNone/>
             </a:pPr>
-            <a:endParaRPr b="0" lang="de-DE" sz="1800" spc="-1" strike="noStrike">
-              <a:solidFill>
-                <a:srgbClr val="000000"/>
-              </a:solidFill>
+            <a:endParaRPr b="0" lang="en-US" sz="1800" spc="-1" strike="noStrike">
               <a:latin typeface="Arial"/>
             </a:endParaRPr>
           </a:p>
@@ -29902,7 +27840,7 @@
         <p:spPr>
           <a:xfrm>
             <a:off x="5511600" y="2602440"/>
-            <a:ext cx="6670800" cy="3748320"/>
+            <a:ext cx="6670440" cy="3747960"/>
           </a:xfrm>
           <a:prstGeom prst="rect">
             <a:avLst/>
@@ -29925,7 +27863,7 @@
         <p:spPr>
           <a:xfrm>
             <a:off x="1652760" y="374400"/>
-            <a:ext cx="8885880" cy="952560"/>
+            <a:ext cx="8885520" cy="952200"/>
           </a:xfrm>
           <a:prstGeom prst="rect">
             <a:avLst/>
@@ -29954,112 +27892,9 @@
                 <a:latin typeface="Neue Haas Grotesk Text Pro"/>
                 <a:ea typeface="DejaVu Sans"/>
               </a:rPr>
-              <a:t>E</a:t>
+              <a:t>Elektronik </a:t>
             </a:r>
-            <a:r>
-              <a:rPr b="1" lang="de-DE" sz="3600" spc="-1" strike="noStrike">
-                <a:solidFill>
-                  <a:srgbClr val="000000"/>
-                </a:solidFill>
-                <a:latin typeface="Neue Haas Grotesk Text Pro"/>
-                <a:ea typeface="DejaVu Sans"/>
-              </a:rPr>
-              <a:t>l</a:t>
-            </a:r>
-            <a:r>
-              <a:rPr b="1" lang="de-DE" sz="3600" spc="-1" strike="noStrike">
-                <a:solidFill>
-                  <a:srgbClr val="000000"/>
-                </a:solidFill>
-                <a:latin typeface="Neue Haas Grotesk Text Pro"/>
-                <a:ea typeface="DejaVu Sans"/>
-              </a:rPr>
-              <a:t>e</a:t>
-            </a:r>
-            <a:r>
-              <a:rPr b="1" lang="de-DE" sz="3600" spc="-1" strike="noStrike">
-                <a:solidFill>
-                  <a:srgbClr val="000000"/>
-                </a:solidFill>
-                <a:latin typeface="Neue Haas Grotesk Text Pro"/>
-                <a:ea typeface="DejaVu Sans"/>
-              </a:rPr>
-              <a:t>k</a:t>
-            </a:r>
-            <a:r>
-              <a:rPr b="1" lang="de-DE" sz="3600" spc="-1" strike="noStrike">
-                <a:solidFill>
-                  <a:srgbClr val="000000"/>
-                </a:solidFill>
-                <a:latin typeface="Neue Haas Grotesk Text Pro"/>
-                <a:ea typeface="DejaVu Sans"/>
-              </a:rPr>
-              <a:t>t</a:t>
-            </a:r>
-            <a:r>
-              <a:rPr b="1" lang="de-DE" sz="3600" spc="-1" strike="noStrike">
-                <a:solidFill>
-                  <a:srgbClr val="000000"/>
-                </a:solidFill>
-                <a:latin typeface="Neue Haas Grotesk Text Pro"/>
-                <a:ea typeface="DejaVu Sans"/>
-              </a:rPr>
-              <a:t>r</a:t>
-            </a:r>
-            <a:r>
-              <a:rPr b="1" lang="de-DE" sz="3600" spc="-1" strike="noStrike">
-                <a:solidFill>
-                  <a:srgbClr val="000000"/>
-                </a:solidFill>
-                <a:latin typeface="Neue Haas Grotesk Text Pro"/>
-                <a:ea typeface="DejaVu Sans"/>
-              </a:rPr>
-              <a:t>o</a:t>
-            </a:r>
-            <a:r>
-              <a:rPr b="1" lang="de-DE" sz="3600" spc="-1" strike="noStrike">
-                <a:solidFill>
-                  <a:srgbClr val="000000"/>
-                </a:solidFill>
-                <a:latin typeface="Neue Haas Grotesk Text Pro"/>
-                <a:ea typeface="DejaVu Sans"/>
-              </a:rPr>
-              <a:t>n</a:t>
-            </a:r>
-            <a:r>
-              <a:rPr b="1" lang="de-DE" sz="3600" spc="-1" strike="noStrike">
-                <a:solidFill>
-                  <a:srgbClr val="000000"/>
-                </a:solidFill>
-                <a:latin typeface="Neue Haas Grotesk Text Pro"/>
-                <a:ea typeface="DejaVu Sans"/>
-              </a:rPr>
-              <a:t>i</a:t>
-            </a:r>
-            <a:r>
-              <a:rPr b="1" lang="de-DE" sz="3600" spc="-1" strike="noStrike">
-                <a:solidFill>
-                  <a:srgbClr val="000000"/>
-                </a:solidFill>
-                <a:latin typeface="Neue Haas Grotesk Text Pro"/>
-                <a:ea typeface="DejaVu Sans"/>
-              </a:rPr>
-              <a:t>k</a:t>
-            </a:r>
-            <a:r>
-              <a:rPr b="1" lang="de-DE" sz="3600" spc="-1" strike="noStrike">
-                <a:solidFill>
-                  <a:srgbClr val="000000"/>
-                </a:solidFill>
-                <a:latin typeface="Neue Haas Grotesk Text Pro"/>
-                <a:ea typeface="DejaVu Sans"/>
-              </a:rPr>
-              <a:t> </a:t>
-            </a:r>
-            <a:endParaRPr b="0" lang="de-DE" sz="3600" spc="-1" strike="noStrike">
-              <a:solidFill>
-                <a:srgbClr val="000000"/>
-              </a:solidFill>
+            <a:endParaRPr b="0" lang="en-US" sz="3600" spc="-1" strike="noStrike">
               <a:latin typeface="Arial"/>
             </a:endParaRPr>
           </a:p>
@@ -30078,7 +27913,7 @@
         <p:spPr>
           <a:xfrm>
             <a:off x="1069920" y="2139840"/>
-            <a:ext cx="8882640" cy="3676680"/>
+            <a:ext cx="8882280" cy="3676320"/>
           </a:xfrm>
           <a:prstGeom prst="rect">
             <a:avLst/>
@@ -30119,10 +27954,7 @@
               </a:rPr>
               <a:t>Vorteile Schrittmotor </a:t>
             </a:r>
-            <a:endParaRPr b="0" lang="de-DE" sz="1800" spc="-1" strike="noStrike">
-              <a:solidFill>
-                <a:srgbClr val="000000"/>
-              </a:solidFill>
+            <a:endParaRPr b="0" lang="en-US" sz="1800" spc="-1" strike="noStrike">
               <a:latin typeface="Arial"/>
             </a:endParaRPr>
           </a:p>
@@ -30153,10 +27985,7 @@
               </a:rPr>
               <a:t>Sehr präzise Bewegung </a:t>
             </a:r>
-            <a:endParaRPr b="0" lang="de-DE" sz="1800" spc="-1" strike="noStrike">
-              <a:solidFill>
-                <a:srgbClr val="000000"/>
-              </a:solidFill>
+            <a:endParaRPr b="0" lang="en-US" sz="1800" spc="-1" strike="noStrike">
               <a:latin typeface="Arial"/>
             </a:endParaRPr>
           </a:p>
@@ -30197,10 +28026,7 @@
               </a:rPr>
               <a:t>Arbeitet mit kleinen schritten </a:t>
             </a:r>
-            <a:endParaRPr b="0" lang="de-DE" sz="1800" spc="-1" strike="noStrike">
-              <a:solidFill>
-                <a:srgbClr val="000000"/>
-              </a:solidFill>
+            <a:endParaRPr b="0" lang="en-US" sz="1800" spc="-1" strike="noStrike">
               <a:latin typeface="Arial"/>
             </a:endParaRPr>
           </a:p>
@@ -30231,10 +28057,7 @@
               </a:rPr>
               <a:t>Viel kraft       genau auch bei einen widerstand </a:t>
             </a:r>
-            <a:endParaRPr b="0" lang="de-DE" sz="1800" spc="-1" strike="noStrike">
-              <a:solidFill>
-                <a:srgbClr val="000000"/>
-              </a:solidFill>
+            <a:endParaRPr b="0" lang="en-US" sz="1800" spc="-1" strike="noStrike">
               <a:latin typeface="Arial"/>
             </a:endParaRPr>
           </a:p>
@@ -30265,10 +28088,7 @@
               </a:rPr>
               <a:t>Gleichmäßige Drehung  </a:t>
             </a:r>
-            <a:endParaRPr b="0" lang="de-DE" sz="1800" spc="-1" strike="noStrike">
-              <a:solidFill>
-                <a:srgbClr val="000000"/>
-              </a:solidFill>
+            <a:endParaRPr b="0" lang="en-US" sz="1800" spc="-1" strike="noStrike">
               <a:latin typeface="Arial"/>
             </a:endParaRPr>
           </a:p>
@@ -30285,10 +28105,7 @@
                 <a:tab algn="l" pos="0"/>
               </a:tabLst>
             </a:pPr>
-            <a:endParaRPr b="0" lang="de-DE" sz="1800" spc="-1" strike="noStrike">
-              <a:solidFill>
-                <a:srgbClr val="000000"/>
-              </a:solidFill>
+            <a:endParaRPr b="0" lang="en-US" sz="1800" spc="-1" strike="noStrike">
               <a:latin typeface="Arial"/>
             </a:endParaRPr>
           </a:p>
@@ -30305,10 +28122,7 @@
                 <a:tab algn="l" pos="0"/>
               </a:tabLst>
             </a:pPr>
-            <a:endParaRPr b="0" lang="de-DE" sz="1800" spc="-1" strike="noStrike">
-              <a:solidFill>
-                <a:srgbClr val="000000"/>
-              </a:solidFill>
+            <a:endParaRPr b="0" lang="en-US" sz="1800" spc="-1" strike="noStrike">
               <a:latin typeface="Arial"/>
             </a:endParaRPr>
           </a:p>
@@ -30325,10 +28139,7 @@
                 <a:tab algn="l" pos="0"/>
               </a:tabLst>
             </a:pPr>
-            <a:endParaRPr b="0" lang="de-DE" sz="1800" spc="-1" strike="noStrike">
-              <a:solidFill>
-                <a:srgbClr val="000000"/>
-              </a:solidFill>
+            <a:endParaRPr b="0" lang="en-US" sz="1800" spc="-1" strike="noStrike">
               <a:latin typeface="Arial"/>
             </a:endParaRPr>
           </a:p>
@@ -30343,7 +28154,7 @@
         <p:spPr>
           <a:xfrm>
             <a:off x="2394360" y="3597120"/>
-            <a:ext cx="309240" cy="275760"/>
+            <a:ext cx="308880" cy="275400"/>
           </a:xfrm>
           <a:prstGeom prst="rightArrow">
             <a:avLst>
@@ -30418,7 +28229,7 @@
         <p:spPr>
           <a:xfrm>
             <a:off x="1652760" y="365400"/>
-            <a:ext cx="8885880" cy="952560"/>
+            <a:ext cx="8885520" cy="952200"/>
           </a:xfrm>
           <a:prstGeom prst="rect">
             <a:avLst/>
@@ -30447,112 +28258,9 @@
                 <a:latin typeface="Neue Haas Grotesk Text Pro"/>
                 <a:ea typeface="DejaVu Sans"/>
               </a:rPr>
-              <a:t>E</a:t>
+              <a:t>Elektronik </a:t>
             </a:r>
-            <a:r>
-              <a:rPr b="1" lang="de-DE" sz="3600" spc="-1" strike="noStrike">
-                <a:solidFill>
-                  <a:srgbClr val="000000"/>
-                </a:solidFill>
-                <a:latin typeface="Neue Haas Grotesk Text Pro"/>
-                <a:ea typeface="DejaVu Sans"/>
-              </a:rPr>
-              <a:t>l</a:t>
-            </a:r>
-            <a:r>
-              <a:rPr b="1" lang="de-DE" sz="3600" spc="-1" strike="noStrike">
-                <a:solidFill>
-                  <a:srgbClr val="000000"/>
-                </a:solidFill>
-                <a:latin typeface="Neue Haas Grotesk Text Pro"/>
-                <a:ea typeface="DejaVu Sans"/>
-              </a:rPr>
-              <a:t>e</a:t>
-            </a:r>
-            <a:r>
-              <a:rPr b="1" lang="de-DE" sz="3600" spc="-1" strike="noStrike">
-                <a:solidFill>
-                  <a:srgbClr val="000000"/>
-                </a:solidFill>
-                <a:latin typeface="Neue Haas Grotesk Text Pro"/>
-                <a:ea typeface="DejaVu Sans"/>
-              </a:rPr>
-              <a:t>k</a:t>
-            </a:r>
-            <a:r>
-              <a:rPr b="1" lang="de-DE" sz="3600" spc="-1" strike="noStrike">
-                <a:solidFill>
-                  <a:srgbClr val="000000"/>
-                </a:solidFill>
-                <a:latin typeface="Neue Haas Grotesk Text Pro"/>
-                <a:ea typeface="DejaVu Sans"/>
-              </a:rPr>
-              <a:t>t</a:t>
-            </a:r>
-            <a:r>
-              <a:rPr b="1" lang="de-DE" sz="3600" spc="-1" strike="noStrike">
-                <a:solidFill>
-                  <a:srgbClr val="000000"/>
-                </a:solidFill>
-                <a:latin typeface="Neue Haas Grotesk Text Pro"/>
-                <a:ea typeface="DejaVu Sans"/>
-              </a:rPr>
-              <a:t>r</a:t>
-            </a:r>
-            <a:r>
-              <a:rPr b="1" lang="de-DE" sz="3600" spc="-1" strike="noStrike">
-                <a:solidFill>
-                  <a:srgbClr val="000000"/>
-                </a:solidFill>
-                <a:latin typeface="Neue Haas Grotesk Text Pro"/>
-                <a:ea typeface="DejaVu Sans"/>
-              </a:rPr>
-              <a:t>o</a:t>
-            </a:r>
-            <a:r>
-              <a:rPr b="1" lang="de-DE" sz="3600" spc="-1" strike="noStrike">
-                <a:solidFill>
-                  <a:srgbClr val="000000"/>
-                </a:solidFill>
-                <a:latin typeface="Neue Haas Grotesk Text Pro"/>
-                <a:ea typeface="DejaVu Sans"/>
-              </a:rPr>
-              <a:t>n</a:t>
-            </a:r>
-            <a:r>
-              <a:rPr b="1" lang="de-DE" sz="3600" spc="-1" strike="noStrike">
-                <a:solidFill>
-                  <a:srgbClr val="000000"/>
-                </a:solidFill>
-                <a:latin typeface="Neue Haas Grotesk Text Pro"/>
-                <a:ea typeface="DejaVu Sans"/>
-              </a:rPr>
-              <a:t>i</a:t>
-            </a:r>
-            <a:r>
-              <a:rPr b="1" lang="de-DE" sz="3600" spc="-1" strike="noStrike">
-                <a:solidFill>
-                  <a:srgbClr val="000000"/>
-                </a:solidFill>
-                <a:latin typeface="Neue Haas Grotesk Text Pro"/>
-                <a:ea typeface="DejaVu Sans"/>
-              </a:rPr>
-              <a:t>k</a:t>
-            </a:r>
-            <a:r>
-              <a:rPr b="1" lang="de-DE" sz="3600" spc="-1" strike="noStrike">
-                <a:solidFill>
-                  <a:srgbClr val="000000"/>
-                </a:solidFill>
-                <a:latin typeface="Neue Haas Grotesk Text Pro"/>
-                <a:ea typeface="DejaVu Sans"/>
-              </a:rPr>
-              <a:t> </a:t>
-            </a:r>
-            <a:endParaRPr b="0" lang="de-DE" sz="3600" spc="-1" strike="noStrike">
-              <a:solidFill>
-                <a:srgbClr val="000000"/>
-              </a:solidFill>
+            <a:endParaRPr b="0" lang="en-US" sz="3600" spc="-1" strike="noStrike">
               <a:latin typeface="Arial"/>
             </a:endParaRPr>
           </a:p>
@@ -30570,8 +28278,8 @@
         </p:blipFill>
         <p:spPr>
           <a:xfrm rot="16200000">
-            <a:off x="5575680" y="459360"/>
-            <a:ext cx="4343760" cy="7723080"/>
+            <a:off x="5575680" y="459720"/>
+            <a:ext cx="4343400" cy="7722720"/>
           </a:xfrm>
           <a:prstGeom prst="rect">
             <a:avLst/>
@@ -30590,7 +28298,7 @@
         <p:spPr>
           <a:xfrm>
             <a:off x="830160" y="2148480"/>
-            <a:ext cx="7970040" cy="1186920"/>
+            <a:ext cx="7969680" cy="1186920"/>
           </a:xfrm>
           <a:prstGeom prst="rect">
             <a:avLst/>
